--- a/t.1.1/t.1.1.pptx
+++ b/t.1.1/t.1.1.pptx
@@ -6,6 +6,11 @@
   </p:sldMasterIdLst>
   <p:sldIdLst>
     <p:sldId id="256" r:id="rId2"/>
+    <p:sldId id="257" r:id="rId3"/>
+    <p:sldId id="258" r:id="rId4"/>
+    <p:sldId id="259" r:id="rId5"/>
+    <p:sldId id="260" r:id="rId6"/>
+    <p:sldId id="261" r:id="rId7"/>
   </p:sldIdLst>
   <p:sldSz cx="9144000" cy="6858000" type="screen4x3"/>
   <p:notesSz cx="6858000" cy="9144000"/>
@@ -2572,9 +2577,24 @@
 <p:sldMaster xmlns:a="http://schemas.openxmlformats.org/drawingml/2006/main" xmlns:r="http://schemas.openxmlformats.org/officeDocument/2006/relationships" xmlns:p="http://schemas.openxmlformats.org/presentationml/2006/main">
   <p:cSld>
     <p:bg>
-      <p:bgRef idx="1001">
-        <a:schemeClr val="bg1"/>
-      </p:bgRef>
+      <p:bgPr>
+        <a:gradFill flip="none" rotWithShape="1">
+          <a:gsLst>
+            <a:gs pos="0">
+              <a:srgbClr val="FFEFD1"/>
+            </a:gs>
+            <a:gs pos="64999">
+              <a:srgbClr val="F0EBD5"/>
+            </a:gs>
+            <a:gs pos="100000">
+              <a:srgbClr val="D1C39F"/>
+            </a:gs>
+          </a:gsLst>
+          <a:lin ang="5400000" scaled="0"/>
+          <a:tileRect/>
+        </a:gradFill>
+        <a:effectLst/>
+      </p:bgPr>
     </p:bg>
     <p:spTree>
       <p:nvGrpSpPr>
@@ -3110,7 +3130,29 @@
           <a:bodyPr/>
           <a:lstStyle/>
           <a:p>
-            <a:endParaRPr lang="ru-RU"/>
+            <a:r>
+              <a:rPr lang="ru-RU" b="1" dirty="0" smtClean="0">
+                <a:effectLst>
+                  <a:outerShdw blurRad="38100" dist="38100" dir="2700000" algn="tl">
+                    <a:srgbClr val="000000">
+                      <a:alpha val="43137"/>
+                    </a:srgbClr>
+                  </a:outerShdw>
+                </a:effectLst>
+                <a:latin typeface="Comic Sans MS" panose="030F0702030302020204" pitchFamily="66" charset="0"/>
+              </a:rPr>
+              <a:t>Блок-схема</a:t>
+            </a:r>
+            <a:endParaRPr lang="ru-RU" b="1" dirty="0">
+              <a:effectLst>
+                <a:outerShdw blurRad="38100" dist="38100" dir="2700000" algn="tl">
+                  <a:srgbClr val="000000">
+                    <a:alpha val="43137"/>
+                  </a:srgbClr>
+                </a:outerShdw>
+              </a:effectLst>
+              <a:latin typeface="Comic Sans MS" panose="030F0702030302020204" pitchFamily="66" charset="0"/>
+            </a:endParaRPr>
           </a:p>
         </p:txBody>
       </p:sp>
@@ -3129,10 +3171,59 @@
           <a:bodyPr/>
           <a:lstStyle/>
           <a:p>
-            <a:endParaRPr lang="ru-RU"/>
-          </a:p>
-        </p:txBody>
-      </p:sp>
+            <a:r>
+              <a:rPr lang="ru-RU" dirty="0" smtClean="0">
+                <a:latin typeface="Comic Sans MS" panose="030F0702030302020204" pitchFamily="66" charset="0"/>
+              </a:rPr>
+              <a:t>Что это такое и с чем это едят?</a:t>
+            </a:r>
+            <a:endParaRPr lang="ru-RU" dirty="0">
+              <a:latin typeface="Comic Sans MS" panose="030F0702030302020204" pitchFamily="66" charset="0"/>
+            </a:endParaRPr>
+          </a:p>
+        </p:txBody>
+      </p:sp>
+      <p:pic>
+        <p:nvPicPr>
+          <p:cNvPr id="1028" name="Picture 4" descr="E:\Programming\блог\img\ML.png"/>
+          <p:cNvPicPr>
+            <a:picLocks noChangeAspect="1" noChangeArrowheads="1"/>
+          </p:cNvPicPr>
+          <p:nvPr/>
+        </p:nvPicPr>
+        <p:blipFill>
+          <a:blip r:embed="rId2" cstate="print">
+            <a:extLst>
+              <a:ext uri="{28A0092B-C50C-407E-A947-70E740481C1C}">
+                <a14:useLocalDpi xmlns:a14="http://schemas.microsoft.com/office/drawing/2010/main" val="0"/>
+              </a:ext>
+            </a:extLst>
+          </a:blip>
+          <a:srcRect/>
+          <a:stretch>
+            <a:fillRect/>
+          </a:stretch>
+        </p:blipFill>
+        <p:spPr bwMode="auto">
+          <a:xfrm>
+            <a:off x="8136804" y="188640"/>
+            <a:ext cx="792905" cy="645453"/>
+          </a:xfrm>
+          <a:prstGeom prst="rect">
+            <a:avLst/>
+          </a:prstGeom>
+          <a:noFill/>
+          <a:extLst>
+            <a:ext uri="{909E8E84-426E-40DD-AFC4-6F175D3DCCD1}">
+              <a14:hiddenFill xmlns:a14="http://schemas.microsoft.com/office/drawing/2010/main">
+                <a:solidFill>
+                  <a:srgbClr val="FFFFFF"/>
+                </a:solidFill>
+              </a14:hiddenFill>
+            </a:ext>
+          </a:extLst>
+        </p:spPr>
+      </p:pic>
     </p:spTree>
     <p:extLst>
       <p:ext uri="{BB962C8B-B14F-4D97-AF65-F5344CB8AC3E}">
@@ -3143,6 +3234,2685 @@
   <p:clrMapOvr>
     <a:masterClrMapping/>
   </p:clrMapOvr>
+  <p:timing>
+    <p:tnLst>
+      <p:par>
+        <p:cTn id="1" dur="indefinite" restart="never" nodeType="tmRoot"/>
+      </p:par>
+    </p:tnLst>
+  </p:timing>
+</p:sld>
+</file>
+
+<file path=ppt/slides/slide2.xml><?xml version="1.0" encoding="utf-8"?>
+<p:sld xmlns:a="http://schemas.openxmlformats.org/drawingml/2006/main" xmlns:r="http://schemas.openxmlformats.org/officeDocument/2006/relationships" xmlns:p="http://schemas.openxmlformats.org/presentationml/2006/main">
+  <p:cSld>
+    <p:spTree>
+      <p:nvGrpSpPr>
+        <p:cNvPr id="1" name=""/>
+        <p:cNvGrpSpPr/>
+        <p:nvPr/>
+      </p:nvGrpSpPr>
+      <p:grpSpPr>
+        <a:xfrm>
+          <a:off x="0" y="0"/>
+          <a:ext cx="0" cy="0"/>
+          <a:chOff x="0" y="0"/>
+          <a:chExt cx="0" cy="0"/>
+        </a:xfrm>
+      </p:grpSpPr>
+      <p:sp>
+        <p:nvSpPr>
+          <p:cNvPr id="2" name="Заголовок 1"/>
+          <p:cNvSpPr>
+            <a:spLocks noGrp="1"/>
+          </p:cNvSpPr>
+          <p:nvPr>
+            <p:ph type="title"/>
+          </p:nvPr>
+        </p:nvSpPr>
+        <p:spPr/>
+        <p:txBody>
+          <a:bodyPr/>
+          <a:lstStyle/>
+          <a:p>
+            <a:r>
+              <a:rPr lang="ru-RU" b="1" dirty="0" smtClean="0">
+                <a:effectLst>
+                  <a:outerShdw blurRad="38100" dist="38100" dir="2700000" algn="tl">
+                    <a:srgbClr val="000000">
+                      <a:alpha val="43137"/>
+                    </a:srgbClr>
+                  </a:outerShdw>
+                </a:effectLst>
+                <a:latin typeface="Comic Sans MS" panose="030F0702030302020204" pitchFamily="66" charset="0"/>
+              </a:rPr>
+              <a:t>Блок данных</a:t>
+            </a:r>
+            <a:endParaRPr lang="ru-RU" b="1" dirty="0">
+              <a:effectLst>
+                <a:outerShdw blurRad="38100" dist="38100" dir="2700000" algn="tl">
+                  <a:srgbClr val="000000">
+                    <a:alpha val="43137"/>
+                  </a:srgbClr>
+                </a:outerShdw>
+              </a:effectLst>
+              <a:latin typeface="Comic Sans MS" panose="030F0702030302020204" pitchFamily="66" charset="0"/>
+            </a:endParaRPr>
+          </a:p>
+        </p:txBody>
+      </p:sp>
+      <p:pic>
+        <p:nvPicPr>
+          <p:cNvPr id="4" name="Picture 4" descr="E:\Programming\блог\img\ML.png"/>
+          <p:cNvPicPr>
+            <a:picLocks noChangeAspect="1" noChangeArrowheads="1"/>
+          </p:cNvPicPr>
+          <p:nvPr/>
+        </p:nvPicPr>
+        <p:blipFill>
+          <a:blip r:embed="rId2" cstate="print">
+            <a:extLst>
+              <a:ext uri="{28A0092B-C50C-407E-A947-70E740481C1C}">
+                <a14:useLocalDpi xmlns:a14="http://schemas.microsoft.com/office/drawing/2010/main" val="0"/>
+              </a:ext>
+            </a:extLst>
+          </a:blip>
+          <a:srcRect/>
+          <a:stretch>
+            <a:fillRect/>
+          </a:stretch>
+        </p:blipFill>
+        <p:spPr bwMode="auto">
+          <a:xfrm>
+            <a:off x="8136804" y="188640"/>
+            <a:ext cx="792905" cy="645453"/>
+          </a:xfrm>
+          <a:prstGeom prst="rect">
+            <a:avLst/>
+          </a:prstGeom>
+          <a:noFill/>
+          <a:extLst>
+            <a:ext uri="{909E8E84-426E-40DD-AFC4-6F175D3DCCD1}">
+              <a14:hiddenFill xmlns:a14="http://schemas.microsoft.com/office/drawing/2010/main">
+                <a:solidFill>
+                  <a:srgbClr val="FFFFFF"/>
+                </a:solidFill>
+              </a14:hiddenFill>
+            </a:ext>
+          </a:extLst>
+        </p:spPr>
+      </p:pic>
+      <p:cxnSp>
+        <p:nvCxnSpPr>
+          <p:cNvPr id="6" name="Прямая соединительная линия 5"/>
+          <p:cNvCxnSpPr/>
+          <p:nvPr/>
+        </p:nvCxnSpPr>
+        <p:spPr>
+          <a:xfrm>
+            <a:off x="3131840" y="1988840"/>
+            <a:ext cx="0" cy="4320480"/>
+          </a:xfrm>
+          <a:prstGeom prst="line">
+            <a:avLst/>
+          </a:prstGeom>
+          <a:ln w="25400">
+            <a:solidFill>
+              <a:schemeClr val="bg1"/>
+            </a:solidFill>
+          </a:ln>
+        </p:spPr>
+        <p:style>
+          <a:lnRef idx="1">
+            <a:schemeClr val="accent1"/>
+          </a:lnRef>
+          <a:fillRef idx="0">
+            <a:schemeClr val="accent1"/>
+          </a:fillRef>
+          <a:effectRef idx="0">
+            <a:schemeClr val="accent1"/>
+          </a:effectRef>
+          <a:fontRef idx="minor">
+            <a:schemeClr val="tx1"/>
+          </a:fontRef>
+        </p:style>
+      </p:cxnSp>
+      <p:cxnSp>
+        <p:nvCxnSpPr>
+          <p:cNvPr id="7" name="Прямая соединительная линия 6"/>
+          <p:cNvCxnSpPr/>
+          <p:nvPr/>
+        </p:nvCxnSpPr>
+        <p:spPr>
+          <a:xfrm>
+            <a:off x="6012160" y="1988840"/>
+            <a:ext cx="0" cy="4320480"/>
+          </a:xfrm>
+          <a:prstGeom prst="line">
+            <a:avLst/>
+          </a:prstGeom>
+          <a:ln w="25400">
+            <a:solidFill>
+              <a:schemeClr val="bg1"/>
+            </a:solidFill>
+          </a:ln>
+        </p:spPr>
+        <p:style>
+          <a:lnRef idx="1">
+            <a:schemeClr val="accent1"/>
+          </a:lnRef>
+          <a:fillRef idx="0">
+            <a:schemeClr val="accent1"/>
+          </a:fillRef>
+          <a:effectRef idx="0">
+            <a:schemeClr val="accent1"/>
+          </a:effectRef>
+          <a:fontRef idx="minor">
+            <a:schemeClr val="tx1"/>
+          </a:fontRef>
+        </p:style>
+      </p:cxnSp>
+      <p:sp>
+        <p:nvSpPr>
+          <p:cNvPr id="8" name="Блок-схема: данные 7"/>
+          <p:cNvSpPr/>
+          <p:nvPr/>
+        </p:nvSpPr>
+        <p:spPr>
+          <a:xfrm>
+            <a:off x="827584" y="2708920"/>
+            <a:ext cx="1693182" cy="720080"/>
+          </a:xfrm>
+          <a:prstGeom prst="flowChartInputOutput">
+            <a:avLst/>
+          </a:prstGeom>
+          <a:solidFill>
+            <a:schemeClr val="bg1"/>
+          </a:solidFill>
+          <a:ln>
+            <a:solidFill>
+              <a:schemeClr val="tx1"/>
+            </a:solidFill>
+          </a:ln>
+        </p:spPr>
+        <p:style>
+          <a:lnRef idx="2">
+            <a:schemeClr val="accent1">
+              <a:shade val="50000"/>
+            </a:schemeClr>
+          </a:lnRef>
+          <a:fillRef idx="1">
+            <a:schemeClr val="accent1"/>
+          </a:fillRef>
+          <a:effectRef idx="0">
+            <a:schemeClr val="accent1"/>
+          </a:effectRef>
+          <a:fontRef idx="minor">
+            <a:schemeClr val="lt1"/>
+          </a:fontRef>
+        </p:style>
+        <p:txBody>
+          <a:bodyPr rtlCol="0" anchor="ctr"/>
+          <a:lstStyle/>
+          <a:p>
+            <a:pPr algn="ctr"/>
+            <a:r>
+              <a:rPr lang="ru-RU" b="1" dirty="0" smtClean="0">
+                <a:solidFill>
+                  <a:schemeClr val="tx1"/>
+                </a:solidFill>
+                <a:latin typeface="Courier New" panose="02070309020205020404" pitchFamily="49" charset="0"/>
+                <a:cs typeface="Courier New" panose="02070309020205020404" pitchFamily="49" charset="0"/>
+              </a:rPr>
+              <a:t>Ввод данных</a:t>
+            </a:r>
+            <a:endParaRPr lang="ru-RU" b="1" dirty="0">
+              <a:solidFill>
+                <a:schemeClr val="tx1"/>
+              </a:solidFill>
+              <a:latin typeface="Courier New" panose="02070309020205020404" pitchFamily="49" charset="0"/>
+              <a:cs typeface="Courier New" panose="02070309020205020404" pitchFamily="49" charset="0"/>
+            </a:endParaRPr>
+          </a:p>
+        </p:txBody>
+      </p:sp>
+      <p:sp>
+        <p:nvSpPr>
+          <p:cNvPr id="9" name="Блок-схема: данные 8"/>
+          <p:cNvSpPr/>
+          <p:nvPr/>
+        </p:nvSpPr>
+        <p:spPr>
+          <a:xfrm>
+            <a:off x="802908" y="4869160"/>
+            <a:ext cx="1693182" cy="720080"/>
+          </a:xfrm>
+          <a:prstGeom prst="flowChartInputOutput">
+            <a:avLst/>
+          </a:prstGeom>
+          <a:solidFill>
+            <a:schemeClr val="bg1"/>
+          </a:solidFill>
+          <a:ln>
+            <a:solidFill>
+              <a:schemeClr val="tx1"/>
+            </a:solidFill>
+          </a:ln>
+        </p:spPr>
+        <p:style>
+          <a:lnRef idx="2">
+            <a:schemeClr val="accent1">
+              <a:shade val="50000"/>
+            </a:schemeClr>
+          </a:lnRef>
+          <a:fillRef idx="1">
+            <a:schemeClr val="accent1"/>
+          </a:fillRef>
+          <a:effectRef idx="0">
+            <a:schemeClr val="accent1"/>
+          </a:effectRef>
+          <a:fontRef idx="minor">
+            <a:schemeClr val="lt1"/>
+          </a:fontRef>
+        </p:style>
+        <p:txBody>
+          <a:bodyPr rtlCol="0" anchor="ctr"/>
+          <a:lstStyle/>
+          <a:p>
+            <a:pPr algn="ctr"/>
+            <a:r>
+              <a:rPr lang="ru-RU" b="1" dirty="0" smtClean="0">
+                <a:solidFill>
+                  <a:schemeClr val="tx1"/>
+                </a:solidFill>
+                <a:latin typeface="Courier New" panose="02070309020205020404" pitchFamily="49" charset="0"/>
+                <a:cs typeface="Courier New" panose="02070309020205020404" pitchFamily="49" charset="0"/>
+              </a:rPr>
+              <a:t>Вывод данных</a:t>
+            </a:r>
+            <a:endParaRPr lang="ru-RU" b="1" dirty="0">
+              <a:solidFill>
+                <a:schemeClr val="tx1"/>
+              </a:solidFill>
+              <a:latin typeface="Courier New" panose="02070309020205020404" pitchFamily="49" charset="0"/>
+              <a:cs typeface="Courier New" panose="02070309020205020404" pitchFamily="49" charset="0"/>
+            </a:endParaRPr>
+          </a:p>
+        </p:txBody>
+      </p:sp>
+      <p:sp>
+        <p:nvSpPr>
+          <p:cNvPr id="10" name="Блок-схема: данные 9"/>
+          <p:cNvSpPr/>
+          <p:nvPr/>
+        </p:nvSpPr>
+        <p:spPr>
+          <a:xfrm>
+            <a:off x="3707904" y="2708920"/>
+            <a:ext cx="1693182" cy="720080"/>
+          </a:xfrm>
+          <a:prstGeom prst="flowChartInputOutput">
+            <a:avLst/>
+          </a:prstGeom>
+          <a:solidFill>
+            <a:schemeClr val="bg1"/>
+          </a:solidFill>
+          <a:ln>
+            <a:solidFill>
+              <a:schemeClr val="tx1"/>
+            </a:solidFill>
+          </a:ln>
+        </p:spPr>
+        <p:style>
+          <a:lnRef idx="2">
+            <a:schemeClr val="accent1">
+              <a:shade val="50000"/>
+            </a:schemeClr>
+          </a:lnRef>
+          <a:fillRef idx="1">
+            <a:schemeClr val="accent1"/>
+          </a:fillRef>
+          <a:effectRef idx="0">
+            <a:schemeClr val="accent1"/>
+          </a:effectRef>
+          <a:fontRef idx="minor">
+            <a:schemeClr val="lt1"/>
+          </a:fontRef>
+        </p:style>
+        <p:txBody>
+          <a:bodyPr rtlCol="0" anchor="ctr"/>
+          <a:lstStyle/>
+          <a:p>
+            <a:pPr algn="ctr"/>
+            <a:r>
+              <a:rPr lang="ru-RU" b="1" dirty="0" smtClean="0">
+                <a:solidFill>
+                  <a:schemeClr val="tx1"/>
+                </a:solidFill>
+                <a:latin typeface="Courier New" panose="02070309020205020404" pitchFamily="49" charset="0"/>
+                <a:cs typeface="Courier New" panose="02070309020205020404" pitchFamily="49" charset="0"/>
+              </a:rPr>
+              <a:t>Ввод </a:t>
+            </a:r>
+            <a:r>
+              <a:rPr lang="en-US" b="1" dirty="0" smtClean="0">
+                <a:solidFill>
+                  <a:schemeClr val="tx1"/>
+                </a:solidFill>
+                <a:latin typeface="Courier New" panose="02070309020205020404" pitchFamily="49" charset="0"/>
+                <a:cs typeface="Courier New" panose="02070309020205020404" pitchFamily="49" charset="0"/>
+              </a:rPr>
+              <a:t>N</a:t>
+            </a:r>
+            <a:endParaRPr lang="ru-RU" b="1" dirty="0">
+              <a:solidFill>
+                <a:schemeClr val="tx1"/>
+              </a:solidFill>
+              <a:latin typeface="Courier New" panose="02070309020205020404" pitchFamily="49" charset="0"/>
+              <a:cs typeface="Courier New" panose="02070309020205020404" pitchFamily="49" charset="0"/>
+            </a:endParaRPr>
+          </a:p>
+        </p:txBody>
+      </p:sp>
+      <p:sp>
+        <p:nvSpPr>
+          <p:cNvPr id="11" name="Блок-схема: данные 10"/>
+          <p:cNvSpPr/>
+          <p:nvPr/>
+        </p:nvSpPr>
+        <p:spPr>
+          <a:xfrm>
+            <a:off x="3689164" y="4869160"/>
+            <a:ext cx="1711922" cy="720080"/>
+          </a:xfrm>
+          <a:prstGeom prst="flowChartInputOutput">
+            <a:avLst/>
+          </a:prstGeom>
+          <a:solidFill>
+            <a:schemeClr val="bg1"/>
+          </a:solidFill>
+          <a:ln>
+            <a:solidFill>
+              <a:schemeClr val="tx1"/>
+            </a:solidFill>
+          </a:ln>
+        </p:spPr>
+        <p:style>
+          <a:lnRef idx="2">
+            <a:schemeClr val="accent1">
+              <a:shade val="50000"/>
+            </a:schemeClr>
+          </a:lnRef>
+          <a:fillRef idx="1">
+            <a:schemeClr val="accent1"/>
+          </a:fillRef>
+          <a:effectRef idx="0">
+            <a:schemeClr val="accent1"/>
+          </a:effectRef>
+          <a:fontRef idx="minor">
+            <a:schemeClr val="lt1"/>
+          </a:fontRef>
+        </p:style>
+        <p:txBody>
+          <a:bodyPr rtlCol="0" anchor="ctr"/>
+          <a:lstStyle/>
+          <a:p>
+            <a:pPr algn="ctr"/>
+            <a:r>
+              <a:rPr lang="ru-RU" b="1" dirty="0" smtClean="0">
+                <a:solidFill>
+                  <a:schemeClr val="tx1"/>
+                </a:solidFill>
+                <a:latin typeface="Courier New" panose="02070309020205020404" pitchFamily="49" charset="0"/>
+                <a:cs typeface="Courier New" panose="02070309020205020404" pitchFamily="49" charset="0"/>
+              </a:rPr>
+              <a:t>Вывод </a:t>
+            </a:r>
+            <a:r>
+              <a:rPr lang="en-US" b="1" dirty="0" smtClean="0">
+                <a:solidFill>
+                  <a:schemeClr val="tx1"/>
+                </a:solidFill>
+                <a:latin typeface="Courier New" panose="02070309020205020404" pitchFamily="49" charset="0"/>
+                <a:cs typeface="Courier New" panose="02070309020205020404" pitchFamily="49" charset="0"/>
+              </a:rPr>
+              <a:t>N</a:t>
+            </a:r>
+            <a:endParaRPr lang="ru-RU" b="1" dirty="0">
+              <a:solidFill>
+                <a:schemeClr val="tx1"/>
+              </a:solidFill>
+              <a:latin typeface="Courier New" panose="02070309020205020404" pitchFamily="49" charset="0"/>
+              <a:cs typeface="Courier New" panose="02070309020205020404" pitchFamily="49" charset="0"/>
+            </a:endParaRPr>
+          </a:p>
+        </p:txBody>
+      </p:sp>
+      <p:sp>
+        <p:nvSpPr>
+          <p:cNvPr id="12" name="TextBox 11"/>
+          <p:cNvSpPr txBox="1"/>
+          <p:nvPr/>
+        </p:nvSpPr>
+        <p:spPr>
+          <a:xfrm>
+            <a:off x="6589338" y="2884294"/>
+            <a:ext cx="1701107" cy="369332"/>
+          </a:xfrm>
+          <a:prstGeom prst="rect">
+            <a:avLst/>
+          </a:prstGeom>
+          <a:solidFill>
+            <a:schemeClr val="bg1"/>
+          </a:solidFill>
+        </p:spPr>
+        <p:txBody>
+          <a:bodyPr wrap="none" rtlCol="0">
+            <a:spAutoFit/>
+          </a:bodyPr>
+          <a:lstStyle/>
+          <a:p>
+            <a:r>
+              <a:rPr lang="en-US" b="1" dirty="0" err="1" smtClean="0">
+                <a:latin typeface="Courier New" panose="02070309020205020404" pitchFamily="49" charset="0"/>
+                <a:cs typeface="Courier New" panose="02070309020205020404" pitchFamily="49" charset="0"/>
+              </a:rPr>
+              <a:t>readln</a:t>
+            </a:r>
+            <a:r>
+              <a:rPr lang="en-US" b="1" dirty="0" smtClean="0">
+                <a:latin typeface="Courier New" panose="02070309020205020404" pitchFamily="49" charset="0"/>
+                <a:cs typeface="Courier New" panose="02070309020205020404" pitchFamily="49" charset="0"/>
+              </a:rPr>
+              <a:t> (N);</a:t>
+            </a:r>
+            <a:endParaRPr lang="ru-RU" b="1" dirty="0">
+              <a:latin typeface="Courier New" panose="02070309020205020404" pitchFamily="49" charset="0"/>
+              <a:cs typeface="Courier New" panose="02070309020205020404" pitchFamily="49" charset="0"/>
+            </a:endParaRPr>
+          </a:p>
+        </p:txBody>
+      </p:sp>
+      <p:sp>
+        <p:nvSpPr>
+          <p:cNvPr id="13" name="TextBox 12"/>
+          <p:cNvSpPr txBox="1"/>
+          <p:nvPr/>
+        </p:nvSpPr>
+        <p:spPr>
+          <a:xfrm>
+            <a:off x="6520408" y="5044534"/>
+            <a:ext cx="1838965" cy="369332"/>
+          </a:xfrm>
+          <a:prstGeom prst="rect">
+            <a:avLst/>
+          </a:prstGeom>
+          <a:solidFill>
+            <a:schemeClr val="bg1"/>
+          </a:solidFill>
+        </p:spPr>
+        <p:txBody>
+          <a:bodyPr wrap="none" rtlCol="0">
+            <a:spAutoFit/>
+          </a:bodyPr>
+          <a:lstStyle/>
+          <a:p>
+            <a:r>
+              <a:rPr lang="en-US" b="1" dirty="0" err="1" smtClean="0">
+                <a:latin typeface="Courier New" panose="02070309020205020404" pitchFamily="49" charset="0"/>
+                <a:cs typeface="Courier New" panose="02070309020205020404" pitchFamily="49" charset="0"/>
+              </a:rPr>
+              <a:t>writeln</a:t>
+            </a:r>
+            <a:r>
+              <a:rPr lang="en-US" b="1" dirty="0" smtClean="0">
+                <a:latin typeface="Courier New" panose="02070309020205020404" pitchFamily="49" charset="0"/>
+                <a:cs typeface="Courier New" panose="02070309020205020404" pitchFamily="49" charset="0"/>
+              </a:rPr>
+              <a:t> (N);</a:t>
+            </a:r>
+            <a:endParaRPr lang="ru-RU" b="1" dirty="0">
+              <a:latin typeface="Courier New" panose="02070309020205020404" pitchFamily="49" charset="0"/>
+              <a:cs typeface="Courier New" panose="02070309020205020404" pitchFamily="49" charset="0"/>
+            </a:endParaRPr>
+          </a:p>
+        </p:txBody>
+      </p:sp>
+      <p:cxnSp>
+        <p:nvCxnSpPr>
+          <p:cNvPr id="14" name="Прямая соединительная линия 13"/>
+          <p:cNvCxnSpPr/>
+          <p:nvPr/>
+        </p:nvCxnSpPr>
+        <p:spPr>
+          <a:xfrm>
+            <a:off x="251520" y="4149080"/>
+            <a:ext cx="8678189" cy="0"/>
+          </a:xfrm>
+          <a:prstGeom prst="line">
+            <a:avLst/>
+          </a:prstGeom>
+          <a:ln w="25400">
+            <a:solidFill>
+              <a:schemeClr val="bg1"/>
+            </a:solidFill>
+          </a:ln>
+        </p:spPr>
+        <p:style>
+          <a:lnRef idx="1">
+            <a:schemeClr val="accent1"/>
+          </a:lnRef>
+          <a:fillRef idx="0">
+            <a:schemeClr val="accent1"/>
+          </a:fillRef>
+          <a:effectRef idx="0">
+            <a:schemeClr val="accent1"/>
+          </a:effectRef>
+          <a:fontRef idx="minor">
+            <a:schemeClr val="tx1"/>
+          </a:fontRef>
+        </p:style>
+      </p:cxnSp>
+    </p:spTree>
+    <p:extLst>
+      <p:ext uri="{BB962C8B-B14F-4D97-AF65-F5344CB8AC3E}">
+        <p14:creationId xmlns:p14="http://schemas.microsoft.com/office/powerpoint/2010/main" val="3267128664"/>
+      </p:ext>
+    </p:extLst>
+  </p:cSld>
+  <p:clrMapOvr>
+    <a:masterClrMapping/>
+  </p:clrMapOvr>
+  <p:timing>
+    <p:tnLst>
+      <p:par>
+        <p:cTn id="1" dur="indefinite" restart="never" nodeType="tmRoot"/>
+      </p:par>
+    </p:tnLst>
+  </p:timing>
+</p:sld>
+</file>
+
+<file path=ppt/slides/slide3.xml><?xml version="1.0" encoding="utf-8"?>
+<p:sld xmlns:a="http://schemas.openxmlformats.org/drawingml/2006/main" xmlns:r="http://schemas.openxmlformats.org/officeDocument/2006/relationships" xmlns:p="http://schemas.openxmlformats.org/presentationml/2006/main">
+  <p:cSld>
+    <p:spTree>
+      <p:nvGrpSpPr>
+        <p:cNvPr id="1" name=""/>
+        <p:cNvGrpSpPr/>
+        <p:nvPr/>
+      </p:nvGrpSpPr>
+      <p:grpSpPr>
+        <a:xfrm>
+          <a:off x="0" y="0"/>
+          <a:ext cx="0" cy="0"/>
+          <a:chOff x="0" y="0"/>
+          <a:chExt cx="0" cy="0"/>
+        </a:xfrm>
+      </p:grpSpPr>
+      <p:sp>
+        <p:nvSpPr>
+          <p:cNvPr id="2" name="Заголовок 1"/>
+          <p:cNvSpPr>
+            <a:spLocks noGrp="1"/>
+          </p:cNvSpPr>
+          <p:nvPr>
+            <p:ph type="title"/>
+          </p:nvPr>
+        </p:nvSpPr>
+        <p:spPr/>
+        <p:txBody>
+          <a:bodyPr/>
+          <a:lstStyle/>
+          <a:p>
+            <a:r>
+              <a:rPr lang="ru-RU" b="1" dirty="0" smtClean="0">
+                <a:effectLst>
+                  <a:outerShdw blurRad="38100" dist="38100" dir="2700000" algn="tl">
+                    <a:srgbClr val="000000">
+                      <a:alpha val="43137"/>
+                    </a:srgbClr>
+                  </a:outerShdw>
+                </a:effectLst>
+                <a:latin typeface="Comic Sans MS" panose="030F0702030302020204" pitchFamily="66" charset="0"/>
+              </a:rPr>
+              <a:t>Блок процесса</a:t>
+            </a:r>
+            <a:endParaRPr lang="ru-RU" b="1" dirty="0">
+              <a:effectLst>
+                <a:outerShdw blurRad="38100" dist="38100" dir="2700000" algn="tl">
+                  <a:srgbClr val="000000">
+                    <a:alpha val="43137"/>
+                  </a:srgbClr>
+                </a:outerShdw>
+              </a:effectLst>
+              <a:latin typeface="Comic Sans MS" panose="030F0702030302020204" pitchFamily="66" charset="0"/>
+            </a:endParaRPr>
+          </a:p>
+        </p:txBody>
+      </p:sp>
+      <p:pic>
+        <p:nvPicPr>
+          <p:cNvPr id="4" name="Picture 4" descr="E:\Programming\блог\img\ML.png"/>
+          <p:cNvPicPr>
+            <a:picLocks noChangeAspect="1" noChangeArrowheads="1"/>
+          </p:cNvPicPr>
+          <p:nvPr/>
+        </p:nvPicPr>
+        <p:blipFill>
+          <a:blip r:embed="rId2" cstate="print">
+            <a:extLst>
+              <a:ext uri="{28A0092B-C50C-407E-A947-70E740481C1C}">
+                <a14:useLocalDpi xmlns:a14="http://schemas.microsoft.com/office/drawing/2010/main" val="0"/>
+              </a:ext>
+            </a:extLst>
+          </a:blip>
+          <a:srcRect/>
+          <a:stretch>
+            <a:fillRect/>
+          </a:stretch>
+        </p:blipFill>
+        <p:spPr bwMode="auto">
+          <a:xfrm>
+            <a:off x="8136804" y="188640"/>
+            <a:ext cx="792905" cy="645453"/>
+          </a:xfrm>
+          <a:prstGeom prst="rect">
+            <a:avLst/>
+          </a:prstGeom>
+          <a:noFill/>
+          <a:extLst>
+            <a:ext uri="{909E8E84-426E-40DD-AFC4-6F175D3DCCD1}">
+              <a14:hiddenFill xmlns:a14="http://schemas.microsoft.com/office/drawing/2010/main">
+                <a:solidFill>
+                  <a:srgbClr val="FFFFFF"/>
+                </a:solidFill>
+              </a14:hiddenFill>
+            </a:ext>
+          </a:extLst>
+        </p:spPr>
+      </p:pic>
+      <p:cxnSp>
+        <p:nvCxnSpPr>
+          <p:cNvPr id="6" name="Прямая соединительная линия 5"/>
+          <p:cNvCxnSpPr/>
+          <p:nvPr/>
+        </p:nvCxnSpPr>
+        <p:spPr>
+          <a:xfrm>
+            <a:off x="3131840" y="1988840"/>
+            <a:ext cx="0" cy="4320480"/>
+          </a:xfrm>
+          <a:prstGeom prst="line">
+            <a:avLst/>
+          </a:prstGeom>
+          <a:ln w="25400">
+            <a:solidFill>
+              <a:schemeClr val="bg1"/>
+            </a:solidFill>
+          </a:ln>
+        </p:spPr>
+        <p:style>
+          <a:lnRef idx="1">
+            <a:schemeClr val="accent1"/>
+          </a:lnRef>
+          <a:fillRef idx="0">
+            <a:schemeClr val="accent1"/>
+          </a:fillRef>
+          <a:effectRef idx="0">
+            <a:schemeClr val="accent1"/>
+          </a:effectRef>
+          <a:fontRef idx="minor">
+            <a:schemeClr val="tx1"/>
+          </a:fontRef>
+        </p:style>
+      </p:cxnSp>
+      <p:cxnSp>
+        <p:nvCxnSpPr>
+          <p:cNvPr id="7" name="Прямая соединительная линия 6"/>
+          <p:cNvCxnSpPr/>
+          <p:nvPr/>
+        </p:nvCxnSpPr>
+        <p:spPr>
+          <a:xfrm>
+            <a:off x="6012160" y="1988840"/>
+            <a:ext cx="0" cy="4320480"/>
+          </a:xfrm>
+          <a:prstGeom prst="line">
+            <a:avLst/>
+          </a:prstGeom>
+          <a:ln w="25400">
+            <a:solidFill>
+              <a:schemeClr val="bg1"/>
+            </a:solidFill>
+          </a:ln>
+        </p:spPr>
+        <p:style>
+          <a:lnRef idx="1">
+            <a:schemeClr val="accent1"/>
+          </a:lnRef>
+          <a:fillRef idx="0">
+            <a:schemeClr val="accent1"/>
+          </a:fillRef>
+          <a:effectRef idx="0">
+            <a:schemeClr val="accent1"/>
+          </a:effectRef>
+          <a:fontRef idx="minor">
+            <a:schemeClr val="tx1"/>
+          </a:fontRef>
+        </p:style>
+      </p:cxnSp>
+      <p:sp>
+        <p:nvSpPr>
+          <p:cNvPr id="12" name="TextBox 11"/>
+          <p:cNvSpPr txBox="1"/>
+          <p:nvPr/>
+        </p:nvSpPr>
+        <p:spPr>
+          <a:xfrm>
+            <a:off x="6876256" y="2884294"/>
+            <a:ext cx="1149674" cy="369332"/>
+          </a:xfrm>
+          <a:prstGeom prst="rect">
+            <a:avLst/>
+          </a:prstGeom>
+          <a:solidFill>
+            <a:schemeClr val="bg1"/>
+          </a:solidFill>
+        </p:spPr>
+        <p:txBody>
+          <a:bodyPr wrap="none" rtlCol="0">
+            <a:spAutoFit/>
+          </a:bodyPr>
+          <a:lstStyle/>
+          <a:p>
+            <a:r>
+              <a:rPr lang="en-US" b="1" dirty="0" smtClean="0">
+                <a:latin typeface="Courier New" panose="02070309020205020404" pitchFamily="49" charset="0"/>
+                <a:cs typeface="Courier New" panose="02070309020205020404" pitchFamily="49" charset="0"/>
+              </a:rPr>
+              <a:t>N := 5;</a:t>
+            </a:r>
+            <a:endParaRPr lang="ru-RU" b="1" dirty="0">
+              <a:latin typeface="Courier New" panose="02070309020205020404" pitchFamily="49" charset="0"/>
+              <a:cs typeface="Courier New" panose="02070309020205020404" pitchFamily="49" charset="0"/>
+            </a:endParaRPr>
+          </a:p>
+        </p:txBody>
+      </p:sp>
+      <p:sp>
+        <p:nvSpPr>
+          <p:cNvPr id="3" name="Блок-схема: процесс 2"/>
+          <p:cNvSpPr/>
+          <p:nvPr/>
+        </p:nvSpPr>
+        <p:spPr>
+          <a:xfrm>
+            <a:off x="845331" y="2708920"/>
+            <a:ext cx="1693182" cy="720080"/>
+          </a:xfrm>
+          <a:prstGeom prst="flowChartProcess">
+            <a:avLst/>
+          </a:prstGeom>
+          <a:solidFill>
+            <a:schemeClr val="bg1"/>
+          </a:solidFill>
+          <a:ln>
+            <a:solidFill>
+              <a:schemeClr val="tx1"/>
+            </a:solidFill>
+          </a:ln>
+        </p:spPr>
+        <p:style>
+          <a:lnRef idx="2">
+            <a:schemeClr val="accent1">
+              <a:shade val="50000"/>
+            </a:schemeClr>
+          </a:lnRef>
+          <a:fillRef idx="1">
+            <a:schemeClr val="accent1"/>
+          </a:fillRef>
+          <a:effectRef idx="0">
+            <a:schemeClr val="accent1"/>
+          </a:effectRef>
+          <a:fontRef idx="minor">
+            <a:schemeClr val="lt1"/>
+          </a:fontRef>
+        </p:style>
+        <p:txBody>
+          <a:bodyPr rtlCol="0" anchor="ctr"/>
+          <a:lstStyle/>
+          <a:p>
+            <a:pPr algn="ctr"/>
+            <a:r>
+              <a:rPr lang="ru-RU" b="1" dirty="0" smtClean="0">
+                <a:solidFill>
+                  <a:schemeClr val="tx1"/>
+                </a:solidFill>
+                <a:latin typeface="Courier New" panose="02070309020205020404" pitchFamily="49" charset="0"/>
+                <a:cs typeface="Courier New" panose="02070309020205020404" pitchFamily="49" charset="0"/>
+              </a:rPr>
+              <a:t>Процесс</a:t>
+            </a:r>
+            <a:endParaRPr lang="ru-RU" b="1" dirty="0">
+              <a:solidFill>
+                <a:schemeClr val="tx1"/>
+              </a:solidFill>
+              <a:latin typeface="Courier New" panose="02070309020205020404" pitchFamily="49" charset="0"/>
+              <a:cs typeface="Courier New" panose="02070309020205020404" pitchFamily="49" charset="0"/>
+            </a:endParaRPr>
+          </a:p>
+        </p:txBody>
+      </p:sp>
+      <p:sp>
+        <p:nvSpPr>
+          <p:cNvPr id="15" name="Блок-схема: процесс 14"/>
+          <p:cNvSpPr/>
+          <p:nvPr/>
+        </p:nvSpPr>
+        <p:spPr>
+          <a:xfrm>
+            <a:off x="3720722" y="2708920"/>
+            <a:ext cx="1693182" cy="720080"/>
+          </a:xfrm>
+          <a:prstGeom prst="flowChartProcess">
+            <a:avLst/>
+          </a:prstGeom>
+          <a:solidFill>
+            <a:schemeClr val="bg1"/>
+          </a:solidFill>
+          <a:ln>
+            <a:solidFill>
+              <a:schemeClr val="tx1"/>
+            </a:solidFill>
+          </a:ln>
+        </p:spPr>
+        <p:style>
+          <a:lnRef idx="2">
+            <a:schemeClr val="accent1">
+              <a:shade val="50000"/>
+            </a:schemeClr>
+          </a:lnRef>
+          <a:fillRef idx="1">
+            <a:schemeClr val="accent1"/>
+          </a:fillRef>
+          <a:effectRef idx="0">
+            <a:schemeClr val="accent1"/>
+          </a:effectRef>
+          <a:fontRef idx="minor">
+            <a:schemeClr val="lt1"/>
+          </a:fontRef>
+        </p:style>
+        <p:txBody>
+          <a:bodyPr rtlCol="0" anchor="ctr"/>
+          <a:lstStyle/>
+          <a:p>
+            <a:pPr algn="ctr"/>
+            <a:r>
+              <a:rPr lang="en-US" b="1" dirty="0" smtClean="0">
+                <a:solidFill>
+                  <a:schemeClr val="tx1"/>
+                </a:solidFill>
+                <a:latin typeface="Courier New" panose="02070309020205020404" pitchFamily="49" charset="0"/>
+                <a:cs typeface="Courier New" panose="02070309020205020404" pitchFamily="49" charset="0"/>
+              </a:rPr>
+              <a:t>N := 5</a:t>
+            </a:r>
+            <a:endParaRPr lang="ru-RU" b="1" dirty="0">
+              <a:solidFill>
+                <a:schemeClr val="tx1"/>
+              </a:solidFill>
+              <a:latin typeface="Courier New" panose="02070309020205020404" pitchFamily="49" charset="0"/>
+              <a:cs typeface="Courier New" panose="02070309020205020404" pitchFamily="49" charset="0"/>
+            </a:endParaRPr>
+          </a:p>
+        </p:txBody>
+      </p:sp>
+    </p:spTree>
+    <p:extLst>
+      <p:ext uri="{BB962C8B-B14F-4D97-AF65-F5344CB8AC3E}">
+        <p14:creationId xmlns:p14="http://schemas.microsoft.com/office/powerpoint/2010/main" val="2848621042"/>
+      </p:ext>
+    </p:extLst>
+  </p:cSld>
+  <p:clrMapOvr>
+    <a:masterClrMapping/>
+  </p:clrMapOvr>
+  <p:timing>
+    <p:tnLst>
+      <p:par>
+        <p:cTn id="1" dur="indefinite" restart="never" nodeType="tmRoot"/>
+      </p:par>
+    </p:tnLst>
+  </p:timing>
+</p:sld>
+</file>
+
+<file path=ppt/slides/slide4.xml><?xml version="1.0" encoding="utf-8"?>
+<p:sld xmlns:a="http://schemas.openxmlformats.org/drawingml/2006/main" xmlns:r="http://schemas.openxmlformats.org/officeDocument/2006/relationships" xmlns:p="http://schemas.openxmlformats.org/presentationml/2006/main">
+  <p:cSld>
+    <p:spTree>
+      <p:nvGrpSpPr>
+        <p:cNvPr id="1" name=""/>
+        <p:cNvGrpSpPr/>
+        <p:nvPr/>
+      </p:nvGrpSpPr>
+      <p:grpSpPr>
+        <a:xfrm>
+          <a:off x="0" y="0"/>
+          <a:ext cx="0" cy="0"/>
+          <a:chOff x="0" y="0"/>
+          <a:chExt cx="0" cy="0"/>
+        </a:xfrm>
+      </p:grpSpPr>
+      <p:sp>
+        <p:nvSpPr>
+          <p:cNvPr id="2" name="Заголовок 1"/>
+          <p:cNvSpPr>
+            <a:spLocks noGrp="1"/>
+          </p:cNvSpPr>
+          <p:nvPr>
+            <p:ph type="title"/>
+          </p:nvPr>
+        </p:nvSpPr>
+        <p:spPr/>
+        <p:txBody>
+          <a:bodyPr>
+            <a:normAutofit fontScale="90000"/>
+          </a:bodyPr>
+          <a:lstStyle/>
+          <a:p>
+            <a:r>
+              <a:rPr lang="ru-RU" b="1" dirty="0" smtClean="0">
+                <a:effectLst>
+                  <a:outerShdw blurRad="38100" dist="38100" dir="2700000" algn="tl">
+                    <a:srgbClr val="000000">
+                      <a:alpha val="43137"/>
+                    </a:srgbClr>
+                  </a:outerShdw>
+                </a:effectLst>
+                <a:latin typeface="Comic Sans MS" panose="030F0702030302020204" pitchFamily="66" charset="0"/>
+              </a:rPr>
+              <a:t>Блок предопределенного процесса</a:t>
+            </a:r>
+            <a:endParaRPr lang="ru-RU" b="1" dirty="0">
+              <a:effectLst>
+                <a:outerShdw blurRad="38100" dist="38100" dir="2700000" algn="tl">
+                  <a:srgbClr val="000000">
+                    <a:alpha val="43137"/>
+                  </a:srgbClr>
+                </a:outerShdw>
+              </a:effectLst>
+              <a:latin typeface="Comic Sans MS" panose="030F0702030302020204" pitchFamily="66" charset="0"/>
+            </a:endParaRPr>
+          </a:p>
+        </p:txBody>
+      </p:sp>
+      <p:pic>
+        <p:nvPicPr>
+          <p:cNvPr id="4" name="Picture 4" descr="E:\Programming\блог\img\ML.png"/>
+          <p:cNvPicPr>
+            <a:picLocks noChangeAspect="1" noChangeArrowheads="1"/>
+          </p:cNvPicPr>
+          <p:nvPr/>
+        </p:nvPicPr>
+        <p:blipFill>
+          <a:blip r:embed="rId2" cstate="print">
+            <a:extLst>
+              <a:ext uri="{28A0092B-C50C-407E-A947-70E740481C1C}">
+                <a14:useLocalDpi xmlns:a14="http://schemas.microsoft.com/office/drawing/2010/main" val="0"/>
+              </a:ext>
+            </a:extLst>
+          </a:blip>
+          <a:srcRect/>
+          <a:stretch>
+            <a:fillRect/>
+          </a:stretch>
+        </p:blipFill>
+        <p:spPr bwMode="auto">
+          <a:xfrm>
+            <a:off x="8136804" y="188640"/>
+            <a:ext cx="792905" cy="645453"/>
+          </a:xfrm>
+          <a:prstGeom prst="rect">
+            <a:avLst/>
+          </a:prstGeom>
+          <a:noFill/>
+          <a:extLst>
+            <a:ext uri="{909E8E84-426E-40DD-AFC4-6F175D3DCCD1}">
+              <a14:hiddenFill xmlns:a14="http://schemas.microsoft.com/office/drawing/2010/main">
+                <a:solidFill>
+                  <a:srgbClr val="FFFFFF"/>
+                </a:solidFill>
+              </a14:hiddenFill>
+            </a:ext>
+          </a:extLst>
+        </p:spPr>
+      </p:pic>
+      <p:cxnSp>
+        <p:nvCxnSpPr>
+          <p:cNvPr id="6" name="Прямая соединительная линия 5"/>
+          <p:cNvCxnSpPr/>
+          <p:nvPr/>
+        </p:nvCxnSpPr>
+        <p:spPr>
+          <a:xfrm>
+            <a:off x="3131840" y="1988840"/>
+            <a:ext cx="0" cy="4320480"/>
+          </a:xfrm>
+          <a:prstGeom prst="line">
+            <a:avLst/>
+          </a:prstGeom>
+          <a:ln w="25400">
+            <a:solidFill>
+              <a:schemeClr val="bg1"/>
+            </a:solidFill>
+          </a:ln>
+        </p:spPr>
+        <p:style>
+          <a:lnRef idx="1">
+            <a:schemeClr val="accent1"/>
+          </a:lnRef>
+          <a:fillRef idx="0">
+            <a:schemeClr val="accent1"/>
+          </a:fillRef>
+          <a:effectRef idx="0">
+            <a:schemeClr val="accent1"/>
+          </a:effectRef>
+          <a:fontRef idx="minor">
+            <a:schemeClr val="tx1"/>
+          </a:fontRef>
+        </p:style>
+      </p:cxnSp>
+      <p:cxnSp>
+        <p:nvCxnSpPr>
+          <p:cNvPr id="7" name="Прямая соединительная линия 6"/>
+          <p:cNvCxnSpPr/>
+          <p:nvPr/>
+        </p:nvCxnSpPr>
+        <p:spPr>
+          <a:xfrm>
+            <a:off x="6012160" y="1988840"/>
+            <a:ext cx="0" cy="4320480"/>
+          </a:xfrm>
+          <a:prstGeom prst="line">
+            <a:avLst/>
+          </a:prstGeom>
+          <a:ln w="25400">
+            <a:solidFill>
+              <a:schemeClr val="bg1"/>
+            </a:solidFill>
+          </a:ln>
+        </p:spPr>
+        <p:style>
+          <a:lnRef idx="1">
+            <a:schemeClr val="accent1"/>
+          </a:lnRef>
+          <a:fillRef idx="0">
+            <a:schemeClr val="accent1"/>
+          </a:fillRef>
+          <a:effectRef idx="0">
+            <a:schemeClr val="accent1"/>
+          </a:effectRef>
+          <a:fontRef idx="minor">
+            <a:schemeClr val="tx1"/>
+          </a:fontRef>
+        </p:style>
+      </p:cxnSp>
+      <p:sp>
+        <p:nvSpPr>
+          <p:cNvPr id="12" name="TextBox 11"/>
+          <p:cNvSpPr txBox="1"/>
+          <p:nvPr/>
+        </p:nvSpPr>
+        <p:spPr>
+          <a:xfrm>
+            <a:off x="6531022" y="2884294"/>
+            <a:ext cx="1838965" cy="369332"/>
+          </a:xfrm>
+          <a:prstGeom prst="rect">
+            <a:avLst/>
+          </a:prstGeom>
+          <a:solidFill>
+            <a:schemeClr val="bg1"/>
+          </a:solidFill>
+        </p:spPr>
+        <p:txBody>
+          <a:bodyPr wrap="none" rtlCol="0">
+            <a:spAutoFit/>
+          </a:bodyPr>
+          <a:lstStyle/>
+          <a:p>
+            <a:r>
+              <a:rPr lang="en-US" b="1" dirty="0" smtClean="0">
+                <a:latin typeface="Courier New" panose="02070309020205020404" pitchFamily="49" charset="0"/>
+                <a:cs typeface="Courier New" panose="02070309020205020404" pitchFamily="49" charset="0"/>
+              </a:rPr>
+              <a:t>N := foo(5);</a:t>
+            </a:r>
+            <a:endParaRPr lang="ru-RU" b="1" dirty="0">
+              <a:latin typeface="Courier New" panose="02070309020205020404" pitchFamily="49" charset="0"/>
+              <a:cs typeface="Courier New" panose="02070309020205020404" pitchFamily="49" charset="0"/>
+            </a:endParaRPr>
+          </a:p>
+        </p:txBody>
+      </p:sp>
+      <p:sp>
+        <p:nvSpPr>
+          <p:cNvPr id="5" name="Блок-схема: типовой процесс 4"/>
+          <p:cNvSpPr/>
+          <p:nvPr/>
+        </p:nvSpPr>
+        <p:spPr>
+          <a:xfrm>
+            <a:off x="827584" y="2708920"/>
+            <a:ext cx="1728192" cy="720080"/>
+          </a:xfrm>
+          <a:prstGeom prst="flowChartPredefinedProcess">
+            <a:avLst/>
+          </a:prstGeom>
+          <a:solidFill>
+            <a:schemeClr val="bg1"/>
+          </a:solidFill>
+          <a:ln>
+            <a:solidFill>
+              <a:schemeClr val="tx1"/>
+            </a:solidFill>
+          </a:ln>
+        </p:spPr>
+        <p:style>
+          <a:lnRef idx="2">
+            <a:schemeClr val="accent1">
+              <a:shade val="50000"/>
+            </a:schemeClr>
+          </a:lnRef>
+          <a:fillRef idx="1">
+            <a:schemeClr val="accent1"/>
+          </a:fillRef>
+          <a:effectRef idx="0">
+            <a:schemeClr val="accent1"/>
+          </a:effectRef>
+          <a:fontRef idx="minor">
+            <a:schemeClr val="lt1"/>
+          </a:fontRef>
+        </p:style>
+        <p:txBody>
+          <a:bodyPr rtlCol="0" anchor="ctr"/>
+          <a:lstStyle/>
+          <a:p>
+            <a:pPr algn="ctr"/>
+            <a:r>
+              <a:rPr lang="ru-RU" b="1" dirty="0" smtClean="0">
+                <a:solidFill>
+                  <a:schemeClr val="tx1"/>
+                </a:solidFill>
+                <a:latin typeface="Courier New" panose="02070309020205020404" pitchFamily="49" charset="0"/>
+                <a:cs typeface="Courier New" panose="02070309020205020404" pitchFamily="49" charset="0"/>
+              </a:rPr>
+              <a:t>Вызов функции</a:t>
+            </a:r>
+            <a:endParaRPr lang="ru-RU" b="1" dirty="0">
+              <a:solidFill>
+                <a:schemeClr val="tx1"/>
+              </a:solidFill>
+              <a:latin typeface="Courier New" panose="02070309020205020404" pitchFamily="49" charset="0"/>
+              <a:cs typeface="Courier New" panose="02070309020205020404" pitchFamily="49" charset="0"/>
+            </a:endParaRPr>
+          </a:p>
+        </p:txBody>
+      </p:sp>
+      <p:sp>
+        <p:nvSpPr>
+          <p:cNvPr id="10" name="Блок-схема: типовой процесс 9"/>
+          <p:cNvSpPr/>
+          <p:nvPr/>
+        </p:nvSpPr>
+        <p:spPr>
+          <a:xfrm>
+            <a:off x="3347864" y="2708920"/>
+            <a:ext cx="2448272" cy="720080"/>
+          </a:xfrm>
+          <a:prstGeom prst="flowChartPredefinedProcess">
+            <a:avLst/>
+          </a:prstGeom>
+          <a:solidFill>
+            <a:schemeClr val="bg1"/>
+          </a:solidFill>
+          <a:ln>
+            <a:solidFill>
+              <a:schemeClr val="tx1"/>
+            </a:solidFill>
+          </a:ln>
+        </p:spPr>
+        <p:style>
+          <a:lnRef idx="2">
+            <a:schemeClr val="accent1">
+              <a:shade val="50000"/>
+            </a:schemeClr>
+          </a:lnRef>
+          <a:fillRef idx="1">
+            <a:schemeClr val="accent1"/>
+          </a:fillRef>
+          <a:effectRef idx="0">
+            <a:schemeClr val="accent1"/>
+          </a:effectRef>
+          <a:fontRef idx="minor">
+            <a:schemeClr val="lt1"/>
+          </a:fontRef>
+        </p:style>
+        <p:txBody>
+          <a:bodyPr rtlCol="0" anchor="ctr"/>
+          <a:lstStyle/>
+          <a:p>
+            <a:pPr algn="ctr"/>
+            <a:r>
+              <a:rPr lang="en-US" b="1" dirty="0" smtClean="0">
+                <a:solidFill>
+                  <a:schemeClr val="tx1"/>
+                </a:solidFill>
+                <a:latin typeface="Courier New" panose="02070309020205020404" pitchFamily="49" charset="0"/>
+                <a:cs typeface="Courier New" panose="02070309020205020404" pitchFamily="49" charset="0"/>
+              </a:rPr>
+              <a:t>N := foo(5)</a:t>
+            </a:r>
+            <a:endParaRPr lang="ru-RU" b="1" dirty="0">
+              <a:solidFill>
+                <a:schemeClr val="tx1"/>
+              </a:solidFill>
+              <a:latin typeface="Courier New" panose="02070309020205020404" pitchFamily="49" charset="0"/>
+              <a:cs typeface="Courier New" panose="02070309020205020404" pitchFamily="49" charset="0"/>
+            </a:endParaRPr>
+          </a:p>
+        </p:txBody>
+      </p:sp>
+    </p:spTree>
+    <p:extLst>
+      <p:ext uri="{BB962C8B-B14F-4D97-AF65-F5344CB8AC3E}">
+        <p14:creationId xmlns:p14="http://schemas.microsoft.com/office/powerpoint/2010/main" val="53719959"/>
+      </p:ext>
+    </p:extLst>
+  </p:cSld>
+  <p:clrMapOvr>
+    <a:masterClrMapping/>
+  </p:clrMapOvr>
+  <p:timing>
+    <p:tnLst>
+      <p:par>
+        <p:cTn id="1" dur="indefinite" restart="never" nodeType="tmRoot"/>
+      </p:par>
+    </p:tnLst>
+  </p:timing>
+</p:sld>
+</file>
+
+<file path=ppt/slides/slide5.xml><?xml version="1.0" encoding="utf-8"?>
+<p:sld xmlns:a="http://schemas.openxmlformats.org/drawingml/2006/main" xmlns:r="http://schemas.openxmlformats.org/officeDocument/2006/relationships" xmlns:p="http://schemas.openxmlformats.org/presentationml/2006/main">
+  <p:cSld>
+    <p:spTree>
+      <p:nvGrpSpPr>
+        <p:cNvPr id="1" name=""/>
+        <p:cNvGrpSpPr/>
+        <p:nvPr/>
+      </p:nvGrpSpPr>
+      <p:grpSpPr>
+        <a:xfrm>
+          <a:off x="0" y="0"/>
+          <a:ext cx="0" cy="0"/>
+          <a:chOff x="0" y="0"/>
+          <a:chExt cx="0" cy="0"/>
+        </a:xfrm>
+      </p:grpSpPr>
+      <p:sp>
+        <p:nvSpPr>
+          <p:cNvPr id="2" name="Заголовок 1"/>
+          <p:cNvSpPr>
+            <a:spLocks noGrp="1"/>
+          </p:cNvSpPr>
+          <p:nvPr>
+            <p:ph type="title"/>
+          </p:nvPr>
+        </p:nvSpPr>
+        <p:spPr/>
+        <p:txBody>
+          <a:bodyPr>
+            <a:normAutofit fontScale="90000"/>
+          </a:bodyPr>
+          <a:lstStyle/>
+          <a:p>
+            <a:r>
+              <a:rPr lang="ru-RU" b="1" dirty="0" smtClean="0">
+                <a:effectLst>
+                  <a:outerShdw blurRad="38100" dist="38100" dir="2700000" algn="tl">
+                    <a:srgbClr val="000000">
+                      <a:alpha val="43137"/>
+                    </a:srgbClr>
+                  </a:outerShdw>
+                </a:effectLst>
+                <a:latin typeface="Comic Sans MS" panose="030F0702030302020204" pitchFamily="66" charset="0"/>
+              </a:rPr>
+              <a:t>Блок подготовки</a:t>
+            </a:r>
+            <a:br>
+              <a:rPr lang="ru-RU" b="1" dirty="0" smtClean="0">
+                <a:effectLst>
+                  <a:outerShdw blurRad="38100" dist="38100" dir="2700000" algn="tl">
+                    <a:srgbClr val="000000">
+                      <a:alpha val="43137"/>
+                    </a:srgbClr>
+                  </a:outerShdw>
+                </a:effectLst>
+                <a:latin typeface="Comic Sans MS" panose="030F0702030302020204" pitchFamily="66" charset="0"/>
+              </a:rPr>
+            </a:br>
+            <a:r>
+              <a:rPr lang="ru-RU" b="1" dirty="0" smtClean="0">
+                <a:effectLst>
+                  <a:outerShdw blurRad="38100" dist="38100" dir="2700000" algn="tl">
+                    <a:srgbClr val="000000">
+                      <a:alpha val="43137"/>
+                    </a:srgbClr>
+                  </a:outerShdw>
+                </a:effectLst>
+                <a:latin typeface="Comic Sans MS" panose="030F0702030302020204" pitchFamily="66" charset="0"/>
+              </a:rPr>
+              <a:t>(цикла со счетчиком)</a:t>
+            </a:r>
+            <a:endParaRPr lang="ru-RU" b="1" dirty="0">
+              <a:effectLst>
+                <a:outerShdw blurRad="38100" dist="38100" dir="2700000" algn="tl">
+                  <a:srgbClr val="000000">
+                    <a:alpha val="43137"/>
+                  </a:srgbClr>
+                </a:outerShdw>
+              </a:effectLst>
+              <a:latin typeface="Comic Sans MS" panose="030F0702030302020204" pitchFamily="66" charset="0"/>
+            </a:endParaRPr>
+          </a:p>
+        </p:txBody>
+      </p:sp>
+      <p:pic>
+        <p:nvPicPr>
+          <p:cNvPr id="4" name="Picture 4" descr="E:\Programming\блог\img\ML.png"/>
+          <p:cNvPicPr>
+            <a:picLocks noChangeAspect="1" noChangeArrowheads="1"/>
+          </p:cNvPicPr>
+          <p:nvPr/>
+        </p:nvPicPr>
+        <p:blipFill>
+          <a:blip r:embed="rId2" cstate="print">
+            <a:extLst>
+              <a:ext uri="{28A0092B-C50C-407E-A947-70E740481C1C}">
+                <a14:useLocalDpi xmlns:a14="http://schemas.microsoft.com/office/drawing/2010/main" val="0"/>
+              </a:ext>
+            </a:extLst>
+          </a:blip>
+          <a:srcRect/>
+          <a:stretch>
+            <a:fillRect/>
+          </a:stretch>
+        </p:blipFill>
+        <p:spPr bwMode="auto">
+          <a:xfrm>
+            <a:off x="8136804" y="188640"/>
+            <a:ext cx="792905" cy="645453"/>
+          </a:xfrm>
+          <a:prstGeom prst="rect">
+            <a:avLst/>
+          </a:prstGeom>
+          <a:noFill/>
+          <a:extLst>
+            <a:ext uri="{909E8E84-426E-40DD-AFC4-6F175D3DCCD1}">
+              <a14:hiddenFill xmlns:a14="http://schemas.microsoft.com/office/drawing/2010/main">
+                <a:solidFill>
+                  <a:srgbClr val="FFFFFF"/>
+                </a:solidFill>
+              </a14:hiddenFill>
+            </a:ext>
+          </a:extLst>
+        </p:spPr>
+      </p:pic>
+      <p:cxnSp>
+        <p:nvCxnSpPr>
+          <p:cNvPr id="6" name="Прямая соединительная линия 5"/>
+          <p:cNvCxnSpPr/>
+          <p:nvPr/>
+        </p:nvCxnSpPr>
+        <p:spPr>
+          <a:xfrm>
+            <a:off x="3131840" y="1988840"/>
+            <a:ext cx="0" cy="4320480"/>
+          </a:xfrm>
+          <a:prstGeom prst="line">
+            <a:avLst/>
+          </a:prstGeom>
+          <a:ln w="25400">
+            <a:solidFill>
+              <a:schemeClr val="bg1"/>
+            </a:solidFill>
+          </a:ln>
+        </p:spPr>
+        <p:style>
+          <a:lnRef idx="1">
+            <a:schemeClr val="accent1"/>
+          </a:lnRef>
+          <a:fillRef idx="0">
+            <a:schemeClr val="accent1"/>
+          </a:fillRef>
+          <a:effectRef idx="0">
+            <a:schemeClr val="accent1"/>
+          </a:effectRef>
+          <a:fontRef idx="minor">
+            <a:schemeClr val="tx1"/>
+          </a:fontRef>
+        </p:style>
+      </p:cxnSp>
+      <p:cxnSp>
+        <p:nvCxnSpPr>
+          <p:cNvPr id="7" name="Прямая соединительная линия 6"/>
+          <p:cNvCxnSpPr/>
+          <p:nvPr/>
+        </p:nvCxnSpPr>
+        <p:spPr>
+          <a:xfrm>
+            <a:off x="6012160" y="1988840"/>
+            <a:ext cx="0" cy="4320480"/>
+          </a:xfrm>
+          <a:prstGeom prst="line">
+            <a:avLst/>
+          </a:prstGeom>
+          <a:ln w="25400">
+            <a:solidFill>
+              <a:schemeClr val="bg1"/>
+            </a:solidFill>
+          </a:ln>
+        </p:spPr>
+        <p:style>
+          <a:lnRef idx="1">
+            <a:schemeClr val="accent1"/>
+          </a:lnRef>
+          <a:fillRef idx="0">
+            <a:schemeClr val="accent1"/>
+          </a:fillRef>
+          <a:effectRef idx="0">
+            <a:schemeClr val="accent1"/>
+          </a:effectRef>
+          <a:fontRef idx="minor">
+            <a:schemeClr val="tx1"/>
+          </a:fontRef>
+        </p:style>
+      </p:cxnSp>
+      <p:sp>
+        <p:nvSpPr>
+          <p:cNvPr id="12" name="TextBox 11"/>
+          <p:cNvSpPr txBox="1"/>
+          <p:nvPr/>
+        </p:nvSpPr>
+        <p:spPr>
+          <a:xfrm>
+            <a:off x="6176532" y="2879815"/>
+            <a:ext cx="2941831" cy="369332"/>
+          </a:xfrm>
+          <a:prstGeom prst="rect">
+            <a:avLst/>
+          </a:prstGeom>
+          <a:solidFill>
+            <a:schemeClr val="bg1"/>
+          </a:solidFill>
+        </p:spPr>
+        <p:txBody>
+          <a:bodyPr wrap="none" rtlCol="0">
+            <a:spAutoFit/>
+          </a:bodyPr>
+          <a:lstStyle/>
+          <a:p>
+            <a:r>
+              <a:rPr lang="en-US" b="1" dirty="0" smtClean="0">
+                <a:latin typeface="Courier New" panose="02070309020205020404" pitchFamily="49" charset="0"/>
+                <a:cs typeface="Courier New" panose="02070309020205020404" pitchFamily="49" charset="0"/>
+              </a:rPr>
+              <a:t>for i := 1 to 100 do</a:t>
+            </a:r>
+            <a:endParaRPr lang="ru-RU" b="1" dirty="0">
+              <a:latin typeface="Courier New" panose="02070309020205020404" pitchFamily="49" charset="0"/>
+              <a:cs typeface="Courier New" panose="02070309020205020404" pitchFamily="49" charset="0"/>
+            </a:endParaRPr>
+          </a:p>
+        </p:txBody>
+      </p:sp>
+    </p:spTree>
+    <p:extLst>
+      <p:ext uri="{BB962C8B-B14F-4D97-AF65-F5344CB8AC3E}">
+        <p14:creationId xmlns:p14="http://schemas.microsoft.com/office/powerpoint/2010/main" val="188135925"/>
+      </p:ext>
+    </p:extLst>
+  </p:cSld>
+  <p:clrMapOvr>
+    <a:masterClrMapping/>
+  </p:clrMapOvr>
+  <p:timing>
+    <p:tnLst>
+      <p:par>
+        <p:cTn id="1" dur="indefinite" restart="never" nodeType="tmRoot"/>
+      </p:par>
+    </p:tnLst>
+  </p:timing>
+</p:sld>
+</file>
+
+<file path=ppt/slides/slide6.xml><?xml version="1.0" encoding="utf-8"?>
+<p:sld xmlns:a="http://schemas.openxmlformats.org/drawingml/2006/main" xmlns:r="http://schemas.openxmlformats.org/officeDocument/2006/relationships" xmlns:p="http://schemas.openxmlformats.org/presentationml/2006/main">
+  <p:cSld>
+    <p:spTree>
+      <p:nvGrpSpPr>
+        <p:cNvPr id="1" name=""/>
+        <p:cNvGrpSpPr/>
+        <p:nvPr/>
+      </p:nvGrpSpPr>
+      <p:grpSpPr>
+        <a:xfrm>
+          <a:off x="0" y="0"/>
+          <a:ext cx="0" cy="0"/>
+          <a:chOff x="0" y="0"/>
+          <a:chExt cx="0" cy="0"/>
+        </a:xfrm>
+      </p:grpSpPr>
+      <p:sp>
+        <p:nvSpPr>
+          <p:cNvPr id="2" name="Заголовок 1"/>
+          <p:cNvSpPr>
+            <a:spLocks noGrp="1"/>
+          </p:cNvSpPr>
+          <p:nvPr>
+            <p:ph type="title"/>
+          </p:nvPr>
+        </p:nvSpPr>
+        <p:spPr/>
+        <p:txBody>
+          <a:bodyPr>
+            <a:normAutofit/>
+          </a:bodyPr>
+          <a:lstStyle/>
+          <a:p>
+            <a:r>
+              <a:rPr lang="ru-RU" b="1" dirty="0" smtClean="0">
+                <a:effectLst>
+                  <a:outerShdw blurRad="38100" dist="38100" dir="2700000" algn="tl">
+                    <a:srgbClr val="000000">
+                      <a:alpha val="43137"/>
+                    </a:srgbClr>
+                  </a:outerShdw>
+                </a:effectLst>
+                <a:latin typeface="Comic Sans MS" panose="030F0702030302020204" pitchFamily="66" charset="0"/>
+              </a:rPr>
+              <a:t>Блок решения</a:t>
+            </a:r>
+            <a:endParaRPr lang="ru-RU" b="1" dirty="0">
+              <a:effectLst>
+                <a:outerShdw blurRad="38100" dist="38100" dir="2700000" algn="tl">
+                  <a:srgbClr val="000000">
+                    <a:alpha val="43137"/>
+                  </a:srgbClr>
+                </a:outerShdw>
+              </a:effectLst>
+              <a:latin typeface="Comic Sans MS" panose="030F0702030302020204" pitchFamily="66" charset="0"/>
+            </a:endParaRPr>
+          </a:p>
+        </p:txBody>
+      </p:sp>
+      <p:pic>
+        <p:nvPicPr>
+          <p:cNvPr id="4" name="Picture 4" descr="E:\Programming\блог\img\ML.png"/>
+          <p:cNvPicPr>
+            <a:picLocks noChangeAspect="1" noChangeArrowheads="1"/>
+          </p:cNvPicPr>
+          <p:nvPr/>
+        </p:nvPicPr>
+        <p:blipFill>
+          <a:blip r:embed="rId2" cstate="print">
+            <a:extLst>
+              <a:ext uri="{28A0092B-C50C-407E-A947-70E740481C1C}">
+                <a14:useLocalDpi xmlns:a14="http://schemas.microsoft.com/office/drawing/2010/main" val="0"/>
+              </a:ext>
+            </a:extLst>
+          </a:blip>
+          <a:srcRect/>
+          <a:stretch>
+            <a:fillRect/>
+          </a:stretch>
+        </p:blipFill>
+        <p:spPr bwMode="auto">
+          <a:xfrm>
+            <a:off x="8136804" y="188640"/>
+            <a:ext cx="792905" cy="645453"/>
+          </a:xfrm>
+          <a:prstGeom prst="rect">
+            <a:avLst/>
+          </a:prstGeom>
+          <a:noFill/>
+          <a:extLst>
+            <a:ext uri="{909E8E84-426E-40DD-AFC4-6F175D3DCCD1}">
+              <a14:hiddenFill xmlns:a14="http://schemas.microsoft.com/office/drawing/2010/main">
+                <a:solidFill>
+                  <a:srgbClr val="FFFFFF"/>
+                </a:solidFill>
+              </a14:hiddenFill>
+            </a:ext>
+          </a:extLst>
+        </p:spPr>
+      </p:pic>
+      <p:cxnSp>
+        <p:nvCxnSpPr>
+          <p:cNvPr id="6" name="Прямая соединительная линия 5"/>
+          <p:cNvCxnSpPr/>
+          <p:nvPr/>
+        </p:nvCxnSpPr>
+        <p:spPr>
+          <a:xfrm>
+            <a:off x="3131840" y="1988840"/>
+            <a:ext cx="0" cy="4320480"/>
+          </a:xfrm>
+          <a:prstGeom prst="line">
+            <a:avLst/>
+          </a:prstGeom>
+          <a:ln w="25400">
+            <a:solidFill>
+              <a:schemeClr val="bg1"/>
+            </a:solidFill>
+          </a:ln>
+        </p:spPr>
+        <p:style>
+          <a:lnRef idx="1">
+            <a:schemeClr val="accent1"/>
+          </a:lnRef>
+          <a:fillRef idx="0">
+            <a:schemeClr val="accent1"/>
+          </a:fillRef>
+          <a:effectRef idx="0">
+            <a:schemeClr val="accent1"/>
+          </a:effectRef>
+          <a:fontRef idx="minor">
+            <a:schemeClr val="tx1"/>
+          </a:fontRef>
+        </p:style>
+      </p:cxnSp>
+      <p:cxnSp>
+        <p:nvCxnSpPr>
+          <p:cNvPr id="7" name="Прямая соединительная линия 6"/>
+          <p:cNvCxnSpPr/>
+          <p:nvPr/>
+        </p:nvCxnSpPr>
+        <p:spPr>
+          <a:xfrm>
+            <a:off x="6012160" y="1988840"/>
+            <a:ext cx="0" cy="4320480"/>
+          </a:xfrm>
+          <a:prstGeom prst="line">
+            <a:avLst/>
+          </a:prstGeom>
+          <a:ln w="25400">
+            <a:solidFill>
+              <a:schemeClr val="bg1"/>
+            </a:solidFill>
+          </a:ln>
+        </p:spPr>
+        <p:style>
+          <a:lnRef idx="1">
+            <a:schemeClr val="accent1"/>
+          </a:lnRef>
+          <a:fillRef idx="0">
+            <a:schemeClr val="accent1"/>
+          </a:fillRef>
+          <a:effectRef idx="0">
+            <a:schemeClr val="accent1"/>
+          </a:effectRef>
+          <a:fontRef idx="minor">
+            <a:schemeClr val="tx1"/>
+          </a:fontRef>
+        </p:style>
+      </p:cxnSp>
+      <p:sp>
+        <p:nvSpPr>
+          <p:cNvPr id="12" name="TextBox 11"/>
+          <p:cNvSpPr txBox="1"/>
+          <p:nvPr/>
+        </p:nvSpPr>
+        <p:spPr>
+          <a:xfrm>
+            <a:off x="6660232" y="2616587"/>
+            <a:ext cx="1563248" cy="923330"/>
+          </a:xfrm>
+          <a:prstGeom prst="rect">
+            <a:avLst/>
+          </a:prstGeom>
+          <a:solidFill>
+            <a:schemeClr val="bg1"/>
+          </a:solidFill>
+        </p:spPr>
+        <p:txBody>
+          <a:bodyPr wrap="none" rtlCol="0">
+            <a:spAutoFit/>
+          </a:bodyPr>
+          <a:lstStyle/>
+          <a:p>
+            <a:r>
+              <a:rPr lang="en-US" b="1" dirty="0" smtClean="0">
+                <a:latin typeface="Courier New" panose="02070309020205020404" pitchFamily="49" charset="0"/>
+                <a:cs typeface="Courier New" panose="02070309020205020404" pitchFamily="49" charset="0"/>
+              </a:rPr>
+              <a:t>if (a &gt; b)</a:t>
+            </a:r>
+          </a:p>
+          <a:p>
+            <a:r>
+              <a:rPr lang="en-US" b="1" dirty="0" smtClean="0">
+                <a:latin typeface="Courier New" panose="02070309020205020404" pitchFamily="49" charset="0"/>
+                <a:cs typeface="Courier New" panose="02070309020205020404" pitchFamily="49" charset="0"/>
+              </a:rPr>
+              <a:t>  then … </a:t>
+            </a:r>
+          </a:p>
+          <a:p>
+            <a:r>
+              <a:rPr lang="en-US" b="1" dirty="0">
+                <a:latin typeface="Courier New" panose="02070309020205020404" pitchFamily="49" charset="0"/>
+                <a:cs typeface="Courier New" panose="02070309020205020404" pitchFamily="49" charset="0"/>
+              </a:rPr>
+              <a:t> </a:t>
+            </a:r>
+            <a:r>
+              <a:rPr lang="en-US" b="1" dirty="0" smtClean="0">
+                <a:latin typeface="Courier New" panose="02070309020205020404" pitchFamily="49" charset="0"/>
+                <a:cs typeface="Courier New" panose="02070309020205020404" pitchFamily="49" charset="0"/>
+              </a:rPr>
+              <a:t> else … </a:t>
+            </a:r>
+            <a:endParaRPr lang="ru-RU" b="1" dirty="0">
+              <a:latin typeface="Courier New" panose="02070309020205020404" pitchFamily="49" charset="0"/>
+              <a:cs typeface="Courier New" panose="02070309020205020404" pitchFamily="49" charset="0"/>
+            </a:endParaRPr>
+          </a:p>
+        </p:txBody>
+      </p:sp>
+      <p:sp>
+        <p:nvSpPr>
+          <p:cNvPr id="3" name="Блок-схема: решение 2"/>
+          <p:cNvSpPr/>
+          <p:nvPr/>
+        </p:nvSpPr>
+        <p:spPr>
+          <a:xfrm>
+            <a:off x="899592" y="2708920"/>
+            <a:ext cx="1584176" cy="720080"/>
+          </a:xfrm>
+          <a:prstGeom prst="flowChartDecision">
+            <a:avLst/>
+          </a:prstGeom>
+          <a:solidFill>
+            <a:schemeClr val="bg1"/>
+          </a:solidFill>
+          <a:ln>
+            <a:solidFill>
+              <a:schemeClr val="tx1"/>
+            </a:solidFill>
+          </a:ln>
+        </p:spPr>
+        <p:style>
+          <a:lnRef idx="2">
+            <a:schemeClr val="accent1">
+              <a:shade val="50000"/>
+            </a:schemeClr>
+          </a:lnRef>
+          <a:fillRef idx="1">
+            <a:schemeClr val="accent1"/>
+          </a:fillRef>
+          <a:effectRef idx="0">
+            <a:schemeClr val="accent1"/>
+          </a:effectRef>
+          <a:fontRef idx="minor">
+            <a:schemeClr val="lt1"/>
+          </a:fontRef>
+        </p:style>
+        <p:txBody>
+          <a:bodyPr rtlCol="0" anchor="ctr"/>
+          <a:lstStyle/>
+          <a:p>
+            <a:pPr algn="ctr"/>
+            <a:r>
+              <a:rPr lang="ru-RU" b="1" dirty="0" smtClean="0">
+                <a:solidFill>
+                  <a:schemeClr val="tx1"/>
+                </a:solidFill>
+                <a:latin typeface="Courier New" panose="02070309020205020404" pitchFamily="49" charset="0"/>
+                <a:cs typeface="Courier New" panose="02070309020205020404" pitchFamily="49" charset="0"/>
+              </a:rPr>
+              <a:t>Условие</a:t>
+            </a:r>
+            <a:endParaRPr lang="ru-RU" b="1" dirty="0">
+              <a:solidFill>
+                <a:schemeClr val="tx1"/>
+              </a:solidFill>
+              <a:latin typeface="Courier New" panose="02070309020205020404" pitchFamily="49" charset="0"/>
+              <a:cs typeface="Courier New" panose="02070309020205020404" pitchFamily="49" charset="0"/>
+            </a:endParaRPr>
+          </a:p>
+        </p:txBody>
+      </p:sp>
+      <p:cxnSp>
+        <p:nvCxnSpPr>
+          <p:cNvPr id="9" name="Соединительная линия уступом 8"/>
+          <p:cNvCxnSpPr>
+            <a:stCxn id="3" idx="1"/>
+          </p:cNvCxnSpPr>
+          <p:nvPr/>
+        </p:nvCxnSpPr>
+        <p:spPr>
+          <a:xfrm rot="10800000" flipV="1">
+            <a:off x="539552" y="3068960"/>
+            <a:ext cx="360040" cy="360040"/>
+          </a:xfrm>
+          <a:prstGeom prst="bentConnector2">
+            <a:avLst/>
+          </a:prstGeom>
+          <a:ln w="25400">
+            <a:solidFill>
+              <a:schemeClr val="tx1"/>
+            </a:solidFill>
+          </a:ln>
+        </p:spPr>
+        <p:style>
+          <a:lnRef idx="1">
+            <a:schemeClr val="accent1"/>
+          </a:lnRef>
+          <a:fillRef idx="0">
+            <a:schemeClr val="accent1"/>
+          </a:fillRef>
+          <a:effectRef idx="0">
+            <a:schemeClr val="accent1"/>
+          </a:effectRef>
+          <a:fontRef idx="minor">
+            <a:schemeClr val="tx1"/>
+          </a:fontRef>
+        </p:style>
+      </p:cxnSp>
+      <p:cxnSp>
+        <p:nvCxnSpPr>
+          <p:cNvPr id="13" name="Соединительная линия уступом 12"/>
+          <p:cNvCxnSpPr>
+            <a:endCxn id="3" idx="3"/>
+          </p:cNvCxnSpPr>
+          <p:nvPr/>
+        </p:nvCxnSpPr>
+        <p:spPr>
+          <a:xfrm rot="16200000" flipV="1">
+            <a:off x="2483768" y="3068960"/>
+            <a:ext cx="360040" cy="360040"/>
+          </a:xfrm>
+          <a:prstGeom prst="bentConnector2">
+            <a:avLst/>
+          </a:prstGeom>
+          <a:ln w="25400">
+            <a:solidFill>
+              <a:schemeClr val="tx1"/>
+            </a:solidFill>
+          </a:ln>
+        </p:spPr>
+        <p:style>
+          <a:lnRef idx="1">
+            <a:schemeClr val="accent1"/>
+          </a:lnRef>
+          <a:fillRef idx="0">
+            <a:schemeClr val="accent1"/>
+          </a:fillRef>
+          <a:effectRef idx="0">
+            <a:schemeClr val="accent1"/>
+          </a:effectRef>
+          <a:fontRef idx="minor">
+            <a:schemeClr val="tx1"/>
+          </a:fontRef>
+        </p:style>
+      </p:cxnSp>
+      <p:sp>
+        <p:nvSpPr>
+          <p:cNvPr id="16" name="TextBox 15"/>
+          <p:cNvSpPr txBox="1"/>
+          <p:nvPr/>
+        </p:nvSpPr>
+        <p:spPr>
+          <a:xfrm>
+            <a:off x="467544" y="2699628"/>
+            <a:ext cx="460382" cy="369332"/>
+          </a:xfrm>
+          <a:prstGeom prst="rect">
+            <a:avLst/>
+          </a:prstGeom>
+          <a:noFill/>
+        </p:spPr>
+        <p:txBody>
+          <a:bodyPr wrap="none" rtlCol="0">
+            <a:spAutoFit/>
+          </a:bodyPr>
+          <a:lstStyle/>
+          <a:p>
+            <a:r>
+              <a:rPr lang="ru-RU" b="1" dirty="0" smtClean="0">
+                <a:latin typeface="Courier New" panose="02070309020205020404" pitchFamily="49" charset="0"/>
+                <a:cs typeface="Courier New" panose="02070309020205020404" pitchFamily="49" charset="0"/>
+              </a:rPr>
+              <a:t>Да</a:t>
+            </a:r>
+            <a:endParaRPr lang="ru-RU" b="1" dirty="0">
+              <a:latin typeface="Courier New" panose="02070309020205020404" pitchFamily="49" charset="0"/>
+              <a:cs typeface="Courier New" panose="02070309020205020404" pitchFamily="49" charset="0"/>
+            </a:endParaRPr>
+          </a:p>
+        </p:txBody>
+      </p:sp>
+      <p:sp>
+        <p:nvSpPr>
+          <p:cNvPr id="17" name="TextBox 16"/>
+          <p:cNvSpPr txBox="1"/>
+          <p:nvPr/>
+        </p:nvSpPr>
+        <p:spPr>
+          <a:xfrm>
+            <a:off x="2389583" y="2708920"/>
+            <a:ext cx="598241" cy="369332"/>
+          </a:xfrm>
+          <a:prstGeom prst="rect">
+            <a:avLst/>
+          </a:prstGeom>
+          <a:noFill/>
+        </p:spPr>
+        <p:txBody>
+          <a:bodyPr wrap="none" rtlCol="0">
+            <a:spAutoFit/>
+          </a:bodyPr>
+          <a:lstStyle/>
+          <a:p>
+            <a:r>
+              <a:rPr lang="ru-RU" b="1" dirty="0" smtClean="0">
+                <a:latin typeface="Courier New" panose="02070309020205020404" pitchFamily="49" charset="0"/>
+                <a:cs typeface="Courier New" panose="02070309020205020404" pitchFamily="49" charset="0"/>
+              </a:rPr>
+              <a:t>Нет</a:t>
+            </a:r>
+            <a:endParaRPr lang="ru-RU" b="1" dirty="0">
+              <a:latin typeface="Courier New" panose="02070309020205020404" pitchFamily="49" charset="0"/>
+              <a:cs typeface="Courier New" panose="02070309020205020404" pitchFamily="49" charset="0"/>
+            </a:endParaRPr>
+          </a:p>
+        </p:txBody>
+      </p:sp>
+      <p:sp>
+        <p:nvSpPr>
+          <p:cNvPr id="18" name="Блок-схема: решение 17"/>
+          <p:cNvSpPr/>
+          <p:nvPr/>
+        </p:nvSpPr>
+        <p:spPr>
+          <a:xfrm>
+            <a:off x="3779912" y="2708920"/>
+            <a:ext cx="1584176" cy="720080"/>
+          </a:xfrm>
+          <a:prstGeom prst="flowChartDecision">
+            <a:avLst/>
+          </a:prstGeom>
+          <a:solidFill>
+            <a:schemeClr val="bg1"/>
+          </a:solidFill>
+          <a:ln>
+            <a:solidFill>
+              <a:schemeClr val="tx1"/>
+            </a:solidFill>
+          </a:ln>
+        </p:spPr>
+        <p:style>
+          <a:lnRef idx="2">
+            <a:schemeClr val="accent1">
+              <a:shade val="50000"/>
+            </a:schemeClr>
+          </a:lnRef>
+          <a:fillRef idx="1">
+            <a:schemeClr val="accent1"/>
+          </a:fillRef>
+          <a:effectRef idx="0">
+            <a:schemeClr val="accent1"/>
+          </a:effectRef>
+          <a:fontRef idx="minor">
+            <a:schemeClr val="lt1"/>
+          </a:fontRef>
+        </p:style>
+        <p:txBody>
+          <a:bodyPr rtlCol="0" anchor="ctr"/>
+          <a:lstStyle/>
+          <a:p>
+            <a:pPr algn="ctr"/>
+            <a:r>
+              <a:rPr lang="en-US" b="1" dirty="0" smtClean="0">
+                <a:solidFill>
+                  <a:schemeClr val="tx1"/>
+                </a:solidFill>
+                <a:latin typeface="Courier New" panose="02070309020205020404" pitchFamily="49" charset="0"/>
+                <a:cs typeface="Courier New" panose="02070309020205020404" pitchFamily="49" charset="0"/>
+              </a:rPr>
+              <a:t>a&gt;b</a:t>
+            </a:r>
+            <a:endParaRPr lang="ru-RU" b="1" dirty="0">
+              <a:solidFill>
+                <a:schemeClr val="tx1"/>
+              </a:solidFill>
+              <a:latin typeface="Courier New" panose="02070309020205020404" pitchFamily="49" charset="0"/>
+              <a:cs typeface="Courier New" panose="02070309020205020404" pitchFamily="49" charset="0"/>
+            </a:endParaRPr>
+          </a:p>
+        </p:txBody>
+      </p:sp>
+      <p:cxnSp>
+        <p:nvCxnSpPr>
+          <p:cNvPr id="19" name="Соединительная линия уступом 18"/>
+          <p:cNvCxnSpPr>
+            <a:stCxn id="18" idx="1"/>
+          </p:cNvCxnSpPr>
+          <p:nvPr/>
+        </p:nvCxnSpPr>
+        <p:spPr>
+          <a:xfrm rot="10800000" flipV="1">
+            <a:off x="3419872" y="3068960"/>
+            <a:ext cx="360040" cy="360040"/>
+          </a:xfrm>
+          <a:prstGeom prst="bentConnector2">
+            <a:avLst/>
+          </a:prstGeom>
+          <a:ln w="25400">
+            <a:solidFill>
+              <a:schemeClr val="tx1"/>
+            </a:solidFill>
+          </a:ln>
+        </p:spPr>
+        <p:style>
+          <a:lnRef idx="1">
+            <a:schemeClr val="accent1"/>
+          </a:lnRef>
+          <a:fillRef idx="0">
+            <a:schemeClr val="accent1"/>
+          </a:fillRef>
+          <a:effectRef idx="0">
+            <a:schemeClr val="accent1"/>
+          </a:effectRef>
+          <a:fontRef idx="minor">
+            <a:schemeClr val="tx1"/>
+          </a:fontRef>
+        </p:style>
+      </p:cxnSp>
+      <p:cxnSp>
+        <p:nvCxnSpPr>
+          <p:cNvPr id="20" name="Соединительная линия уступом 19"/>
+          <p:cNvCxnSpPr>
+            <a:endCxn id="18" idx="3"/>
+          </p:cNvCxnSpPr>
+          <p:nvPr/>
+        </p:nvCxnSpPr>
+        <p:spPr>
+          <a:xfrm rot="16200000" flipV="1">
+            <a:off x="5364088" y="3068960"/>
+            <a:ext cx="360040" cy="360040"/>
+          </a:xfrm>
+          <a:prstGeom prst="bentConnector2">
+            <a:avLst/>
+          </a:prstGeom>
+          <a:ln w="25400">
+            <a:solidFill>
+              <a:schemeClr val="tx1"/>
+            </a:solidFill>
+          </a:ln>
+        </p:spPr>
+        <p:style>
+          <a:lnRef idx="1">
+            <a:schemeClr val="accent1"/>
+          </a:lnRef>
+          <a:fillRef idx="0">
+            <a:schemeClr val="accent1"/>
+          </a:fillRef>
+          <a:effectRef idx="0">
+            <a:schemeClr val="accent1"/>
+          </a:effectRef>
+          <a:fontRef idx="minor">
+            <a:schemeClr val="tx1"/>
+          </a:fontRef>
+        </p:style>
+      </p:cxnSp>
+      <p:sp>
+        <p:nvSpPr>
+          <p:cNvPr id="21" name="TextBox 20"/>
+          <p:cNvSpPr txBox="1"/>
+          <p:nvPr/>
+        </p:nvSpPr>
+        <p:spPr>
+          <a:xfrm>
+            <a:off x="3347864" y="2699628"/>
+            <a:ext cx="460382" cy="369332"/>
+          </a:xfrm>
+          <a:prstGeom prst="rect">
+            <a:avLst/>
+          </a:prstGeom>
+          <a:noFill/>
+        </p:spPr>
+        <p:txBody>
+          <a:bodyPr wrap="none" rtlCol="0">
+            <a:spAutoFit/>
+          </a:bodyPr>
+          <a:lstStyle/>
+          <a:p>
+            <a:r>
+              <a:rPr lang="ru-RU" b="1" dirty="0" smtClean="0">
+                <a:latin typeface="Courier New" panose="02070309020205020404" pitchFamily="49" charset="0"/>
+                <a:cs typeface="Courier New" panose="02070309020205020404" pitchFamily="49" charset="0"/>
+              </a:rPr>
+              <a:t>Да</a:t>
+            </a:r>
+            <a:endParaRPr lang="ru-RU" b="1" dirty="0">
+              <a:latin typeface="Courier New" panose="02070309020205020404" pitchFamily="49" charset="0"/>
+              <a:cs typeface="Courier New" panose="02070309020205020404" pitchFamily="49" charset="0"/>
+            </a:endParaRPr>
+          </a:p>
+        </p:txBody>
+      </p:sp>
+      <p:sp>
+        <p:nvSpPr>
+          <p:cNvPr id="22" name="TextBox 21"/>
+          <p:cNvSpPr txBox="1"/>
+          <p:nvPr/>
+        </p:nvSpPr>
+        <p:spPr>
+          <a:xfrm>
+            <a:off x="5269903" y="2708920"/>
+            <a:ext cx="598241" cy="369332"/>
+          </a:xfrm>
+          <a:prstGeom prst="rect">
+            <a:avLst/>
+          </a:prstGeom>
+          <a:noFill/>
+        </p:spPr>
+        <p:txBody>
+          <a:bodyPr wrap="none" rtlCol="0">
+            <a:spAutoFit/>
+          </a:bodyPr>
+          <a:lstStyle/>
+          <a:p>
+            <a:r>
+              <a:rPr lang="ru-RU" b="1" dirty="0" smtClean="0">
+                <a:latin typeface="Courier New" panose="02070309020205020404" pitchFamily="49" charset="0"/>
+                <a:cs typeface="Courier New" panose="02070309020205020404" pitchFamily="49" charset="0"/>
+              </a:rPr>
+              <a:t>Нет</a:t>
+            </a:r>
+            <a:endParaRPr lang="ru-RU" b="1" dirty="0">
+              <a:latin typeface="Courier New" panose="02070309020205020404" pitchFamily="49" charset="0"/>
+              <a:cs typeface="Courier New" panose="02070309020205020404" pitchFamily="49" charset="0"/>
+            </a:endParaRPr>
+          </a:p>
+        </p:txBody>
+      </p:sp>
+      <p:cxnSp>
+        <p:nvCxnSpPr>
+          <p:cNvPr id="23" name="Прямая соединительная линия 22"/>
+          <p:cNvCxnSpPr/>
+          <p:nvPr/>
+        </p:nvCxnSpPr>
+        <p:spPr>
+          <a:xfrm>
+            <a:off x="251520" y="4149080"/>
+            <a:ext cx="8678189" cy="0"/>
+          </a:xfrm>
+          <a:prstGeom prst="line">
+            <a:avLst/>
+          </a:prstGeom>
+          <a:ln w="25400">
+            <a:solidFill>
+              <a:schemeClr val="bg1"/>
+            </a:solidFill>
+          </a:ln>
+        </p:spPr>
+        <p:style>
+          <a:lnRef idx="1">
+            <a:schemeClr val="accent1"/>
+          </a:lnRef>
+          <a:fillRef idx="0">
+            <a:schemeClr val="accent1"/>
+          </a:fillRef>
+          <a:effectRef idx="0">
+            <a:schemeClr val="accent1"/>
+          </a:effectRef>
+          <a:fontRef idx="minor">
+            <a:schemeClr val="tx1"/>
+          </a:fontRef>
+        </p:style>
+      </p:cxnSp>
+      <p:sp>
+        <p:nvSpPr>
+          <p:cNvPr id="26" name="Блок-схема: решение 25"/>
+          <p:cNvSpPr/>
+          <p:nvPr/>
+        </p:nvSpPr>
+        <p:spPr>
+          <a:xfrm>
+            <a:off x="899593" y="4869160"/>
+            <a:ext cx="1584176" cy="720080"/>
+          </a:xfrm>
+          <a:prstGeom prst="flowChartDecision">
+            <a:avLst/>
+          </a:prstGeom>
+          <a:solidFill>
+            <a:schemeClr val="bg1"/>
+          </a:solidFill>
+          <a:ln>
+            <a:solidFill>
+              <a:schemeClr val="tx1"/>
+            </a:solidFill>
+          </a:ln>
+        </p:spPr>
+        <p:style>
+          <a:lnRef idx="2">
+            <a:schemeClr val="accent1">
+              <a:shade val="50000"/>
+            </a:schemeClr>
+          </a:lnRef>
+          <a:fillRef idx="1">
+            <a:schemeClr val="accent1"/>
+          </a:fillRef>
+          <a:effectRef idx="0">
+            <a:schemeClr val="accent1"/>
+          </a:effectRef>
+          <a:fontRef idx="minor">
+            <a:schemeClr val="lt1"/>
+          </a:fontRef>
+        </p:style>
+        <p:txBody>
+          <a:bodyPr rtlCol="0" anchor="ctr"/>
+          <a:lstStyle/>
+          <a:p>
+            <a:pPr algn="ctr"/>
+            <a:r>
+              <a:rPr lang="ru-RU" b="1" dirty="0" smtClean="0">
+                <a:solidFill>
+                  <a:schemeClr val="tx1"/>
+                </a:solidFill>
+                <a:latin typeface="Courier New" panose="02070309020205020404" pitchFamily="49" charset="0"/>
+                <a:cs typeface="Courier New" panose="02070309020205020404" pitchFamily="49" charset="0"/>
+              </a:rPr>
+              <a:t>Условие</a:t>
+            </a:r>
+            <a:endParaRPr lang="ru-RU" b="1" dirty="0">
+              <a:solidFill>
+                <a:schemeClr val="tx1"/>
+              </a:solidFill>
+              <a:latin typeface="Courier New" panose="02070309020205020404" pitchFamily="49" charset="0"/>
+              <a:cs typeface="Courier New" panose="02070309020205020404" pitchFamily="49" charset="0"/>
+            </a:endParaRPr>
+          </a:p>
+        </p:txBody>
+      </p:sp>
+      <p:cxnSp>
+        <p:nvCxnSpPr>
+          <p:cNvPr id="28" name="Прямая соединительная линия 27"/>
+          <p:cNvCxnSpPr/>
+          <p:nvPr/>
+        </p:nvCxnSpPr>
+        <p:spPr>
+          <a:xfrm flipH="1">
+            <a:off x="1691679" y="5589240"/>
+            <a:ext cx="1" cy="720080"/>
+          </a:xfrm>
+          <a:prstGeom prst="line">
+            <a:avLst/>
+          </a:prstGeom>
+          <a:ln w="25400">
+            <a:solidFill>
+              <a:schemeClr val="tx1"/>
+            </a:solidFill>
+          </a:ln>
+        </p:spPr>
+        <p:style>
+          <a:lnRef idx="1">
+            <a:schemeClr val="accent1"/>
+          </a:lnRef>
+          <a:fillRef idx="0">
+            <a:schemeClr val="accent1"/>
+          </a:fillRef>
+          <a:effectRef idx="0">
+            <a:schemeClr val="accent1"/>
+          </a:effectRef>
+          <a:fontRef idx="minor">
+            <a:schemeClr val="tx1"/>
+          </a:fontRef>
+        </p:style>
+      </p:cxnSp>
+      <p:cxnSp>
+        <p:nvCxnSpPr>
+          <p:cNvPr id="29" name="Прямая соединительная линия 28"/>
+          <p:cNvCxnSpPr/>
+          <p:nvPr/>
+        </p:nvCxnSpPr>
+        <p:spPr>
+          <a:xfrm>
+            <a:off x="1691681" y="6309320"/>
+            <a:ext cx="360039" cy="0"/>
+          </a:xfrm>
+          <a:prstGeom prst="line">
+            <a:avLst/>
+          </a:prstGeom>
+          <a:ln w="25400">
+            <a:solidFill>
+              <a:schemeClr val="tx1"/>
+            </a:solidFill>
+          </a:ln>
+        </p:spPr>
+        <p:style>
+          <a:lnRef idx="1">
+            <a:schemeClr val="accent1"/>
+          </a:lnRef>
+          <a:fillRef idx="0">
+            <a:schemeClr val="accent1"/>
+          </a:fillRef>
+          <a:effectRef idx="0">
+            <a:schemeClr val="accent1"/>
+          </a:effectRef>
+          <a:fontRef idx="minor">
+            <a:schemeClr val="tx1"/>
+          </a:fontRef>
+        </p:style>
+      </p:cxnSp>
+      <p:cxnSp>
+        <p:nvCxnSpPr>
+          <p:cNvPr id="32" name="Прямая соединительная линия 31"/>
+          <p:cNvCxnSpPr/>
+          <p:nvPr/>
+        </p:nvCxnSpPr>
+        <p:spPr>
+          <a:xfrm>
+            <a:off x="1691681" y="6093296"/>
+            <a:ext cx="360039" cy="0"/>
+          </a:xfrm>
+          <a:prstGeom prst="line">
+            <a:avLst/>
+          </a:prstGeom>
+          <a:ln w="25400">
+            <a:solidFill>
+              <a:schemeClr val="tx1"/>
+            </a:solidFill>
+          </a:ln>
+        </p:spPr>
+        <p:style>
+          <a:lnRef idx="1">
+            <a:schemeClr val="accent1"/>
+          </a:lnRef>
+          <a:fillRef idx="0">
+            <a:schemeClr val="accent1"/>
+          </a:fillRef>
+          <a:effectRef idx="0">
+            <a:schemeClr val="accent1"/>
+          </a:effectRef>
+          <a:fontRef idx="minor">
+            <a:schemeClr val="tx1"/>
+          </a:fontRef>
+        </p:style>
+      </p:cxnSp>
+      <p:cxnSp>
+        <p:nvCxnSpPr>
+          <p:cNvPr id="33" name="Прямая соединительная линия 32"/>
+          <p:cNvCxnSpPr/>
+          <p:nvPr/>
+        </p:nvCxnSpPr>
+        <p:spPr>
+          <a:xfrm>
+            <a:off x="1691681" y="5877272"/>
+            <a:ext cx="360039" cy="0"/>
+          </a:xfrm>
+          <a:prstGeom prst="line">
+            <a:avLst/>
+          </a:prstGeom>
+          <a:ln w="25400">
+            <a:solidFill>
+              <a:schemeClr val="tx1"/>
+            </a:solidFill>
+          </a:ln>
+        </p:spPr>
+        <p:style>
+          <a:lnRef idx="1">
+            <a:schemeClr val="accent1"/>
+          </a:lnRef>
+          <a:fillRef idx="0">
+            <a:schemeClr val="accent1"/>
+          </a:fillRef>
+          <a:effectRef idx="0">
+            <a:schemeClr val="accent1"/>
+          </a:effectRef>
+          <a:fontRef idx="minor">
+            <a:schemeClr val="tx1"/>
+          </a:fontRef>
+        </p:style>
+      </p:cxnSp>
+      <p:sp>
+        <p:nvSpPr>
+          <p:cNvPr id="34" name="TextBox 33"/>
+          <p:cNvSpPr txBox="1"/>
+          <p:nvPr/>
+        </p:nvSpPr>
+        <p:spPr>
+          <a:xfrm>
+            <a:off x="2104267" y="5692606"/>
+            <a:ext cx="1011815" cy="369332"/>
+          </a:xfrm>
+          <a:prstGeom prst="rect">
+            <a:avLst/>
+          </a:prstGeom>
+          <a:noFill/>
+        </p:spPr>
+        <p:txBody>
+          <a:bodyPr wrap="none" rtlCol="0">
+            <a:spAutoFit/>
+          </a:bodyPr>
+          <a:lstStyle/>
+          <a:p>
+            <a:r>
+              <a:rPr lang="ru-RU" b="1" dirty="0" smtClean="0">
+                <a:latin typeface="Courier New" panose="02070309020205020404" pitchFamily="49" charset="0"/>
+                <a:cs typeface="Courier New" panose="02070309020205020404" pitchFamily="49" charset="0"/>
+              </a:rPr>
+              <a:t>Вар. 1</a:t>
+            </a:r>
+            <a:endParaRPr lang="ru-RU" b="1" dirty="0">
+              <a:latin typeface="Courier New" panose="02070309020205020404" pitchFamily="49" charset="0"/>
+              <a:cs typeface="Courier New" panose="02070309020205020404" pitchFamily="49" charset="0"/>
+            </a:endParaRPr>
+          </a:p>
+        </p:txBody>
+      </p:sp>
+      <p:sp>
+        <p:nvSpPr>
+          <p:cNvPr id="35" name="TextBox 34"/>
+          <p:cNvSpPr txBox="1"/>
+          <p:nvPr/>
+        </p:nvSpPr>
+        <p:spPr>
+          <a:xfrm>
+            <a:off x="2104266" y="5908630"/>
+            <a:ext cx="1011815" cy="369332"/>
+          </a:xfrm>
+          <a:prstGeom prst="rect">
+            <a:avLst/>
+          </a:prstGeom>
+          <a:noFill/>
+        </p:spPr>
+        <p:txBody>
+          <a:bodyPr wrap="none" rtlCol="0">
+            <a:spAutoFit/>
+          </a:bodyPr>
+          <a:lstStyle/>
+          <a:p>
+            <a:r>
+              <a:rPr lang="ru-RU" b="1" dirty="0" smtClean="0">
+                <a:latin typeface="Courier New" panose="02070309020205020404" pitchFamily="49" charset="0"/>
+                <a:cs typeface="Courier New" panose="02070309020205020404" pitchFamily="49" charset="0"/>
+              </a:rPr>
+              <a:t>Вар. 2</a:t>
+            </a:r>
+            <a:endParaRPr lang="ru-RU" b="1" dirty="0">
+              <a:latin typeface="Courier New" panose="02070309020205020404" pitchFamily="49" charset="0"/>
+              <a:cs typeface="Courier New" panose="02070309020205020404" pitchFamily="49" charset="0"/>
+            </a:endParaRPr>
+          </a:p>
+        </p:txBody>
+      </p:sp>
+      <p:sp>
+        <p:nvSpPr>
+          <p:cNvPr id="36" name="TextBox 35"/>
+          <p:cNvSpPr txBox="1"/>
+          <p:nvPr/>
+        </p:nvSpPr>
+        <p:spPr>
+          <a:xfrm>
+            <a:off x="2097355" y="6124654"/>
+            <a:ext cx="1011815" cy="369332"/>
+          </a:xfrm>
+          <a:prstGeom prst="rect">
+            <a:avLst/>
+          </a:prstGeom>
+          <a:noFill/>
+        </p:spPr>
+        <p:txBody>
+          <a:bodyPr wrap="none" rtlCol="0">
+            <a:spAutoFit/>
+          </a:bodyPr>
+          <a:lstStyle/>
+          <a:p>
+            <a:r>
+              <a:rPr lang="ru-RU" b="1" dirty="0" smtClean="0">
+                <a:latin typeface="Courier New" panose="02070309020205020404" pitchFamily="49" charset="0"/>
+                <a:cs typeface="Courier New" panose="02070309020205020404" pitchFamily="49" charset="0"/>
+              </a:rPr>
+              <a:t>Вар. 3</a:t>
+            </a:r>
+            <a:endParaRPr lang="ru-RU" b="1" dirty="0">
+              <a:latin typeface="Courier New" panose="02070309020205020404" pitchFamily="49" charset="0"/>
+              <a:cs typeface="Courier New" panose="02070309020205020404" pitchFamily="49" charset="0"/>
+            </a:endParaRPr>
+          </a:p>
+        </p:txBody>
+      </p:sp>
+      <p:sp>
+        <p:nvSpPr>
+          <p:cNvPr id="37" name="TextBox 36"/>
+          <p:cNvSpPr txBox="1"/>
+          <p:nvPr/>
+        </p:nvSpPr>
+        <p:spPr>
+          <a:xfrm>
+            <a:off x="6729161" y="4831992"/>
+            <a:ext cx="1425390" cy="1477328"/>
+          </a:xfrm>
+          <a:prstGeom prst="rect">
+            <a:avLst/>
+          </a:prstGeom>
+          <a:solidFill>
+            <a:schemeClr val="bg1"/>
+          </a:solidFill>
+        </p:spPr>
+        <p:txBody>
+          <a:bodyPr wrap="none" rtlCol="0">
+            <a:spAutoFit/>
+          </a:bodyPr>
+          <a:lstStyle/>
+          <a:p>
+            <a:r>
+              <a:rPr lang="en-US" b="1" dirty="0" smtClean="0">
+                <a:latin typeface="Courier New" panose="02070309020205020404" pitchFamily="49" charset="0"/>
+                <a:cs typeface="Courier New" panose="02070309020205020404" pitchFamily="49" charset="0"/>
+              </a:rPr>
+              <a:t>case N of</a:t>
+            </a:r>
+          </a:p>
+          <a:p>
+            <a:r>
+              <a:rPr lang="en-US" b="1" dirty="0">
+                <a:latin typeface="Courier New" panose="02070309020205020404" pitchFamily="49" charset="0"/>
+                <a:cs typeface="Courier New" panose="02070309020205020404" pitchFamily="49" charset="0"/>
+              </a:rPr>
+              <a:t> </a:t>
+            </a:r>
+            <a:r>
+              <a:rPr lang="en-US" b="1" dirty="0" smtClean="0">
+                <a:latin typeface="Courier New" panose="02070309020205020404" pitchFamily="49" charset="0"/>
+                <a:cs typeface="Courier New" panose="02070309020205020404" pitchFamily="49" charset="0"/>
+              </a:rPr>
+              <a:t> 1: … ;</a:t>
+            </a:r>
+          </a:p>
+          <a:p>
+            <a:r>
+              <a:rPr lang="en-US" b="1" dirty="0">
+                <a:latin typeface="Courier New" panose="02070309020205020404" pitchFamily="49" charset="0"/>
+                <a:cs typeface="Courier New" panose="02070309020205020404" pitchFamily="49" charset="0"/>
+              </a:rPr>
+              <a:t> </a:t>
+            </a:r>
+            <a:r>
+              <a:rPr lang="en-US" b="1" dirty="0" smtClean="0">
+                <a:latin typeface="Courier New" panose="02070309020205020404" pitchFamily="49" charset="0"/>
+                <a:cs typeface="Courier New" panose="02070309020205020404" pitchFamily="49" charset="0"/>
+              </a:rPr>
+              <a:t> 2: … ;</a:t>
+            </a:r>
+          </a:p>
+          <a:p>
+            <a:r>
+              <a:rPr lang="en-US" b="1" dirty="0">
+                <a:latin typeface="Courier New" panose="02070309020205020404" pitchFamily="49" charset="0"/>
+                <a:cs typeface="Courier New" panose="02070309020205020404" pitchFamily="49" charset="0"/>
+              </a:rPr>
+              <a:t> </a:t>
+            </a:r>
+            <a:r>
+              <a:rPr lang="en-US" b="1" dirty="0" smtClean="0">
+                <a:latin typeface="Courier New" panose="02070309020205020404" pitchFamily="49" charset="0"/>
+                <a:cs typeface="Courier New" panose="02070309020205020404" pitchFamily="49" charset="0"/>
+              </a:rPr>
+              <a:t> 3: … ;</a:t>
+            </a:r>
+          </a:p>
+          <a:p>
+            <a:r>
+              <a:rPr lang="en-US" b="1" dirty="0" smtClean="0">
+                <a:latin typeface="Courier New" panose="02070309020205020404" pitchFamily="49" charset="0"/>
+                <a:cs typeface="Courier New" panose="02070309020205020404" pitchFamily="49" charset="0"/>
+              </a:rPr>
+              <a:t>end;</a:t>
+            </a:r>
+            <a:endParaRPr lang="ru-RU" b="1" dirty="0">
+              <a:latin typeface="Courier New" panose="02070309020205020404" pitchFamily="49" charset="0"/>
+              <a:cs typeface="Courier New" panose="02070309020205020404" pitchFamily="49" charset="0"/>
+            </a:endParaRPr>
+          </a:p>
+        </p:txBody>
+      </p:sp>
+    </p:spTree>
+    <p:extLst>
+      <p:ext uri="{BB962C8B-B14F-4D97-AF65-F5344CB8AC3E}">
+        <p14:creationId xmlns:p14="http://schemas.microsoft.com/office/powerpoint/2010/main" val="150389840"/>
+      </p:ext>
+    </p:extLst>
+  </p:cSld>
+  <p:clrMapOvr>
+    <a:masterClrMapping/>
+  </p:clrMapOvr>
+  <p:timing>
+    <p:tnLst>
+      <p:par>
+        <p:cTn id="1" dur="indefinite" restart="never" nodeType="tmRoot"/>
+      </p:par>
+    </p:tnLst>
+  </p:timing>
 </p:sld>
 </file>
 

--- a/t.1.1/t.1.1.pptx
+++ b/t.1.1/t.1.1.pptx
@@ -7,10 +7,12 @@
   <p:sldIdLst>
     <p:sldId id="256" r:id="rId2"/>
     <p:sldId id="257" r:id="rId3"/>
-    <p:sldId id="258" r:id="rId4"/>
-    <p:sldId id="259" r:id="rId5"/>
-    <p:sldId id="260" r:id="rId6"/>
+    <p:sldId id="263" r:id="rId4"/>
+    <p:sldId id="258" r:id="rId5"/>
+    <p:sldId id="259" r:id="rId6"/>
     <p:sldId id="261" r:id="rId7"/>
+    <p:sldId id="260" r:id="rId8"/>
+    <p:sldId id="262" r:id="rId9"/>
   </p:sldIdLst>
   <p:sldSz cx="9144000" cy="6858000" type="screen4x3"/>
   <p:notesSz cx="6858000" cy="9144000"/>
@@ -293,7 +295,7 @@
           <a:p>
             <a:fld id="{8697347F-27F3-4C1B-ABEA-5203A90457E1}" type="datetimeFigureOut">
               <a:rPr lang="ru-RU" smtClean="0"/>
-              <a:t>20.11.2016</a:t>
+              <a:t>21.11.2016</a:t>
             </a:fld>
             <a:endParaRPr lang="ru-RU"/>
           </a:p>
@@ -463,7 +465,7 @@
           <a:p>
             <a:fld id="{8697347F-27F3-4C1B-ABEA-5203A90457E1}" type="datetimeFigureOut">
               <a:rPr lang="ru-RU" smtClean="0"/>
-              <a:t>20.11.2016</a:t>
+              <a:t>21.11.2016</a:t>
             </a:fld>
             <a:endParaRPr lang="ru-RU"/>
           </a:p>
@@ -643,7 +645,7 @@
           <a:p>
             <a:fld id="{8697347F-27F3-4C1B-ABEA-5203A90457E1}" type="datetimeFigureOut">
               <a:rPr lang="ru-RU" smtClean="0"/>
-              <a:t>20.11.2016</a:t>
+              <a:t>21.11.2016</a:t>
             </a:fld>
             <a:endParaRPr lang="ru-RU"/>
           </a:p>
@@ -813,7 +815,7 @@
           <a:p>
             <a:fld id="{8697347F-27F3-4C1B-ABEA-5203A90457E1}" type="datetimeFigureOut">
               <a:rPr lang="ru-RU" smtClean="0"/>
-              <a:t>20.11.2016</a:t>
+              <a:t>21.11.2016</a:t>
             </a:fld>
             <a:endParaRPr lang="ru-RU"/>
           </a:p>
@@ -1059,7 +1061,7 @@
           <a:p>
             <a:fld id="{8697347F-27F3-4C1B-ABEA-5203A90457E1}" type="datetimeFigureOut">
               <a:rPr lang="ru-RU" smtClean="0"/>
-              <a:t>20.11.2016</a:t>
+              <a:t>21.11.2016</a:t>
             </a:fld>
             <a:endParaRPr lang="ru-RU"/>
           </a:p>
@@ -1347,7 +1349,7 @@
           <a:p>
             <a:fld id="{8697347F-27F3-4C1B-ABEA-5203A90457E1}" type="datetimeFigureOut">
               <a:rPr lang="ru-RU" smtClean="0"/>
-              <a:t>20.11.2016</a:t>
+              <a:t>21.11.2016</a:t>
             </a:fld>
             <a:endParaRPr lang="ru-RU"/>
           </a:p>
@@ -1769,7 +1771,7 @@
           <a:p>
             <a:fld id="{8697347F-27F3-4C1B-ABEA-5203A90457E1}" type="datetimeFigureOut">
               <a:rPr lang="ru-RU" smtClean="0"/>
-              <a:t>20.11.2016</a:t>
+              <a:t>21.11.2016</a:t>
             </a:fld>
             <a:endParaRPr lang="ru-RU"/>
           </a:p>
@@ -1887,7 +1889,7 @@
           <a:p>
             <a:fld id="{8697347F-27F3-4C1B-ABEA-5203A90457E1}" type="datetimeFigureOut">
               <a:rPr lang="ru-RU" smtClean="0"/>
-              <a:t>20.11.2016</a:t>
+              <a:t>21.11.2016</a:t>
             </a:fld>
             <a:endParaRPr lang="ru-RU"/>
           </a:p>
@@ -1982,7 +1984,7 @@
           <a:p>
             <a:fld id="{8697347F-27F3-4C1B-ABEA-5203A90457E1}" type="datetimeFigureOut">
               <a:rPr lang="ru-RU" smtClean="0"/>
-              <a:t>20.11.2016</a:t>
+              <a:t>21.11.2016</a:t>
             </a:fld>
             <a:endParaRPr lang="ru-RU"/>
           </a:p>
@@ -2259,7 +2261,7 @@
           <a:p>
             <a:fld id="{8697347F-27F3-4C1B-ABEA-5203A90457E1}" type="datetimeFigureOut">
               <a:rPr lang="ru-RU" smtClean="0"/>
-              <a:t>20.11.2016</a:t>
+              <a:t>21.11.2016</a:t>
             </a:fld>
             <a:endParaRPr lang="ru-RU"/>
           </a:p>
@@ -2512,7 +2514,7 @@
           <a:p>
             <a:fld id="{8697347F-27F3-4C1B-ABEA-5203A90457E1}" type="datetimeFigureOut">
               <a:rPr lang="ru-RU" smtClean="0"/>
-              <a:t>20.11.2016</a:t>
+              <a:t>21.11.2016</a:t>
             </a:fld>
             <a:endParaRPr lang="ru-RU"/>
           </a:p>
@@ -2740,7 +2742,7 @@
           <a:p>
             <a:fld id="{8697347F-27F3-4C1B-ABEA-5203A90457E1}" type="datetimeFigureOut">
               <a:rPr lang="ru-RU" smtClean="0"/>
-              <a:t>20.11.2016</a:t>
+              <a:t>21.11.2016</a:t>
             </a:fld>
             <a:endParaRPr lang="ru-RU"/>
           </a:p>
@@ -3413,18 +3415,53 @@
           </a:fontRef>
         </p:style>
       </p:cxnSp>
-      <p:sp>
-        <p:nvSpPr>
-          <p:cNvPr id="8" name="Блок-схема: данные 7"/>
+      <p:cxnSp>
+        <p:nvCxnSpPr>
+          <p:cNvPr id="14" name="Прямая соединительная линия 13"/>
+          <p:cNvCxnSpPr/>
+          <p:nvPr/>
+        </p:nvCxnSpPr>
+        <p:spPr>
+          <a:xfrm>
+            <a:off x="251520" y="4149080"/>
+            <a:ext cx="8678189" cy="0"/>
+          </a:xfrm>
+          <a:prstGeom prst="line">
+            <a:avLst/>
+          </a:prstGeom>
+          <a:ln w="25400">
+            <a:solidFill>
+              <a:schemeClr val="bg1"/>
+            </a:solidFill>
+          </a:ln>
+        </p:spPr>
+        <p:style>
+          <a:lnRef idx="1">
+            <a:schemeClr val="accent1"/>
+          </a:lnRef>
+          <a:fillRef idx="0">
+            <a:schemeClr val="accent1"/>
+          </a:fillRef>
+          <a:effectRef idx="0">
+            <a:schemeClr val="accent1"/>
+          </a:effectRef>
+          <a:fontRef idx="minor">
+            <a:schemeClr val="tx1"/>
+          </a:fontRef>
+        </p:style>
+      </p:cxnSp>
+      <p:sp>
+        <p:nvSpPr>
+          <p:cNvPr id="3" name="Блок-схема: внутренняя память 2"/>
           <p:cNvSpPr/>
           <p:nvPr/>
         </p:nvSpPr>
         <p:spPr>
           <a:xfrm>
-            <a:off x="827584" y="2708920"/>
-            <a:ext cx="1693182" cy="720080"/>
-          </a:xfrm>
-          <a:prstGeom prst="flowChartInputOutput">
+            <a:off x="1133105" y="2785574"/>
+            <a:ext cx="1032788" cy="936104"/>
+          </a:xfrm>
+          <a:prstGeom prst="flowChartInternalStorage">
             <a:avLst/>
           </a:prstGeom>
           <a:solidFill>
@@ -3457,20 +3494,40 @@
           <a:lstStyle/>
           <a:p>
             <a:pPr algn="ctr"/>
+            <a:endParaRPr lang="ru-RU"/>
+          </a:p>
+        </p:txBody>
+      </p:sp>
+      <p:sp>
+        <p:nvSpPr>
+          <p:cNvPr id="5" name="TextBox 4"/>
+          <p:cNvSpPr txBox="1"/>
+          <p:nvPr/>
+        </p:nvSpPr>
+        <p:spPr>
+          <a:xfrm>
+            <a:off x="1350378" y="2348880"/>
+            <a:ext cx="598241" cy="369332"/>
+          </a:xfrm>
+          <a:prstGeom prst="rect">
+            <a:avLst/>
+          </a:prstGeom>
+          <a:noFill/>
+        </p:spPr>
+        <p:txBody>
+          <a:bodyPr wrap="none" rtlCol="0">
+            <a:spAutoFit/>
+          </a:bodyPr>
+          <a:lstStyle/>
+          <a:p>
             <a:r>
               <a:rPr lang="ru-RU" b="1" dirty="0" smtClean="0">
-                <a:solidFill>
-                  <a:schemeClr val="tx1"/>
-                </a:solidFill>
                 <a:latin typeface="Courier New" panose="02070309020205020404" pitchFamily="49" charset="0"/>
                 <a:cs typeface="Courier New" panose="02070309020205020404" pitchFamily="49" charset="0"/>
               </a:rPr>
-              <a:t>Ввод данных</a:t>
+              <a:t>ОЗУ</a:t>
             </a:r>
             <a:endParaRPr lang="ru-RU" b="1" dirty="0">
-              <a:solidFill>
-                <a:schemeClr val="tx1"/>
-              </a:solidFill>
               <a:latin typeface="Courier New" panose="02070309020205020404" pitchFamily="49" charset="0"/>
               <a:cs typeface="Courier New" panose="02070309020205020404" pitchFamily="49" charset="0"/>
             </a:endParaRPr>
@@ -3479,16 +3536,16 @@
       </p:sp>
       <p:sp>
         <p:nvSpPr>
-          <p:cNvPr id="9" name="Блок-схема: данные 8"/>
+          <p:cNvPr id="15" name="Блок-схема: память с посл. доступом 14"/>
           <p:cNvSpPr/>
           <p:nvPr/>
         </p:nvSpPr>
         <p:spPr>
           <a:xfrm>
-            <a:off x="802908" y="4869160"/>
-            <a:ext cx="1693182" cy="720080"/>
-          </a:xfrm>
-          <a:prstGeom prst="flowChartInputOutput">
+            <a:off x="4028731" y="2742638"/>
+            <a:ext cx="1032788" cy="1032788"/>
+          </a:xfrm>
+          <a:prstGeom prst="flowChartMagneticTape">
             <a:avLst/>
           </a:prstGeom>
           <a:solidFill>
@@ -3521,20 +3578,51 @@
           <a:lstStyle/>
           <a:p>
             <a:pPr algn="ctr"/>
+            <a:endParaRPr lang="ru-RU"/>
+          </a:p>
+        </p:txBody>
+      </p:sp>
+      <p:sp>
+        <p:nvSpPr>
+          <p:cNvPr id="16" name="TextBox 15"/>
+          <p:cNvSpPr txBox="1"/>
+          <p:nvPr/>
+        </p:nvSpPr>
+        <p:spPr>
+          <a:xfrm>
+            <a:off x="3326486" y="1988840"/>
+            <a:ext cx="2528256" cy="646331"/>
+          </a:xfrm>
+          <a:prstGeom prst="rect">
+            <a:avLst/>
+          </a:prstGeom>
+          <a:noFill/>
+        </p:spPr>
+        <p:txBody>
+          <a:bodyPr wrap="none" rtlCol="0">
+            <a:spAutoFit/>
+          </a:bodyPr>
+          <a:lstStyle/>
+          <a:p>
+            <a:pPr algn="ctr"/>
             <a:r>
               <a:rPr lang="ru-RU" b="1" dirty="0" smtClean="0">
-                <a:solidFill>
-                  <a:schemeClr val="tx1"/>
-                </a:solidFill>
                 <a:latin typeface="Courier New" panose="02070309020205020404" pitchFamily="49" charset="0"/>
                 <a:cs typeface="Courier New" panose="02070309020205020404" pitchFamily="49" charset="0"/>
               </a:rPr>
-              <a:t>Вывод данных</a:t>
+              <a:t>ЗУ с </a:t>
+            </a:r>
+          </a:p>
+          <a:p>
+            <a:pPr algn="ctr"/>
+            <a:r>
+              <a:rPr lang="ru-RU" b="1" dirty="0" smtClean="0">
+                <a:latin typeface="Courier New" panose="02070309020205020404" pitchFamily="49" charset="0"/>
+                <a:cs typeface="Courier New" panose="02070309020205020404" pitchFamily="49" charset="0"/>
+              </a:rPr>
+              <a:t>послед-м доступом</a:t>
             </a:r>
             <a:endParaRPr lang="ru-RU" b="1" dirty="0">
-              <a:solidFill>
-                <a:schemeClr val="tx1"/>
-              </a:solidFill>
               <a:latin typeface="Courier New" panose="02070309020205020404" pitchFamily="49" charset="0"/>
               <a:cs typeface="Courier New" panose="02070309020205020404" pitchFamily="49" charset="0"/>
             </a:endParaRPr>
@@ -3543,16 +3631,16 @@
       </p:sp>
       <p:sp>
         <p:nvSpPr>
-          <p:cNvPr id="10" name="Блок-схема: данные 9"/>
+          <p:cNvPr id="17" name="Блок-схема: память с прямым доступом 16"/>
           <p:cNvSpPr/>
           <p:nvPr/>
         </p:nvSpPr>
         <p:spPr>
           <a:xfrm>
-            <a:off x="3707904" y="2708920"/>
-            <a:ext cx="1693182" cy="720080"/>
-          </a:xfrm>
-          <a:prstGeom prst="flowChartInputOutput">
+            <a:off x="6888645" y="2718212"/>
+            <a:ext cx="1139739" cy="854804"/>
+          </a:xfrm>
+          <a:prstGeom prst="flowChartMagneticDrum">
             <a:avLst/>
           </a:prstGeom>
           <a:solidFill>
@@ -3585,30 +3673,51 @@
           <a:lstStyle/>
           <a:p>
             <a:pPr algn="ctr"/>
+            <a:endParaRPr lang="ru-RU"/>
+          </a:p>
+        </p:txBody>
+      </p:sp>
+      <p:sp>
+        <p:nvSpPr>
+          <p:cNvPr id="18" name="TextBox 17"/>
+          <p:cNvSpPr txBox="1"/>
+          <p:nvPr/>
+        </p:nvSpPr>
+        <p:spPr>
+          <a:xfrm>
+            <a:off x="6332244" y="1988839"/>
+            <a:ext cx="2252541" cy="646331"/>
+          </a:xfrm>
+          <a:prstGeom prst="rect">
+            <a:avLst/>
+          </a:prstGeom>
+          <a:noFill/>
+        </p:spPr>
+        <p:txBody>
+          <a:bodyPr wrap="none" rtlCol="0">
+            <a:spAutoFit/>
+          </a:bodyPr>
+          <a:lstStyle/>
+          <a:p>
+            <a:pPr algn="ctr"/>
             <a:r>
               <a:rPr lang="ru-RU" b="1" dirty="0" smtClean="0">
-                <a:solidFill>
-                  <a:schemeClr val="tx1"/>
-                </a:solidFill>
                 <a:latin typeface="Courier New" panose="02070309020205020404" pitchFamily="49" charset="0"/>
                 <a:cs typeface="Courier New" panose="02070309020205020404" pitchFamily="49" charset="0"/>
               </a:rPr>
-              <a:t>Ввод </a:t>
-            </a:r>
-            <a:r>
-              <a:rPr lang="en-US" b="1" dirty="0" smtClean="0">
-                <a:solidFill>
-                  <a:schemeClr val="tx1"/>
-                </a:solidFill>
+              <a:t>ЗУ с </a:t>
+            </a:r>
+          </a:p>
+          <a:p>
+            <a:pPr algn="ctr"/>
+            <a:r>
+              <a:rPr lang="ru-RU" b="1" dirty="0" smtClean="0">
                 <a:latin typeface="Courier New" panose="02070309020205020404" pitchFamily="49" charset="0"/>
                 <a:cs typeface="Courier New" panose="02070309020205020404" pitchFamily="49" charset="0"/>
               </a:rPr>
-              <a:t>N</a:t>
+              <a:t>прямым доступом</a:t>
             </a:r>
             <a:endParaRPr lang="ru-RU" b="1" dirty="0">
-              <a:solidFill>
-                <a:schemeClr val="tx1"/>
-              </a:solidFill>
               <a:latin typeface="Courier New" panose="02070309020205020404" pitchFamily="49" charset="0"/>
               <a:cs typeface="Courier New" panose="02070309020205020404" pitchFamily="49" charset="0"/>
             </a:endParaRPr>
@@ -3617,16 +3726,16 @@
       </p:sp>
       <p:sp>
         <p:nvSpPr>
-          <p:cNvPr id="11" name="Блок-схема: данные 10"/>
+          <p:cNvPr id="19" name="Блок-схема: документ 18"/>
           <p:cNvSpPr/>
           <p:nvPr/>
         </p:nvSpPr>
         <p:spPr>
           <a:xfrm>
-            <a:off x="3689164" y="4869160"/>
-            <a:ext cx="1711922" cy="720080"/>
-          </a:xfrm>
-          <a:prstGeom prst="flowChartInputOutput">
+            <a:off x="1133105" y="4857534"/>
+            <a:ext cx="1032788" cy="1032788"/>
+          </a:xfrm>
+          <a:prstGeom prst="flowChartDocument">
             <a:avLst/>
           </a:prstGeom>
           <a:solidFill>
@@ -3659,53 +3768,25 @@
           <a:lstStyle/>
           <a:p>
             <a:pPr algn="ctr"/>
-            <a:r>
-              <a:rPr lang="ru-RU" b="1" dirty="0" smtClean="0">
-                <a:solidFill>
-                  <a:schemeClr val="tx1"/>
-                </a:solidFill>
-                <a:latin typeface="Courier New" panose="02070309020205020404" pitchFamily="49" charset="0"/>
-                <a:cs typeface="Courier New" panose="02070309020205020404" pitchFamily="49" charset="0"/>
-              </a:rPr>
-              <a:t>Вывод </a:t>
-            </a:r>
-            <a:r>
-              <a:rPr lang="en-US" b="1" dirty="0" smtClean="0">
-                <a:solidFill>
-                  <a:schemeClr val="tx1"/>
-                </a:solidFill>
-                <a:latin typeface="Courier New" panose="02070309020205020404" pitchFamily="49" charset="0"/>
-                <a:cs typeface="Courier New" panose="02070309020205020404" pitchFamily="49" charset="0"/>
-              </a:rPr>
-              <a:t>N</a:t>
-            </a:r>
-            <a:endParaRPr lang="ru-RU" b="1" dirty="0">
-              <a:solidFill>
-                <a:schemeClr val="tx1"/>
-              </a:solidFill>
-              <a:latin typeface="Courier New" panose="02070309020205020404" pitchFamily="49" charset="0"/>
-              <a:cs typeface="Courier New" panose="02070309020205020404" pitchFamily="49" charset="0"/>
-            </a:endParaRPr>
-          </a:p>
-        </p:txBody>
-      </p:sp>
-      <p:sp>
-        <p:nvSpPr>
-          <p:cNvPr id="12" name="TextBox 11"/>
+            <a:endParaRPr lang="ru-RU"/>
+          </a:p>
+        </p:txBody>
+      </p:sp>
+      <p:sp>
+        <p:nvSpPr>
+          <p:cNvPr id="20" name="TextBox 19"/>
           <p:cNvSpPr txBox="1"/>
           <p:nvPr/>
         </p:nvSpPr>
         <p:spPr>
           <a:xfrm>
-            <a:off x="6589338" y="2884294"/>
-            <a:ext cx="1701107" cy="369332"/>
+            <a:off x="1005732" y="4427820"/>
+            <a:ext cx="1287532" cy="369332"/>
           </a:xfrm>
           <a:prstGeom prst="rect">
             <a:avLst/>
           </a:prstGeom>
-          <a:solidFill>
-            <a:schemeClr val="bg1"/>
-          </a:solidFill>
+          <a:noFill/>
         </p:spPr>
         <p:txBody>
           <a:bodyPr wrap="none" rtlCol="0">
@@ -3714,18 +3795,11 @@
           <a:lstStyle/>
           <a:p>
             <a:r>
-              <a:rPr lang="en-US" b="1" dirty="0" err="1" smtClean="0">
+              <a:rPr lang="ru-RU" b="1" dirty="0" smtClean="0">
                 <a:latin typeface="Courier New" panose="02070309020205020404" pitchFamily="49" charset="0"/>
                 <a:cs typeface="Courier New" panose="02070309020205020404" pitchFamily="49" charset="0"/>
               </a:rPr>
-              <a:t>readln</a:t>
-            </a:r>
-            <a:r>
-              <a:rPr lang="en-US" b="1" dirty="0" smtClean="0">
-                <a:latin typeface="Courier New" panose="02070309020205020404" pitchFamily="49" charset="0"/>
-                <a:cs typeface="Courier New" panose="02070309020205020404" pitchFamily="49" charset="0"/>
-              </a:rPr>
-              <a:t> (N);</a:t>
+              <a:t>Документ</a:t>
             </a:r>
             <a:endParaRPr lang="ru-RU" b="1" dirty="0">
               <a:latin typeface="Courier New" panose="02070309020205020404" pitchFamily="49" charset="0"/>
@@ -3736,21 +3810,67 @@
       </p:sp>
       <p:sp>
         <p:nvSpPr>
-          <p:cNvPr id="13" name="TextBox 12"/>
-          <p:cNvSpPr txBox="1"/>
+          <p:cNvPr id="21" name="Блок-схема: ручной ввод 20"/>
+          <p:cNvSpPr/>
           <p:nvPr/>
         </p:nvSpPr>
         <p:spPr>
           <a:xfrm>
-            <a:off x="6520408" y="5044534"/>
-            <a:ext cx="1838965" cy="369332"/>
-          </a:xfrm>
-          <a:prstGeom prst="rect">
+            <a:off x="3851920" y="4900177"/>
+            <a:ext cx="1440160" cy="720080"/>
+          </a:xfrm>
+          <a:prstGeom prst="flowChartManualInput">
             <a:avLst/>
           </a:prstGeom>
           <a:solidFill>
             <a:schemeClr val="bg1"/>
           </a:solidFill>
+          <a:ln>
+            <a:solidFill>
+              <a:schemeClr val="tx1"/>
+            </a:solidFill>
+          </a:ln>
+        </p:spPr>
+        <p:style>
+          <a:lnRef idx="2">
+            <a:schemeClr val="accent1">
+              <a:shade val="50000"/>
+            </a:schemeClr>
+          </a:lnRef>
+          <a:fillRef idx="1">
+            <a:schemeClr val="accent1"/>
+          </a:fillRef>
+          <a:effectRef idx="0">
+            <a:schemeClr val="accent1"/>
+          </a:effectRef>
+          <a:fontRef idx="minor">
+            <a:schemeClr val="lt1"/>
+          </a:fontRef>
+        </p:style>
+        <p:txBody>
+          <a:bodyPr rtlCol="0" anchor="ctr"/>
+          <a:lstStyle/>
+          <a:p>
+            <a:pPr algn="ctr"/>
+            <a:endParaRPr lang="ru-RU"/>
+          </a:p>
+        </p:txBody>
+      </p:sp>
+      <p:sp>
+        <p:nvSpPr>
+          <p:cNvPr id="22" name="TextBox 21"/>
+          <p:cNvSpPr txBox="1"/>
+          <p:nvPr/>
+        </p:nvSpPr>
+        <p:spPr>
+          <a:xfrm>
+            <a:off x="3694003" y="4427820"/>
+            <a:ext cx="1701107" cy="369332"/>
+          </a:xfrm>
+          <a:prstGeom prst="rect">
+            <a:avLst/>
+          </a:prstGeom>
+          <a:noFill/>
         </p:spPr>
         <p:txBody>
           <a:bodyPr wrap="none" rtlCol="0">
@@ -3759,18 +3879,11 @@
           <a:lstStyle/>
           <a:p>
             <a:r>
-              <a:rPr lang="en-US" b="1" dirty="0" err="1" smtClean="0">
+              <a:rPr lang="ru-RU" b="1" dirty="0" smtClean="0">
                 <a:latin typeface="Courier New" panose="02070309020205020404" pitchFamily="49" charset="0"/>
                 <a:cs typeface="Courier New" panose="02070309020205020404" pitchFamily="49" charset="0"/>
               </a:rPr>
-              <a:t>writeln</a:t>
-            </a:r>
-            <a:r>
-              <a:rPr lang="en-US" b="1" dirty="0" smtClean="0">
-                <a:latin typeface="Courier New" panose="02070309020205020404" pitchFamily="49" charset="0"/>
-                <a:cs typeface="Courier New" panose="02070309020205020404" pitchFamily="49" charset="0"/>
-              </a:rPr>
-              <a:t> (N);</a:t>
+              <a:t>Ручной ввод</a:t>
             </a:r>
             <a:endParaRPr lang="ru-RU" b="1" dirty="0">
               <a:latin typeface="Courier New" panose="02070309020205020404" pitchFamily="49" charset="0"/>
@@ -3779,41 +3892,90 @@
           </a:p>
         </p:txBody>
       </p:sp>
-      <p:cxnSp>
-        <p:nvCxnSpPr>
-          <p:cNvPr id="14" name="Прямая соединительная линия 13"/>
-          <p:cNvCxnSpPr/>
+      <p:sp>
+        <p:nvSpPr>
+          <p:cNvPr id="23" name="Блок-схема: дисплей 22"/>
+          <p:cNvSpPr/>
           <p:nvPr/>
-        </p:nvCxnSpPr>
-        <p:spPr>
-          <a:xfrm>
-            <a:off x="251520" y="4149080"/>
-            <a:ext cx="8678189" cy="0"/>
-          </a:xfrm>
-          <a:prstGeom prst="line">
-            <a:avLst/>
-          </a:prstGeom>
-          <a:ln w="25400">
+        </p:nvSpPr>
+        <p:spPr>
+          <a:xfrm>
+            <a:off x="6804248" y="4900177"/>
+            <a:ext cx="1224136" cy="720080"/>
+          </a:xfrm>
+          <a:prstGeom prst="flowChartDisplay">
+            <a:avLst/>
+          </a:prstGeom>
+          <a:solidFill>
+            <a:schemeClr val="bg1"/>
+          </a:solidFill>
+          <a:ln>
             <a:solidFill>
-              <a:schemeClr val="bg1"/>
+              <a:schemeClr val="tx1"/>
             </a:solidFill>
           </a:ln>
         </p:spPr>
         <p:style>
-          <a:lnRef idx="1">
-            <a:schemeClr val="accent1"/>
+          <a:lnRef idx="2">
+            <a:schemeClr val="accent1">
+              <a:shade val="50000"/>
+            </a:schemeClr>
           </a:lnRef>
-          <a:fillRef idx="0">
+          <a:fillRef idx="1">
             <a:schemeClr val="accent1"/>
           </a:fillRef>
           <a:effectRef idx="0">
             <a:schemeClr val="accent1"/>
           </a:effectRef>
           <a:fontRef idx="minor">
-            <a:schemeClr val="tx1"/>
+            <a:schemeClr val="lt1"/>
           </a:fontRef>
         </p:style>
-      </p:cxnSp>
+        <p:txBody>
+          <a:bodyPr rtlCol="0" anchor="ctr"/>
+          <a:lstStyle/>
+          <a:p>
+            <a:pPr algn="ctr"/>
+            <a:endParaRPr lang="ru-RU"/>
+          </a:p>
+        </p:txBody>
+      </p:sp>
+      <p:sp>
+        <p:nvSpPr>
+          <p:cNvPr id="24" name="TextBox 23"/>
+          <p:cNvSpPr txBox="1"/>
+          <p:nvPr/>
+        </p:nvSpPr>
+        <p:spPr>
+          <a:xfrm>
+            <a:off x="6840970" y="4427820"/>
+            <a:ext cx="1149674" cy="369332"/>
+          </a:xfrm>
+          <a:prstGeom prst="rect">
+            <a:avLst/>
+          </a:prstGeom>
+          <a:noFill/>
+        </p:spPr>
+        <p:txBody>
+          <a:bodyPr wrap="none" rtlCol="0">
+            <a:spAutoFit/>
+          </a:bodyPr>
+          <a:lstStyle/>
+          <a:p>
+            <a:r>
+              <a:rPr lang="ru-RU" b="1" dirty="0" smtClean="0">
+                <a:latin typeface="Courier New" panose="02070309020205020404" pitchFamily="49" charset="0"/>
+                <a:cs typeface="Courier New" panose="02070309020205020404" pitchFamily="49" charset="0"/>
+              </a:rPr>
+              <a:t>Дисплей</a:t>
+            </a:r>
+            <a:endParaRPr lang="ru-RU" b="1" dirty="0">
+              <a:latin typeface="Courier New" panose="02070309020205020404" pitchFamily="49" charset="0"/>
+              <a:cs typeface="Courier New" panose="02070309020205020404" pitchFamily="49" charset="0"/>
+            </a:endParaRPr>
+          </a:p>
+        </p:txBody>
+      </p:sp>
     </p:spTree>
     <p:extLst>
       <p:ext uri="{BB962C8B-B14F-4D97-AF65-F5344CB8AC3E}">
@@ -3877,7 +4039,7 @@
                 </a:effectLst>
                 <a:latin typeface="Comic Sans MS" panose="030F0702030302020204" pitchFamily="66" charset="0"/>
               </a:rPr>
-              <a:t>Блок процесса</a:t>
+              <a:t>Блок данных</a:t>
             </a:r>
             <a:endParaRPr lang="ru-RU" b="1" dirty="0">
               <a:effectLst>
@@ -4005,54 +4167,16 @@
       </p:cxnSp>
       <p:sp>
         <p:nvSpPr>
-          <p:cNvPr id="12" name="TextBox 11"/>
-          <p:cNvSpPr txBox="1"/>
-          <p:nvPr/>
-        </p:nvSpPr>
-        <p:spPr>
-          <a:xfrm>
-            <a:off x="6876256" y="2884294"/>
-            <a:ext cx="1149674" cy="369332"/>
-          </a:xfrm>
-          <a:prstGeom prst="rect">
-            <a:avLst/>
-          </a:prstGeom>
-          <a:solidFill>
-            <a:schemeClr val="bg1"/>
-          </a:solidFill>
-        </p:spPr>
-        <p:txBody>
-          <a:bodyPr wrap="none" rtlCol="0">
-            <a:spAutoFit/>
-          </a:bodyPr>
-          <a:lstStyle/>
-          <a:p>
-            <a:r>
-              <a:rPr lang="en-US" b="1" dirty="0" smtClean="0">
-                <a:latin typeface="Courier New" panose="02070309020205020404" pitchFamily="49" charset="0"/>
-                <a:cs typeface="Courier New" panose="02070309020205020404" pitchFamily="49" charset="0"/>
-              </a:rPr>
-              <a:t>N := 5;</a:t>
-            </a:r>
-            <a:endParaRPr lang="ru-RU" b="1" dirty="0">
-              <a:latin typeface="Courier New" panose="02070309020205020404" pitchFamily="49" charset="0"/>
-              <a:cs typeface="Courier New" panose="02070309020205020404" pitchFamily="49" charset="0"/>
-            </a:endParaRPr>
-          </a:p>
-        </p:txBody>
-      </p:sp>
-      <p:sp>
-        <p:nvSpPr>
-          <p:cNvPr id="3" name="Блок-схема: процесс 2"/>
+          <p:cNvPr id="8" name="Блок-схема: данные 7"/>
           <p:cNvSpPr/>
           <p:nvPr/>
         </p:nvSpPr>
         <p:spPr>
           <a:xfrm>
-            <a:off x="845331" y="2708920"/>
+            <a:off x="827584" y="2708920"/>
             <a:ext cx="1693182" cy="720080"/>
           </a:xfrm>
-          <a:prstGeom prst="flowChartProcess">
+          <a:prstGeom prst="flowChartInputOutput">
             <a:avLst/>
           </a:prstGeom>
           <a:solidFill>
@@ -4093,7 +4217,7 @@
                 <a:latin typeface="Courier New" panose="02070309020205020404" pitchFamily="49" charset="0"/>
                 <a:cs typeface="Courier New" panose="02070309020205020404" pitchFamily="49" charset="0"/>
               </a:rPr>
-              <a:t>Процесс</a:t>
+              <a:t>Ввод данных</a:t>
             </a:r>
             <a:endParaRPr lang="ru-RU" b="1" dirty="0">
               <a:solidFill>
@@ -4107,16 +4231,16 @@
       </p:sp>
       <p:sp>
         <p:nvSpPr>
-          <p:cNvPr id="15" name="Блок-схема: процесс 14"/>
+          <p:cNvPr id="9" name="Блок-схема: данные 8"/>
           <p:cNvSpPr/>
           <p:nvPr/>
         </p:nvSpPr>
         <p:spPr>
           <a:xfrm>
-            <a:off x="3720722" y="2708920"/>
+            <a:off x="802908" y="4869160"/>
             <a:ext cx="1693182" cy="720080"/>
           </a:xfrm>
-          <a:prstGeom prst="flowChartProcess">
+          <a:prstGeom prst="flowChartInputOutput">
             <a:avLst/>
           </a:prstGeom>
           <a:solidFill>
@@ -4150,14 +4274,14 @@
           <a:p>
             <a:pPr algn="ctr"/>
             <a:r>
-              <a:rPr lang="en-US" b="1" dirty="0" smtClean="0">
+              <a:rPr lang="ru-RU" b="1" dirty="0" smtClean="0">
                 <a:solidFill>
                   <a:schemeClr val="tx1"/>
                 </a:solidFill>
                 <a:latin typeface="Courier New" panose="02070309020205020404" pitchFamily="49" charset="0"/>
                 <a:cs typeface="Courier New" panose="02070309020205020404" pitchFamily="49" charset="0"/>
               </a:rPr>
-              <a:t>N := 5</a:t>
+              <a:t>Вывод данных</a:t>
             </a:r>
             <a:endParaRPr lang="ru-RU" b="1" dirty="0">
               <a:solidFill>
@@ -4169,10 +4293,283 @@
           </a:p>
         </p:txBody>
       </p:sp>
+      <p:sp>
+        <p:nvSpPr>
+          <p:cNvPr id="10" name="Блок-схема: данные 9"/>
+          <p:cNvSpPr/>
+          <p:nvPr/>
+        </p:nvSpPr>
+        <p:spPr>
+          <a:xfrm>
+            <a:off x="3707904" y="2708920"/>
+            <a:ext cx="1693182" cy="720080"/>
+          </a:xfrm>
+          <a:prstGeom prst="flowChartInputOutput">
+            <a:avLst/>
+          </a:prstGeom>
+          <a:solidFill>
+            <a:schemeClr val="bg1"/>
+          </a:solidFill>
+          <a:ln>
+            <a:solidFill>
+              <a:schemeClr val="tx1"/>
+            </a:solidFill>
+          </a:ln>
+        </p:spPr>
+        <p:style>
+          <a:lnRef idx="2">
+            <a:schemeClr val="accent1">
+              <a:shade val="50000"/>
+            </a:schemeClr>
+          </a:lnRef>
+          <a:fillRef idx="1">
+            <a:schemeClr val="accent1"/>
+          </a:fillRef>
+          <a:effectRef idx="0">
+            <a:schemeClr val="accent1"/>
+          </a:effectRef>
+          <a:fontRef idx="minor">
+            <a:schemeClr val="lt1"/>
+          </a:fontRef>
+        </p:style>
+        <p:txBody>
+          <a:bodyPr rtlCol="0" anchor="ctr"/>
+          <a:lstStyle/>
+          <a:p>
+            <a:pPr algn="ctr"/>
+            <a:r>
+              <a:rPr lang="ru-RU" b="1" dirty="0" smtClean="0">
+                <a:solidFill>
+                  <a:schemeClr val="tx1"/>
+                </a:solidFill>
+                <a:latin typeface="Courier New" panose="02070309020205020404" pitchFamily="49" charset="0"/>
+                <a:cs typeface="Courier New" panose="02070309020205020404" pitchFamily="49" charset="0"/>
+              </a:rPr>
+              <a:t>Ввод </a:t>
+            </a:r>
+            <a:r>
+              <a:rPr lang="en-US" b="1" dirty="0" smtClean="0">
+                <a:solidFill>
+                  <a:schemeClr val="tx1"/>
+                </a:solidFill>
+                <a:latin typeface="Courier New" panose="02070309020205020404" pitchFamily="49" charset="0"/>
+                <a:cs typeface="Courier New" panose="02070309020205020404" pitchFamily="49" charset="0"/>
+              </a:rPr>
+              <a:t>N</a:t>
+            </a:r>
+            <a:endParaRPr lang="ru-RU" b="1" dirty="0">
+              <a:solidFill>
+                <a:schemeClr val="tx1"/>
+              </a:solidFill>
+              <a:latin typeface="Courier New" panose="02070309020205020404" pitchFamily="49" charset="0"/>
+              <a:cs typeface="Courier New" panose="02070309020205020404" pitchFamily="49" charset="0"/>
+            </a:endParaRPr>
+          </a:p>
+        </p:txBody>
+      </p:sp>
+      <p:sp>
+        <p:nvSpPr>
+          <p:cNvPr id="11" name="Блок-схема: данные 10"/>
+          <p:cNvSpPr/>
+          <p:nvPr/>
+        </p:nvSpPr>
+        <p:spPr>
+          <a:xfrm>
+            <a:off x="3689164" y="4869160"/>
+            <a:ext cx="1711922" cy="720080"/>
+          </a:xfrm>
+          <a:prstGeom prst="flowChartInputOutput">
+            <a:avLst/>
+          </a:prstGeom>
+          <a:solidFill>
+            <a:schemeClr val="bg1"/>
+          </a:solidFill>
+          <a:ln>
+            <a:solidFill>
+              <a:schemeClr val="tx1"/>
+            </a:solidFill>
+          </a:ln>
+        </p:spPr>
+        <p:style>
+          <a:lnRef idx="2">
+            <a:schemeClr val="accent1">
+              <a:shade val="50000"/>
+            </a:schemeClr>
+          </a:lnRef>
+          <a:fillRef idx="1">
+            <a:schemeClr val="accent1"/>
+          </a:fillRef>
+          <a:effectRef idx="0">
+            <a:schemeClr val="accent1"/>
+          </a:effectRef>
+          <a:fontRef idx="minor">
+            <a:schemeClr val="lt1"/>
+          </a:fontRef>
+        </p:style>
+        <p:txBody>
+          <a:bodyPr rtlCol="0" anchor="ctr"/>
+          <a:lstStyle/>
+          <a:p>
+            <a:pPr algn="ctr"/>
+            <a:r>
+              <a:rPr lang="ru-RU" b="1" dirty="0" smtClean="0">
+                <a:solidFill>
+                  <a:schemeClr val="tx1"/>
+                </a:solidFill>
+                <a:latin typeface="Courier New" panose="02070309020205020404" pitchFamily="49" charset="0"/>
+                <a:cs typeface="Courier New" panose="02070309020205020404" pitchFamily="49" charset="0"/>
+              </a:rPr>
+              <a:t>Вывод </a:t>
+            </a:r>
+            <a:r>
+              <a:rPr lang="en-US" b="1" dirty="0" smtClean="0">
+                <a:solidFill>
+                  <a:schemeClr val="tx1"/>
+                </a:solidFill>
+                <a:latin typeface="Courier New" panose="02070309020205020404" pitchFamily="49" charset="0"/>
+                <a:cs typeface="Courier New" panose="02070309020205020404" pitchFamily="49" charset="0"/>
+              </a:rPr>
+              <a:t>N</a:t>
+            </a:r>
+            <a:endParaRPr lang="ru-RU" b="1" dirty="0">
+              <a:solidFill>
+                <a:schemeClr val="tx1"/>
+              </a:solidFill>
+              <a:latin typeface="Courier New" panose="02070309020205020404" pitchFamily="49" charset="0"/>
+              <a:cs typeface="Courier New" panose="02070309020205020404" pitchFamily="49" charset="0"/>
+            </a:endParaRPr>
+          </a:p>
+        </p:txBody>
+      </p:sp>
+      <p:sp>
+        <p:nvSpPr>
+          <p:cNvPr id="12" name="TextBox 11"/>
+          <p:cNvSpPr txBox="1"/>
+          <p:nvPr/>
+        </p:nvSpPr>
+        <p:spPr>
+          <a:xfrm>
+            <a:off x="6589338" y="2884294"/>
+            <a:ext cx="1701107" cy="369332"/>
+          </a:xfrm>
+          <a:prstGeom prst="rect">
+            <a:avLst/>
+          </a:prstGeom>
+          <a:solidFill>
+            <a:schemeClr val="bg1"/>
+          </a:solidFill>
+        </p:spPr>
+        <p:txBody>
+          <a:bodyPr wrap="none" rtlCol="0">
+            <a:spAutoFit/>
+          </a:bodyPr>
+          <a:lstStyle/>
+          <a:p>
+            <a:r>
+              <a:rPr lang="en-US" b="1" dirty="0" err="1" smtClean="0">
+                <a:latin typeface="Courier New" panose="02070309020205020404" pitchFamily="49" charset="0"/>
+                <a:cs typeface="Courier New" panose="02070309020205020404" pitchFamily="49" charset="0"/>
+              </a:rPr>
+              <a:t>readln</a:t>
+            </a:r>
+            <a:r>
+              <a:rPr lang="en-US" b="1" dirty="0" smtClean="0">
+                <a:latin typeface="Courier New" panose="02070309020205020404" pitchFamily="49" charset="0"/>
+                <a:cs typeface="Courier New" panose="02070309020205020404" pitchFamily="49" charset="0"/>
+              </a:rPr>
+              <a:t> (N);</a:t>
+            </a:r>
+            <a:endParaRPr lang="ru-RU" b="1" dirty="0">
+              <a:latin typeface="Courier New" panose="02070309020205020404" pitchFamily="49" charset="0"/>
+              <a:cs typeface="Courier New" panose="02070309020205020404" pitchFamily="49" charset="0"/>
+            </a:endParaRPr>
+          </a:p>
+        </p:txBody>
+      </p:sp>
+      <p:sp>
+        <p:nvSpPr>
+          <p:cNvPr id="13" name="TextBox 12"/>
+          <p:cNvSpPr txBox="1"/>
+          <p:nvPr/>
+        </p:nvSpPr>
+        <p:spPr>
+          <a:xfrm>
+            <a:off x="6520408" y="5044534"/>
+            <a:ext cx="1838965" cy="369332"/>
+          </a:xfrm>
+          <a:prstGeom prst="rect">
+            <a:avLst/>
+          </a:prstGeom>
+          <a:solidFill>
+            <a:schemeClr val="bg1"/>
+          </a:solidFill>
+        </p:spPr>
+        <p:txBody>
+          <a:bodyPr wrap="none" rtlCol="0">
+            <a:spAutoFit/>
+          </a:bodyPr>
+          <a:lstStyle/>
+          <a:p>
+            <a:r>
+              <a:rPr lang="en-US" b="1" dirty="0" err="1" smtClean="0">
+                <a:latin typeface="Courier New" panose="02070309020205020404" pitchFamily="49" charset="0"/>
+                <a:cs typeface="Courier New" panose="02070309020205020404" pitchFamily="49" charset="0"/>
+              </a:rPr>
+              <a:t>writeln</a:t>
+            </a:r>
+            <a:r>
+              <a:rPr lang="en-US" b="1" dirty="0" smtClean="0">
+                <a:latin typeface="Courier New" panose="02070309020205020404" pitchFamily="49" charset="0"/>
+                <a:cs typeface="Courier New" panose="02070309020205020404" pitchFamily="49" charset="0"/>
+              </a:rPr>
+              <a:t> (N);</a:t>
+            </a:r>
+            <a:endParaRPr lang="ru-RU" b="1" dirty="0">
+              <a:latin typeface="Courier New" panose="02070309020205020404" pitchFamily="49" charset="0"/>
+              <a:cs typeface="Courier New" panose="02070309020205020404" pitchFamily="49" charset="0"/>
+            </a:endParaRPr>
+          </a:p>
+        </p:txBody>
+      </p:sp>
+      <p:cxnSp>
+        <p:nvCxnSpPr>
+          <p:cNvPr id="14" name="Прямая соединительная линия 13"/>
+          <p:cNvCxnSpPr/>
+          <p:nvPr/>
+        </p:nvCxnSpPr>
+        <p:spPr>
+          <a:xfrm>
+            <a:off x="251520" y="4149080"/>
+            <a:ext cx="8678189" cy="0"/>
+          </a:xfrm>
+          <a:prstGeom prst="line">
+            <a:avLst/>
+          </a:prstGeom>
+          <a:ln w="25400">
+            <a:solidFill>
+              <a:schemeClr val="bg1"/>
+            </a:solidFill>
+          </a:ln>
+        </p:spPr>
+        <p:style>
+          <a:lnRef idx="1">
+            <a:schemeClr val="accent1"/>
+          </a:lnRef>
+          <a:fillRef idx="0">
+            <a:schemeClr val="accent1"/>
+          </a:fillRef>
+          <a:effectRef idx="0">
+            <a:schemeClr val="accent1"/>
+          </a:effectRef>
+          <a:fontRef idx="minor">
+            <a:schemeClr val="tx1"/>
+          </a:fontRef>
+        </p:style>
+      </p:cxnSp>
     </p:spTree>
     <p:extLst>
       <p:ext uri="{BB962C8B-B14F-4D97-AF65-F5344CB8AC3E}">
-        <p14:creationId xmlns:p14="http://schemas.microsoft.com/office/powerpoint/2010/main" val="2848621042"/>
+        <p14:creationId xmlns:p14="http://schemas.microsoft.com/office/powerpoint/2010/main" val="363915079"/>
       </p:ext>
     </p:extLst>
   </p:cSld>
@@ -4218,9 +4615,7 @@
         </p:nvSpPr>
         <p:spPr/>
         <p:txBody>
-          <a:bodyPr>
-            <a:normAutofit fontScale="90000"/>
-          </a:bodyPr>
+          <a:bodyPr/>
           <a:lstStyle/>
           <a:p>
             <a:r>
@@ -4234,7 +4629,7 @@
                 </a:effectLst>
                 <a:latin typeface="Comic Sans MS" panose="030F0702030302020204" pitchFamily="66" charset="0"/>
               </a:rPr>
-              <a:t>Блок предопределенного процесса</a:t>
+              <a:t>Блок процесса</a:t>
             </a:r>
             <a:endParaRPr lang="ru-RU" b="1" dirty="0">
               <a:effectLst>
@@ -4368,8 +4763,8 @@
         </p:nvSpPr>
         <p:spPr>
           <a:xfrm>
-            <a:off x="6531022" y="2884294"/>
-            <a:ext cx="1838965" cy="369332"/>
+            <a:off x="6876256" y="3981649"/>
+            <a:ext cx="1149674" cy="369332"/>
           </a:xfrm>
           <a:prstGeom prst="rect">
             <a:avLst/>
@@ -4389,7 +4784,7 @@
                 <a:latin typeface="Courier New" panose="02070309020205020404" pitchFamily="49" charset="0"/>
                 <a:cs typeface="Courier New" panose="02070309020205020404" pitchFamily="49" charset="0"/>
               </a:rPr>
-              <a:t>N := foo(5);</a:t>
+              <a:t>N := 5;</a:t>
             </a:r>
             <a:endParaRPr lang="ru-RU" b="1" dirty="0">
               <a:latin typeface="Courier New" panose="02070309020205020404" pitchFamily="49" charset="0"/>
@@ -4400,16 +4795,16 @@
       </p:sp>
       <p:sp>
         <p:nvSpPr>
-          <p:cNvPr id="5" name="Блок-схема: типовой процесс 4"/>
+          <p:cNvPr id="3" name="Блок-схема: процесс 2"/>
           <p:cNvSpPr/>
           <p:nvPr/>
         </p:nvSpPr>
         <p:spPr>
           <a:xfrm>
-            <a:off x="827584" y="2708920"/>
-            <a:ext cx="1728192" cy="720080"/>
-          </a:xfrm>
-          <a:prstGeom prst="flowChartPredefinedProcess">
+            <a:off x="827584" y="3789040"/>
+            <a:ext cx="1693182" cy="720080"/>
+          </a:xfrm>
+          <a:prstGeom prst="flowChartProcess">
             <a:avLst/>
           </a:prstGeom>
           <a:solidFill>
@@ -4450,7 +4845,7 @@
                 <a:latin typeface="Courier New" panose="02070309020205020404" pitchFamily="49" charset="0"/>
                 <a:cs typeface="Courier New" panose="02070309020205020404" pitchFamily="49" charset="0"/>
               </a:rPr>
-              <a:t>Вызов функции</a:t>
+              <a:t>Процесс</a:t>
             </a:r>
             <a:endParaRPr lang="ru-RU" b="1" dirty="0">
               <a:solidFill>
@@ -4464,16 +4859,16 @@
       </p:sp>
       <p:sp>
         <p:nvSpPr>
-          <p:cNvPr id="10" name="Блок-схема: типовой процесс 9"/>
+          <p:cNvPr id="15" name="Блок-схема: процесс 14"/>
           <p:cNvSpPr/>
           <p:nvPr/>
         </p:nvSpPr>
         <p:spPr>
           <a:xfrm>
-            <a:off x="3347864" y="2708920"/>
-            <a:ext cx="2448272" cy="720080"/>
-          </a:xfrm>
-          <a:prstGeom prst="flowChartPredefinedProcess">
+            <a:off x="3720722" y="3806275"/>
+            <a:ext cx="1693182" cy="720080"/>
+          </a:xfrm>
+          <a:prstGeom prst="flowChartProcess">
             <a:avLst/>
           </a:prstGeom>
           <a:solidFill>
@@ -4514,7 +4909,7 @@
                 <a:latin typeface="Courier New" panose="02070309020205020404" pitchFamily="49" charset="0"/>
                 <a:cs typeface="Courier New" panose="02070309020205020404" pitchFamily="49" charset="0"/>
               </a:rPr>
-              <a:t>N := foo(5)</a:t>
+              <a:t>N := 5</a:t>
             </a:r>
             <a:endParaRPr lang="ru-RU" b="1" dirty="0">
               <a:solidFill>
@@ -4529,7 +4924,7 @@
     </p:spTree>
     <p:extLst>
       <p:ext uri="{BB962C8B-B14F-4D97-AF65-F5344CB8AC3E}">
-        <p14:creationId xmlns:p14="http://schemas.microsoft.com/office/powerpoint/2010/main" val="53719959"/>
+        <p14:creationId xmlns:p14="http://schemas.microsoft.com/office/powerpoint/2010/main" val="2848621042"/>
       </p:ext>
     </p:extLst>
   </p:cSld>
@@ -4591,32 +4986,7 @@
                 </a:effectLst>
                 <a:latin typeface="Comic Sans MS" panose="030F0702030302020204" pitchFamily="66" charset="0"/>
               </a:rPr>
-              <a:t>Блок подготовки</a:t>
-            </a:r>
-            <a:br>
-              <a:rPr lang="ru-RU" b="1" dirty="0" smtClean="0">
-                <a:effectLst>
-                  <a:outerShdw blurRad="38100" dist="38100" dir="2700000" algn="tl">
-                    <a:srgbClr val="000000">
-                      <a:alpha val="43137"/>
-                    </a:srgbClr>
-                  </a:outerShdw>
-                </a:effectLst>
-                <a:latin typeface="Comic Sans MS" panose="030F0702030302020204" pitchFamily="66" charset="0"/>
-              </a:rPr>
-            </a:br>
-            <a:r>
-              <a:rPr lang="ru-RU" b="1" dirty="0" smtClean="0">
-                <a:effectLst>
-                  <a:outerShdw blurRad="38100" dist="38100" dir="2700000" algn="tl">
-                    <a:srgbClr val="000000">
-                      <a:alpha val="43137"/>
-                    </a:srgbClr>
-                  </a:outerShdw>
-                </a:effectLst>
-                <a:latin typeface="Comic Sans MS" panose="030F0702030302020204" pitchFamily="66" charset="0"/>
-              </a:rPr>
-              <a:t>(цикла со счетчиком)</a:t>
+              <a:t>Блок предопределенного процесса</a:t>
             </a:r>
             <a:endParaRPr lang="ru-RU" b="1" dirty="0">
               <a:effectLst>
@@ -4750,8 +5120,8 @@
         </p:nvSpPr>
         <p:spPr>
           <a:xfrm>
-            <a:off x="6176532" y="2879815"/>
-            <a:ext cx="2941831" cy="369332"/>
+            <a:off x="6531021" y="3964414"/>
+            <a:ext cx="1838965" cy="369332"/>
           </a:xfrm>
           <a:prstGeom prst="rect">
             <a:avLst/>
@@ -4771,7 +5141,7 @@
                 <a:latin typeface="Courier New" panose="02070309020205020404" pitchFamily="49" charset="0"/>
                 <a:cs typeface="Courier New" panose="02070309020205020404" pitchFamily="49" charset="0"/>
               </a:rPr>
-              <a:t>for i := 1 to 100 do</a:t>
+              <a:t>N := foo(5);</a:t>
             </a:r>
             <a:endParaRPr lang="ru-RU" b="1" dirty="0">
               <a:latin typeface="Courier New" panose="02070309020205020404" pitchFamily="49" charset="0"/>
@@ -4780,10 +5150,138 @@
           </a:p>
         </p:txBody>
       </p:sp>
+      <p:sp>
+        <p:nvSpPr>
+          <p:cNvPr id="5" name="Блок-схема: типовой процесс 4"/>
+          <p:cNvSpPr/>
+          <p:nvPr/>
+        </p:nvSpPr>
+        <p:spPr>
+          <a:xfrm>
+            <a:off x="849707" y="3789040"/>
+            <a:ext cx="1728192" cy="720080"/>
+          </a:xfrm>
+          <a:prstGeom prst="flowChartPredefinedProcess">
+            <a:avLst/>
+          </a:prstGeom>
+          <a:solidFill>
+            <a:schemeClr val="bg1"/>
+          </a:solidFill>
+          <a:ln>
+            <a:solidFill>
+              <a:schemeClr val="tx1"/>
+            </a:solidFill>
+          </a:ln>
+        </p:spPr>
+        <p:style>
+          <a:lnRef idx="2">
+            <a:schemeClr val="accent1">
+              <a:shade val="50000"/>
+            </a:schemeClr>
+          </a:lnRef>
+          <a:fillRef idx="1">
+            <a:schemeClr val="accent1"/>
+          </a:fillRef>
+          <a:effectRef idx="0">
+            <a:schemeClr val="accent1"/>
+          </a:effectRef>
+          <a:fontRef idx="minor">
+            <a:schemeClr val="lt1"/>
+          </a:fontRef>
+        </p:style>
+        <p:txBody>
+          <a:bodyPr rtlCol="0" anchor="ctr"/>
+          <a:lstStyle/>
+          <a:p>
+            <a:pPr algn="ctr"/>
+            <a:r>
+              <a:rPr lang="ru-RU" b="1" dirty="0" smtClean="0">
+                <a:solidFill>
+                  <a:schemeClr val="tx1"/>
+                </a:solidFill>
+                <a:latin typeface="Courier New" panose="02070309020205020404" pitchFamily="49" charset="0"/>
+                <a:cs typeface="Courier New" panose="02070309020205020404" pitchFamily="49" charset="0"/>
+              </a:rPr>
+              <a:t>Вызов функции</a:t>
+            </a:r>
+            <a:endParaRPr lang="ru-RU" b="1" dirty="0">
+              <a:solidFill>
+                <a:schemeClr val="tx1"/>
+              </a:solidFill>
+              <a:latin typeface="Courier New" panose="02070309020205020404" pitchFamily="49" charset="0"/>
+              <a:cs typeface="Courier New" panose="02070309020205020404" pitchFamily="49" charset="0"/>
+            </a:endParaRPr>
+          </a:p>
+        </p:txBody>
+      </p:sp>
+      <p:sp>
+        <p:nvSpPr>
+          <p:cNvPr id="10" name="Блок-схема: типовой процесс 9"/>
+          <p:cNvSpPr/>
+          <p:nvPr/>
+        </p:nvSpPr>
+        <p:spPr>
+          <a:xfrm>
+            <a:off x="3347864" y="3789040"/>
+            <a:ext cx="2448272" cy="720080"/>
+          </a:xfrm>
+          <a:prstGeom prst="flowChartPredefinedProcess">
+            <a:avLst/>
+          </a:prstGeom>
+          <a:solidFill>
+            <a:schemeClr val="bg1"/>
+          </a:solidFill>
+          <a:ln>
+            <a:solidFill>
+              <a:schemeClr val="tx1"/>
+            </a:solidFill>
+          </a:ln>
+        </p:spPr>
+        <p:style>
+          <a:lnRef idx="2">
+            <a:schemeClr val="accent1">
+              <a:shade val="50000"/>
+            </a:schemeClr>
+          </a:lnRef>
+          <a:fillRef idx="1">
+            <a:schemeClr val="accent1"/>
+          </a:fillRef>
+          <a:effectRef idx="0">
+            <a:schemeClr val="accent1"/>
+          </a:effectRef>
+          <a:fontRef idx="minor">
+            <a:schemeClr val="lt1"/>
+          </a:fontRef>
+        </p:style>
+        <p:txBody>
+          <a:bodyPr rtlCol="0" anchor="ctr"/>
+          <a:lstStyle/>
+          <a:p>
+            <a:pPr algn="ctr"/>
+            <a:r>
+              <a:rPr lang="en-US" b="1" dirty="0" smtClean="0">
+                <a:solidFill>
+                  <a:schemeClr val="tx1"/>
+                </a:solidFill>
+                <a:latin typeface="Courier New" panose="02070309020205020404" pitchFamily="49" charset="0"/>
+                <a:cs typeface="Courier New" panose="02070309020205020404" pitchFamily="49" charset="0"/>
+              </a:rPr>
+              <a:t>N := foo(5)</a:t>
+            </a:r>
+            <a:endParaRPr lang="ru-RU" b="1" dirty="0">
+              <a:solidFill>
+                <a:schemeClr val="tx1"/>
+              </a:solidFill>
+              <a:latin typeface="Courier New" panose="02070309020205020404" pitchFamily="49" charset="0"/>
+              <a:cs typeface="Courier New" panose="02070309020205020404" pitchFamily="49" charset="0"/>
+            </a:endParaRPr>
+          </a:p>
+        </p:txBody>
+      </p:sp>
     </p:spTree>
     <p:extLst>
       <p:ext uri="{BB962C8B-B14F-4D97-AF65-F5344CB8AC3E}">
-        <p14:creationId xmlns:p14="http://schemas.microsoft.com/office/powerpoint/2010/main" val="188135925"/>
+        <p14:creationId xmlns:p14="http://schemas.microsoft.com/office/powerpoint/2010/main" val="53719959"/>
       </p:ext>
     </p:extLst>
   </p:cSld>
@@ -5000,7 +5498,14 @@
                 <a:latin typeface="Courier New" panose="02070309020205020404" pitchFamily="49" charset="0"/>
                 <a:cs typeface="Courier New" panose="02070309020205020404" pitchFamily="49" charset="0"/>
               </a:rPr>
-              <a:t>if (a &gt; b)</a:t>
+              <a:t>if </a:t>
+            </a:r>
+            <a:r>
+              <a:rPr lang="en-US" dirty="0" smtClean="0">
+                <a:latin typeface="Courier New" panose="02070309020205020404" pitchFamily="49" charset="0"/>
+                <a:cs typeface="Courier New" panose="02070309020205020404" pitchFamily="49" charset="0"/>
+              </a:rPr>
+              <a:t>(a &gt; b)</a:t>
             </a:r>
           </a:p>
           <a:p>
@@ -5830,7 +6335,21 @@
                 <a:latin typeface="Courier New" panose="02070309020205020404" pitchFamily="49" charset="0"/>
                 <a:cs typeface="Courier New" panose="02070309020205020404" pitchFamily="49" charset="0"/>
               </a:rPr>
-              <a:t>case N of</a:t>
+              <a:t>case </a:t>
+            </a:r>
+            <a:r>
+              <a:rPr lang="en-US" dirty="0" smtClean="0">
+                <a:latin typeface="Courier New" panose="02070309020205020404" pitchFamily="49" charset="0"/>
+                <a:cs typeface="Courier New" panose="02070309020205020404" pitchFamily="49" charset="0"/>
+              </a:rPr>
+              <a:t>N</a:t>
+            </a:r>
+            <a:r>
+              <a:rPr lang="en-US" b="1" dirty="0" smtClean="0">
+                <a:latin typeface="Courier New" panose="02070309020205020404" pitchFamily="49" charset="0"/>
+                <a:cs typeface="Courier New" panose="02070309020205020404" pitchFamily="49" charset="0"/>
+              </a:rPr>
+              <a:t> of</a:t>
             </a:r>
           </a:p>
           <a:p>
@@ -5846,35 +6365,42 @@
                 <a:latin typeface="Courier New" panose="02070309020205020404" pitchFamily="49" charset="0"/>
                 <a:cs typeface="Courier New" panose="02070309020205020404" pitchFamily="49" charset="0"/>
               </a:rPr>
-              <a:t> 1: … ;</a:t>
-            </a:r>
-          </a:p>
-          <a:p>
-            <a:r>
-              <a:rPr lang="en-US" b="1" dirty="0">
+              <a:t> </a:t>
+            </a:r>
+            <a:r>
+              <a:rPr lang="en-US" dirty="0" smtClean="0">
                 <a:latin typeface="Courier New" panose="02070309020205020404" pitchFamily="49" charset="0"/>
                 <a:cs typeface="Courier New" panose="02070309020205020404" pitchFamily="49" charset="0"/>
               </a:rPr>
-              <a:t> </a:t>
-            </a:r>
-            <a:r>
-              <a:rPr lang="en-US" b="1" dirty="0" smtClean="0">
+              <a:t>1: … ;</a:t>
+            </a:r>
+          </a:p>
+          <a:p>
+            <a:r>
+              <a:rPr lang="en-US" dirty="0">
                 <a:latin typeface="Courier New" panose="02070309020205020404" pitchFamily="49" charset="0"/>
                 <a:cs typeface="Courier New" panose="02070309020205020404" pitchFamily="49" charset="0"/>
               </a:rPr>
-              <a:t> 2: … ;</a:t>
-            </a:r>
-          </a:p>
-          <a:p>
-            <a:r>
-              <a:rPr lang="en-US" b="1" dirty="0">
+              <a:t> </a:t>
+            </a:r>
+            <a:r>
+              <a:rPr lang="en-US" dirty="0" smtClean="0">
                 <a:latin typeface="Courier New" panose="02070309020205020404" pitchFamily="49" charset="0"/>
                 <a:cs typeface="Courier New" panose="02070309020205020404" pitchFamily="49" charset="0"/>
               </a:rPr>
+              <a:t> 2: … ;</a:t>
+            </a:r>
+          </a:p>
+          <a:p>
+            <a:r>
+              <a:rPr lang="en-US" dirty="0">
+                <a:latin typeface="Courier New" panose="02070309020205020404" pitchFamily="49" charset="0"/>
+                <a:cs typeface="Courier New" panose="02070309020205020404" pitchFamily="49" charset="0"/>
+              </a:rPr>
               <a:t> </a:t>
             </a:r>
             <a:r>
-              <a:rPr lang="en-US" b="1" dirty="0" smtClean="0">
+              <a:rPr lang="en-US" dirty="0" smtClean="0">
                 <a:latin typeface="Courier New" panose="02070309020205020404" pitchFamily="49" charset="0"/>
                 <a:cs typeface="Courier New" panose="02070309020205020404" pitchFamily="49" charset="0"/>
               </a:rPr>
@@ -5900,6 +6426,1015 @@
     <p:extLst>
       <p:ext uri="{BB962C8B-B14F-4D97-AF65-F5344CB8AC3E}">
         <p14:creationId xmlns:p14="http://schemas.microsoft.com/office/powerpoint/2010/main" val="150389840"/>
+      </p:ext>
+    </p:extLst>
+  </p:cSld>
+  <p:clrMapOvr>
+    <a:masterClrMapping/>
+  </p:clrMapOvr>
+  <p:timing>
+    <p:tnLst>
+      <p:par>
+        <p:cTn id="1" dur="indefinite" restart="never" nodeType="tmRoot"/>
+      </p:par>
+    </p:tnLst>
+  </p:timing>
+</p:sld>
+</file>
+
+<file path=ppt/slides/slide7.xml><?xml version="1.0" encoding="utf-8"?>
+<p:sld xmlns:a="http://schemas.openxmlformats.org/drawingml/2006/main" xmlns:r="http://schemas.openxmlformats.org/officeDocument/2006/relationships" xmlns:p="http://schemas.openxmlformats.org/presentationml/2006/main">
+  <p:cSld>
+    <p:spTree>
+      <p:nvGrpSpPr>
+        <p:cNvPr id="1" name=""/>
+        <p:cNvGrpSpPr/>
+        <p:nvPr/>
+      </p:nvGrpSpPr>
+      <p:grpSpPr>
+        <a:xfrm>
+          <a:off x="0" y="0"/>
+          <a:ext cx="0" cy="0"/>
+          <a:chOff x="0" y="0"/>
+          <a:chExt cx="0" cy="0"/>
+        </a:xfrm>
+      </p:grpSpPr>
+      <p:sp>
+        <p:nvSpPr>
+          <p:cNvPr id="2" name="Заголовок 1"/>
+          <p:cNvSpPr>
+            <a:spLocks noGrp="1"/>
+          </p:cNvSpPr>
+          <p:nvPr>
+            <p:ph type="title"/>
+          </p:nvPr>
+        </p:nvSpPr>
+        <p:spPr/>
+        <p:txBody>
+          <a:bodyPr>
+            <a:normAutofit fontScale="90000"/>
+          </a:bodyPr>
+          <a:lstStyle/>
+          <a:p>
+            <a:r>
+              <a:rPr lang="ru-RU" b="1" dirty="0" smtClean="0">
+                <a:effectLst>
+                  <a:outerShdw blurRad="38100" dist="38100" dir="2700000" algn="tl">
+                    <a:srgbClr val="000000">
+                      <a:alpha val="43137"/>
+                    </a:srgbClr>
+                  </a:outerShdw>
+                </a:effectLst>
+                <a:latin typeface="Comic Sans MS" panose="030F0702030302020204" pitchFamily="66" charset="0"/>
+              </a:rPr>
+              <a:t>Блок подготовки</a:t>
+            </a:r>
+            <a:br>
+              <a:rPr lang="ru-RU" b="1" dirty="0" smtClean="0">
+                <a:effectLst>
+                  <a:outerShdw blurRad="38100" dist="38100" dir="2700000" algn="tl">
+                    <a:srgbClr val="000000">
+                      <a:alpha val="43137"/>
+                    </a:srgbClr>
+                  </a:outerShdw>
+                </a:effectLst>
+                <a:latin typeface="Comic Sans MS" panose="030F0702030302020204" pitchFamily="66" charset="0"/>
+              </a:rPr>
+            </a:br>
+            <a:r>
+              <a:rPr lang="ru-RU" b="1" dirty="0" smtClean="0">
+                <a:effectLst>
+                  <a:outerShdw blurRad="38100" dist="38100" dir="2700000" algn="tl">
+                    <a:srgbClr val="000000">
+                      <a:alpha val="43137"/>
+                    </a:srgbClr>
+                  </a:outerShdw>
+                </a:effectLst>
+                <a:latin typeface="Comic Sans MS" panose="030F0702030302020204" pitchFamily="66" charset="0"/>
+              </a:rPr>
+              <a:t>(цикла со счетчиком)</a:t>
+            </a:r>
+            <a:endParaRPr lang="ru-RU" b="1" dirty="0">
+              <a:effectLst>
+                <a:outerShdw blurRad="38100" dist="38100" dir="2700000" algn="tl">
+                  <a:srgbClr val="000000">
+                    <a:alpha val="43137"/>
+                  </a:srgbClr>
+                </a:outerShdw>
+              </a:effectLst>
+              <a:latin typeface="Comic Sans MS" panose="030F0702030302020204" pitchFamily="66" charset="0"/>
+            </a:endParaRPr>
+          </a:p>
+        </p:txBody>
+      </p:sp>
+      <p:pic>
+        <p:nvPicPr>
+          <p:cNvPr id="4" name="Picture 4" descr="E:\Programming\блог\img\ML.png"/>
+          <p:cNvPicPr>
+            <a:picLocks noChangeAspect="1" noChangeArrowheads="1"/>
+          </p:cNvPicPr>
+          <p:nvPr/>
+        </p:nvPicPr>
+        <p:blipFill>
+          <a:blip r:embed="rId2" cstate="print">
+            <a:extLst>
+              <a:ext uri="{28A0092B-C50C-407E-A947-70E740481C1C}">
+                <a14:useLocalDpi xmlns:a14="http://schemas.microsoft.com/office/drawing/2010/main" val="0"/>
+              </a:ext>
+            </a:extLst>
+          </a:blip>
+          <a:srcRect/>
+          <a:stretch>
+            <a:fillRect/>
+          </a:stretch>
+        </p:blipFill>
+        <p:spPr bwMode="auto">
+          <a:xfrm>
+            <a:off x="8136804" y="188640"/>
+            <a:ext cx="792905" cy="645453"/>
+          </a:xfrm>
+          <a:prstGeom prst="rect">
+            <a:avLst/>
+          </a:prstGeom>
+          <a:noFill/>
+          <a:extLst>
+            <a:ext uri="{909E8E84-426E-40DD-AFC4-6F175D3DCCD1}">
+              <a14:hiddenFill xmlns:a14="http://schemas.microsoft.com/office/drawing/2010/main">
+                <a:solidFill>
+                  <a:srgbClr val="FFFFFF"/>
+                </a:solidFill>
+              </a14:hiddenFill>
+            </a:ext>
+          </a:extLst>
+        </p:spPr>
+      </p:pic>
+      <p:cxnSp>
+        <p:nvCxnSpPr>
+          <p:cNvPr id="6" name="Прямая соединительная линия 5"/>
+          <p:cNvCxnSpPr/>
+          <p:nvPr/>
+        </p:nvCxnSpPr>
+        <p:spPr>
+          <a:xfrm>
+            <a:off x="3131840" y="1988840"/>
+            <a:ext cx="0" cy="4320480"/>
+          </a:xfrm>
+          <a:prstGeom prst="line">
+            <a:avLst/>
+          </a:prstGeom>
+          <a:ln w="25400">
+            <a:solidFill>
+              <a:schemeClr val="bg1"/>
+            </a:solidFill>
+          </a:ln>
+        </p:spPr>
+        <p:style>
+          <a:lnRef idx="1">
+            <a:schemeClr val="accent1"/>
+          </a:lnRef>
+          <a:fillRef idx="0">
+            <a:schemeClr val="accent1"/>
+          </a:fillRef>
+          <a:effectRef idx="0">
+            <a:schemeClr val="accent1"/>
+          </a:effectRef>
+          <a:fontRef idx="minor">
+            <a:schemeClr val="tx1"/>
+          </a:fontRef>
+        </p:style>
+      </p:cxnSp>
+      <p:cxnSp>
+        <p:nvCxnSpPr>
+          <p:cNvPr id="7" name="Прямая соединительная линия 6"/>
+          <p:cNvCxnSpPr/>
+          <p:nvPr/>
+        </p:nvCxnSpPr>
+        <p:spPr>
+          <a:xfrm>
+            <a:off x="6012160" y="1988840"/>
+            <a:ext cx="0" cy="4320480"/>
+          </a:xfrm>
+          <a:prstGeom prst="line">
+            <a:avLst/>
+          </a:prstGeom>
+          <a:ln w="25400">
+            <a:solidFill>
+              <a:schemeClr val="bg1"/>
+            </a:solidFill>
+          </a:ln>
+        </p:spPr>
+        <p:style>
+          <a:lnRef idx="1">
+            <a:schemeClr val="accent1"/>
+          </a:lnRef>
+          <a:fillRef idx="0">
+            <a:schemeClr val="accent1"/>
+          </a:fillRef>
+          <a:effectRef idx="0">
+            <a:schemeClr val="accent1"/>
+          </a:effectRef>
+          <a:fontRef idx="minor">
+            <a:schemeClr val="tx1"/>
+          </a:fontRef>
+        </p:style>
+      </p:cxnSp>
+      <p:sp>
+        <p:nvSpPr>
+          <p:cNvPr id="12" name="TextBox 11"/>
+          <p:cNvSpPr txBox="1"/>
+          <p:nvPr/>
+        </p:nvSpPr>
+        <p:spPr>
+          <a:xfrm>
+            <a:off x="6176532" y="2879815"/>
+            <a:ext cx="2941831" cy="369332"/>
+          </a:xfrm>
+          <a:prstGeom prst="rect">
+            <a:avLst/>
+          </a:prstGeom>
+          <a:solidFill>
+            <a:schemeClr val="bg1"/>
+          </a:solidFill>
+        </p:spPr>
+        <p:txBody>
+          <a:bodyPr wrap="none" rtlCol="0">
+            <a:spAutoFit/>
+          </a:bodyPr>
+          <a:lstStyle/>
+          <a:p>
+            <a:r>
+              <a:rPr lang="en-US" b="1" dirty="0" smtClean="0">
+                <a:latin typeface="Courier New" panose="02070309020205020404" pitchFamily="49" charset="0"/>
+                <a:cs typeface="Courier New" panose="02070309020205020404" pitchFamily="49" charset="0"/>
+              </a:rPr>
+              <a:t>for </a:t>
+            </a:r>
+            <a:r>
+              <a:rPr lang="en-US" dirty="0" smtClean="0">
+                <a:latin typeface="Courier New" panose="02070309020205020404" pitchFamily="49" charset="0"/>
+                <a:cs typeface="Courier New" panose="02070309020205020404" pitchFamily="49" charset="0"/>
+              </a:rPr>
+              <a:t>i := 1 </a:t>
+            </a:r>
+            <a:r>
+              <a:rPr lang="en-US" b="1" dirty="0" smtClean="0">
+                <a:latin typeface="Courier New" panose="02070309020205020404" pitchFamily="49" charset="0"/>
+                <a:cs typeface="Courier New" panose="02070309020205020404" pitchFamily="49" charset="0"/>
+              </a:rPr>
+              <a:t>to </a:t>
+            </a:r>
+            <a:r>
+              <a:rPr lang="en-US" dirty="0" smtClean="0">
+                <a:latin typeface="Courier New" panose="02070309020205020404" pitchFamily="49" charset="0"/>
+                <a:cs typeface="Courier New" panose="02070309020205020404" pitchFamily="49" charset="0"/>
+              </a:rPr>
+              <a:t>100</a:t>
+            </a:r>
+            <a:r>
+              <a:rPr lang="en-US" b="1" dirty="0" smtClean="0">
+                <a:latin typeface="Courier New" panose="02070309020205020404" pitchFamily="49" charset="0"/>
+                <a:cs typeface="Courier New" panose="02070309020205020404" pitchFamily="49" charset="0"/>
+              </a:rPr>
+              <a:t> do</a:t>
+            </a:r>
+            <a:endParaRPr lang="ru-RU" b="1" dirty="0">
+              <a:latin typeface="Courier New" panose="02070309020205020404" pitchFamily="49" charset="0"/>
+              <a:cs typeface="Courier New" panose="02070309020205020404" pitchFamily="49" charset="0"/>
+            </a:endParaRPr>
+          </a:p>
+        </p:txBody>
+      </p:sp>
+    </p:spTree>
+    <p:extLst>
+      <p:ext uri="{BB962C8B-B14F-4D97-AF65-F5344CB8AC3E}">
+        <p14:creationId xmlns:p14="http://schemas.microsoft.com/office/powerpoint/2010/main" val="188135925"/>
+      </p:ext>
+    </p:extLst>
+  </p:cSld>
+  <p:clrMapOvr>
+    <a:masterClrMapping/>
+  </p:clrMapOvr>
+  <p:timing>
+    <p:tnLst>
+      <p:par>
+        <p:cTn id="1" dur="indefinite" restart="never" nodeType="tmRoot"/>
+      </p:par>
+    </p:tnLst>
+  </p:timing>
+</p:sld>
+</file>
+
+<file path=ppt/slides/slide8.xml><?xml version="1.0" encoding="utf-8"?>
+<p:sld xmlns:a="http://schemas.openxmlformats.org/drawingml/2006/main" xmlns:r="http://schemas.openxmlformats.org/officeDocument/2006/relationships" xmlns:p="http://schemas.openxmlformats.org/presentationml/2006/main">
+  <p:cSld>
+    <p:spTree>
+      <p:nvGrpSpPr>
+        <p:cNvPr id="1" name=""/>
+        <p:cNvGrpSpPr/>
+        <p:nvPr/>
+      </p:nvGrpSpPr>
+      <p:grpSpPr>
+        <a:xfrm>
+          <a:off x="0" y="0"/>
+          <a:ext cx="0" cy="0"/>
+          <a:chOff x="0" y="0"/>
+          <a:chExt cx="0" cy="0"/>
+        </a:xfrm>
+      </p:grpSpPr>
+      <p:sp>
+        <p:nvSpPr>
+          <p:cNvPr id="2" name="Заголовок 1"/>
+          <p:cNvSpPr>
+            <a:spLocks noGrp="1"/>
+          </p:cNvSpPr>
+          <p:nvPr>
+            <p:ph type="title"/>
+          </p:nvPr>
+        </p:nvSpPr>
+        <p:spPr/>
+        <p:txBody>
+          <a:bodyPr>
+            <a:normAutofit/>
+          </a:bodyPr>
+          <a:lstStyle/>
+          <a:p>
+            <a:r>
+              <a:rPr lang="ru-RU" b="1" dirty="0" smtClean="0">
+                <a:effectLst>
+                  <a:outerShdw blurRad="38100" dist="38100" dir="2700000" algn="tl">
+                    <a:srgbClr val="000000">
+                      <a:alpha val="43137"/>
+                    </a:srgbClr>
+                  </a:outerShdw>
+                </a:effectLst>
+                <a:latin typeface="Comic Sans MS" panose="030F0702030302020204" pitchFamily="66" charset="0"/>
+              </a:rPr>
+              <a:t>Блок </a:t>
+            </a:r>
+            <a:r>
+              <a:rPr lang="ru-RU" b="1" dirty="0" smtClean="0">
+                <a:effectLst>
+                  <a:outerShdw blurRad="38100" dist="38100" dir="2700000" algn="tl">
+                    <a:srgbClr val="000000">
+                      <a:alpha val="43137"/>
+                    </a:srgbClr>
+                  </a:outerShdw>
+                </a:effectLst>
+                <a:latin typeface="Comic Sans MS" panose="030F0702030302020204" pitchFamily="66" charset="0"/>
+              </a:rPr>
+              <a:t>границы </a:t>
+            </a:r>
+            <a:r>
+              <a:rPr lang="ru-RU" b="1" dirty="0" smtClean="0">
+                <a:effectLst>
+                  <a:outerShdw blurRad="38100" dist="38100" dir="2700000" algn="tl">
+                    <a:srgbClr val="000000">
+                      <a:alpha val="43137"/>
+                    </a:srgbClr>
+                  </a:outerShdw>
+                </a:effectLst>
+                <a:latin typeface="Comic Sans MS" panose="030F0702030302020204" pitchFamily="66" charset="0"/>
+              </a:rPr>
+              <a:t>цикла</a:t>
+            </a:r>
+            <a:endParaRPr lang="ru-RU" b="1" dirty="0">
+              <a:effectLst>
+                <a:outerShdw blurRad="38100" dist="38100" dir="2700000" algn="tl">
+                  <a:srgbClr val="000000">
+                    <a:alpha val="43137"/>
+                  </a:srgbClr>
+                </a:outerShdw>
+              </a:effectLst>
+              <a:latin typeface="Comic Sans MS" panose="030F0702030302020204" pitchFamily="66" charset="0"/>
+            </a:endParaRPr>
+          </a:p>
+        </p:txBody>
+      </p:sp>
+      <p:pic>
+        <p:nvPicPr>
+          <p:cNvPr id="4" name="Picture 4" descr="E:\Programming\блог\img\ML.png"/>
+          <p:cNvPicPr>
+            <a:picLocks noChangeAspect="1" noChangeArrowheads="1"/>
+          </p:cNvPicPr>
+          <p:nvPr/>
+        </p:nvPicPr>
+        <p:blipFill>
+          <a:blip r:embed="rId2" cstate="print">
+            <a:extLst>
+              <a:ext uri="{28A0092B-C50C-407E-A947-70E740481C1C}">
+                <a14:useLocalDpi xmlns:a14="http://schemas.microsoft.com/office/drawing/2010/main" val="0"/>
+              </a:ext>
+            </a:extLst>
+          </a:blip>
+          <a:srcRect/>
+          <a:stretch>
+            <a:fillRect/>
+          </a:stretch>
+        </p:blipFill>
+        <p:spPr bwMode="auto">
+          <a:xfrm>
+            <a:off x="8136804" y="188640"/>
+            <a:ext cx="792905" cy="645453"/>
+          </a:xfrm>
+          <a:prstGeom prst="rect">
+            <a:avLst/>
+          </a:prstGeom>
+          <a:noFill/>
+          <a:extLst>
+            <a:ext uri="{909E8E84-426E-40DD-AFC4-6F175D3DCCD1}">
+              <a14:hiddenFill xmlns:a14="http://schemas.microsoft.com/office/drawing/2010/main">
+                <a:solidFill>
+                  <a:srgbClr val="FFFFFF"/>
+                </a:solidFill>
+              </a14:hiddenFill>
+            </a:ext>
+          </a:extLst>
+        </p:spPr>
+      </p:pic>
+      <p:cxnSp>
+        <p:nvCxnSpPr>
+          <p:cNvPr id="6" name="Прямая соединительная линия 5"/>
+          <p:cNvCxnSpPr/>
+          <p:nvPr/>
+        </p:nvCxnSpPr>
+        <p:spPr>
+          <a:xfrm>
+            <a:off x="3131840" y="1988840"/>
+            <a:ext cx="0" cy="4320480"/>
+          </a:xfrm>
+          <a:prstGeom prst="line">
+            <a:avLst/>
+          </a:prstGeom>
+          <a:ln w="25400">
+            <a:solidFill>
+              <a:schemeClr val="bg1"/>
+            </a:solidFill>
+          </a:ln>
+        </p:spPr>
+        <p:style>
+          <a:lnRef idx="1">
+            <a:schemeClr val="accent1"/>
+          </a:lnRef>
+          <a:fillRef idx="0">
+            <a:schemeClr val="accent1"/>
+          </a:fillRef>
+          <a:effectRef idx="0">
+            <a:schemeClr val="accent1"/>
+          </a:effectRef>
+          <a:fontRef idx="minor">
+            <a:schemeClr val="tx1"/>
+          </a:fontRef>
+        </p:style>
+      </p:cxnSp>
+      <p:cxnSp>
+        <p:nvCxnSpPr>
+          <p:cNvPr id="7" name="Прямая соединительная линия 6"/>
+          <p:cNvCxnSpPr/>
+          <p:nvPr/>
+        </p:nvCxnSpPr>
+        <p:spPr>
+          <a:xfrm>
+            <a:off x="6012160" y="1988840"/>
+            <a:ext cx="0" cy="4320480"/>
+          </a:xfrm>
+          <a:prstGeom prst="line">
+            <a:avLst/>
+          </a:prstGeom>
+          <a:ln w="25400">
+            <a:solidFill>
+              <a:schemeClr val="bg1"/>
+            </a:solidFill>
+          </a:ln>
+        </p:spPr>
+        <p:style>
+          <a:lnRef idx="1">
+            <a:schemeClr val="accent1"/>
+          </a:lnRef>
+          <a:fillRef idx="0">
+            <a:schemeClr val="accent1"/>
+          </a:fillRef>
+          <a:effectRef idx="0">
+            <a:schemeClr val="accent1"/>
+          </a:effectRef>
+          <a:fontRef idx="minor">
+            <a:schemeClr val="tx1"/>
+          </a:fontRef>
+        </p:style>
+      </p:cxnSp>
+      <p:sp>
+        <p:nvSpPr>
+          <p:cNvPr id="12" name="TextBox 11"/>
+          <p:cNvSpPr txBox="1"/>
+          <p:nvPr/>
+        </p:nvSpPr>
+        <p:spPr>
+          <a:xfrm>
+            <a:off x="6181946" y="4185954"/>
+            <a:ext cx="2528256" cy="646331"/>
+          </a:xfrm>
+          <a:prstGeom prst="rect">
+            <a:avLst/>
+          </a:prstGeom>
+          <a:solidFill>
+            <a:schemeClr val="bg1"/>
+          </a:solidFill>
+        </p:spPr>
+        <p:txBody>
+          <a:bodyPr wrap="none" rtlCol="0">
+            <a:spAutoFit/>
+          </a:bodyPr>
+          <a:lstStyle/>
+          <a:p>
+            <a:r>
+              <a:rPr lang="en-US" b="1" dirty="0" smtClean="0">
+                <a:latin typeface="Courier New" panose="02070309020205020404" pitchFamily="49" charset="0"/>
+                <a:cs typeface="Courier New" panose="02070309020205020404" pitchFamily="49" charset="0"/>
+              </a:rPr>
+              <a:t>while </a:t>
+            </a:r>
+            <a:r>
+              <a:rPr lang="en-US" dirty="0" smtClean="0">
+                <a:latin typeface="Courier New" panose="02070309020205020404" pitchFamily="49" charset="0"/>
+                <a:cs typeface="Courier New" panose="02070309020205020404" pitchFamily="49" charset="0"/>
+              </a:rPr>
+              <a:t>(N &gt; 10) </a:t>
+            </a:r>
+            <a:r>
+              <a:rPr lang="en-US" b="1" dirty="0" smtClean="0">
+                <a:latin typeface="Courier New" panose="02070309020205020404" pitchFamily="49" charset="0"/>
+                <a:cs typeface="Courier New" panose="02070309020205020404" pitchFamily="49" charset="0"/>
+              </a:rPr>
+              <a:t>do</a:t>
+            </a:r>
+          </a:p>
+          <a:p>
+            <a:r>
+              <a:rPr lang="en-US" b="1" dirty="0">
+                <a:latin typeface="Courier New" panose="02070309020205020404" pitchFamily="49" charset="0"/>
+                <a:cs typeface="Courier New" panose="02070309020205020404" pitchFamily="49" charset="0"/>
+              </a:rPr>
+              <a:t> </a:t>
+            </a:r>
+            <a:r>
+              <a:rPr lang="en-US" b="1" dirty="0" smtClean="0">
+                <a:latin typeface="Courier New" panose="02070309020205020404" pitchFamily="49" charset="0"/>
+                <a:cs typeface="Courier New" panose="02070309020205020404" pitchFamily="49" charset="0"/>
+              </a:rPr>
+              <a:t> </a:t>
+            </a:r>
+            <a:r>
+              <a:rPr lang="en-US" dirty="0" smtClean="0">
+                <a:latin typeface="Courier New" panose="02070309020205020404" pitchFamily="49" charset="0"/>
+                <a:cs typeface="Courier New" panose="02070309020205020404" pitchFamily="49" charset="0"/>
+              </a:rPr>
+              <a:t>N := N – 1;</a:t>
+            </a:r>
+            <a:endParaRPr lang="ru-RU" dirty="0">
+              <a:latin typeface="Courier New" panose="02070309020205020404" pitchFamily="49" charset="0"/>
+              <a:cs typeface="Courier New" panose="02070309020205020404" pitchFamily="49" charset="0"/>
+            </a:endParaRPr>
+          </a:p>
+        </p:txBody>
+      </p:sp>
+      <p:sp>
+        <p:nvSpPr>
+          <p:cNvPr id="5" name="Прямоугольник с двумя вырезанными соседними углами 4"/>
+          <p:cNvSpPr/>
+          <p:nvPr/>
+        </p:nvSpPr>
+        <p:spPr>
+          <a:xfrm>
+            <a:off x="572094" y="3429000"/>
+            <a:ext cx="2245036" cy="720080"/>
+          </a:xfrm>
+          <a:prstGeom prst="snip2SameRect">
+            <a:avLst/>
+          </a:prstGeom>
+          <a:solidFill>
+            <a:schemeClr val="bg1"/>
+          </a:solidFill>
+          <a:ln>
+            <a:solidFill>
+              <a:schemeClr val="tx1"/>
+            </a:solidFill>
+          </a:ln>
+        </p:spPr>
+        <p:style>
+          <a:lnRef idx="2">
+            <a:schemeClr val="accent1">
+              <a:shade val="50000"/>
+            </a:schemeClr>
+          </a:lnRef>
+          <a:fillRef idx="1">
+            <a:schemeClr val="accent1"/>
+          </a:fillRef>
+          <a:effectRef idx="0">
+            <a:schemeClr val="accent1"/>
+          </a:effectRef>
+          <a:fontRef idx="minor">
+            <a:schemeClr val="lt1"/>
+          </a:fontRef>
+        </p:style>
+        <p:txBody>
+          <a:bodyPr rtlCol="0" anchor="ctr"/>
+          <a:lstStyle/>
+          <a:p>
+            <a:pPr algn="ctr"/>
+            <a:r>
+              <a:rPr lang="ru-RU" b="1" dirty="0" smtClean="0">
+                <a:solidFill>
+                  <a:schemeClr val="tx1"/>
+                </a:solidFill>
+                <a:latin typeface="Courier New" panose="02070309020205020404" pitchFamily="49" charset="0"/>
+                <a:cs typeface="Courier New" panose="02070309020205020404" pitchFamily="49" charset="0"/>
+              </a:rPr>
+              <a:t>Имя цикла,</a:t>
+            </a:r>
+          </a:p>
+          <a:p>
+            <a:pPr algn="ctr"/>
+            <a:r>
+              <a:rPr lang="ru-RU" b="1" dirty="0" smtClean="0">
+                <a:solidFill>
+                  <a:schemeClr val="tx1"/>
+                </a:solidFill>
+                <a:latin typeface="Courier New" panose="02070309020205020404" pitchFamily="49" charset="0"/>
+                <a:cs typeface="Courier New" panose="02070309020205020404" pitchFamily="49" charset="0"/>
+              </a:rPr>
+              <a:t>условие выхода</a:t>
+            </a:r>
+            <a:endParaRPr lang="ru-RU" b="1" dirty="0">
+              <a:solidFill>
+                <a:schemeClr val="tx1"/>
+              </a:solidFill>
+              <a:latin typeface="Courier New" panose="02070309020205020404" pitchFamily="49" charset="0"/>
+              <a:cs typeface="Courier New" panose="02070309020205020404" pitchFamily="49" charset="0"/>
+            </a:endParaRPr>
+          </a:p>
+        </p:txBody>
+      </p:sp>
+      <p:sp>
+        <p:nvSpPr>
+          <p:cNvPr id="9" name="Прямоугольник с двумя вырезанными соседними углами 8"/>
+          <p:cNvSpPr/>
+          <p:nvPr/>
+        </p:nvSpPr>
+        <p:spPr>
+          <a:xfrm>
+            <a:off x="572094" y="4830460"/>
+            <a:ext cx="2245036" cy="720080"/>
+          </a:xfrm>
+          <a:prstGeom prst="snip2SameRect">
+            <a:avLst>
+              <a:gd name="adj1" fmla="val 0"/>
+              <a:gd name="adj2" fmla="val 19674"/>
+            </a:avLst>
+          </a:prstGeom>
+          <a:solidFill>
+            <a:schemeClr val="bg1"/>
+          </a:solidFill>
+          <a:ln>
+            <a:solidFill>
+              <a:schemeClr val="tx1"/>
+            </a:solidFill>
+          </a:ln>
+        </p:spPr>
+        <p:style>
+          <a:lnRef idx="2">
+            <a:schemeClr val="accent1">
+              <a:shade val="50000"/>
+            </a:schemeClr>
+          </a:lnRef>
+          <a:fillRef idx="1">
+            <a:schemeClr val="accent1"/>
+          </a:fillRef>
+          <a:effectRef idx="0">
+            <a:schemeClr val="accent1"/>
+          </a:effectRef>
+          <a:fontRef idx="minor">
+            <a:schemeClr val="lt1"/>
+          </a:fontRef>
+        </p:style>
+        <p:txBody>
+          <a:bodyPr rtlCol="0" anchor="ctr"/>
+          <a:lstStyle/>
+          <a:p>
+            <a:pPr algn="ctr"/>
+            <a:r>
+              <a:rPr lang="ru-RU" b="1" dirty="0" smtClean="0">
+                <a:solidFill>
+                  <a:schemeClr val="tx1"/>
+                </a:solidFill>
+                <a:latin typeface="Courier New" panose="02070309020205020404" pitchFamily="49" charset="0"/>
+                <a:cs typeface="Courier New" panose="02070309020205020404" pitchFamily="49" charset="0"/>
+              </a:rPr>
+              <a:t>Имя цикла</a:t>
+            </a:r>
+            <a:endParaRPr lang="ru-RU" b="1" dirty="0">
+              <a:solidFill>
+                <a:schemeClr val="tx1"/>
+              </a:solidFill>
+              <a:latin typeface="Courier New" panose="02070309020205020404" pitchFamily="49" charset="0"/>
+              <a:cs typeface="Courier New" panose="02070309020205020404" pitchFamily="49" charset="0"/>
+            </a:endParaRPr>
+          </a:p>
+        </p:txBody>
+      </p:sp>
+      <p:sp>
+        <p:nvSpPr>
+          <p:cNvPr id="10" name="Прямоугольник с двумя вырезанными соседними углами 9"/>
+          <p:cNvSpPr/>
+          <p:nvPr/>
+        </p:nvSpPr>
+        <p:spPr>
+          <a:xfrm>
+            <a:off x="3419872" y="2716746"/>
+            <a:ext cx="2245036" cy="720080"/>
+          </a:xfrm>
+          <a:prstGeom prst="snip2SameRect">
+            <a:avLst/>
+          </a:prstGeom>
+          <a:solidFill>
+            <a:schemeClr val="bg1"/>
+          </a:solidFill>
+          <a:ln>
+            <a:solidFill>
+              <a:schemeClr val="tx1"/>
+            </a:solidFill>
+          </a:ln>
+        </p:spPr>
+        <p:style>
+          <a:lnRef idx="2">
+            <a:schemeClr val="accent1">
+              <a:shade val="50000"/>
+            </a:schemeClr>
+          </a:lnRef>
+          <a:fillRef idx="1">
+            <a:schemeClr val="accent1"/>
+          </a:fillRef>
+          <a:effectRef idx="0">
+            <a:schemeClr val="accent1"/>
+          </a:effectRef>
+          <a:fontRef idx="minor">
+            <a:schemeClr val="lt1"/>
+          </a:fontRef>
+        </p:style>
+        <p:txBody>
+          <a:bodyPr rtlCol="0" anchor="ctr"/>
+          <a:lstStyle/>
+          <a:p>
+            <a:pPr algn="ctr"/>
+            <a:r>
+              <a:rPr lang="ru-RU" b="1" dirty="0" smtClean="0">
+                <a:solidFill>
+                  <a:schemeClr val="tx1"/>
+                </a:solidFill>
+                <a:latin typeface="Courier New" panose="02070309020205020404" pitchFamily="49" charset="0"/>
+                <a:cs typeface="Courier New" panose="02070309020205020404" pitchFamily="49" charset="0"/>
+              </a:rPr>
+              <a:t>Цикл А,</a:t>
+            </a:r>
+          </a:p>
+          <a:p>
+            <a:pPr algn="ctr"/>
+            <a:r>
+              <a:rPr lang="ru-RU" b="1" dirty="0" smtClean="0">
+                <a:solidFill>
+                  <a:schemeClr val="tx1"/>
+                </a:solidFill>
+                <a:latin typeface="Courier New" panose="02070309020205020404" pitchFamily="49" charset="0"/>
+                <a:cs typeface="Courier New" panose="02070309020205020404" pitchFamily="49" charset="0"/>
+              </a:rPr>
+              <a:t>Пока </a:t>
+            </a:r>
+            <a:r>
+              <a:rPr lang="en-US" b="1" dirty="0" smtClean="0">
+                <a:solidFill>
+                  <a:schemeClr val="tx1"/>
+                </a:solidFill>
+                <a:latin typeface="Courier New" panose="02070309020205020404" pitchFamily="49" charset="0"/>
+                <a:cs typeface="Courier New" panose="02070309020205020404" pitchFamily="49" charset="0"/>
+              </a:rPr>
+              <a:t>N &gt; 10</a:t>
+            </a:r>
+            <a:endParaRPr lang="ru-RU" b="1" dirty="0">
+              <a:solidFill>
+                <a:schemeClr val="tx1"/>
+              </a:solidFill>
+              <a:latin typeface="Courier New" panose="02070309020205020404" pitchFamily="49" charset="0"/>
+              <a:cs typeface="Courier New" panose="02070309020205020404" pitchFamily="49" charset="0"/>
+            </a:endParaRPr>
+          </a:p>
+        </p:txBody>
+      </p:sp>
+      <p:sp>
+        <p:nvSpPr>
+          <p:cNvPr id="11" name="Прямоугольник с двумя вырезанными соседними углами 10"/>
+          <p:cNvSpPr/>
+          <p:nvPr/>
+        </p:nvSpPr>
+        <p:spPr>
+          <a:xfrm>
+            <a:off x="3419872" y="5589240"/>
+            <a:ext cx="2245036" cy="720080"/>
+          </a:xfrm>
+          <a:prstGeom prst="snip2SameRect">
+            <a:avLst>
+              <a:gd name="adj1" fmla="val 0"/>
+              <a:gd name="adj2" fmla="val 19674"/>
+            </a:avLst>
+          </a:prstGeom>
+          <a:solidFill>
+            <a:schemeClr val="bg1"/>
+          </a:solidFill>
+          <a:ln>
+            <a:solidFill>
+              <a:schemeClr val="tx1"/>
+            </a:solidFill>
+          </a:ln>
+        </p:spPr>
+        <p:style>
+          <a:lnRef idx="2">
+            <a:schemeClr val="accent1">
+              <a:shade val="50000"/>
+            </a:schemeClr>
+          </a:lnRef>
+          <a:fillRef idx="1">
+            <a:schemeClr val="accent1"/>
+          </a:fillRef>
+          <a:effectRef idx="0">
+            <a:schemeClr val="accent1"/>
+          </a:effectRef>
+          <a:fontRef idx="minor">
+            <a:schemeClr val="lt1"/>
+          </a:fontRef>
+        </p:style>
+        <p:txBody>
+          <a:bodyPr rtlCol="0" anchor="ctr"/>
+          <a:lstStyle/>
+          <a:p>
+            <a:pPr algn="ctr"/>
+            <a:r>
+              <a:rPr lang="ru-RU" b="1" dirty="0" smtClean="0">
+                <a:solidFill>
+                  <a:schemeClr val="tx1"/>
+                </a:solidFill>
+                <a:latin typeface="Courier New" panose="02070309020205020404" pitchFamily="49" charset="0"/>
+                <a:cs typeface="Courier New" panose="02070309020205020404" pitchFamily="49" charset="0"/>
+              </a:rPr>
+              <a:t>Цикл А</a:t>
+            </a:r>
+            <a:endParaRPr lang="ru-RU" b="1" dirty="0">
+              <a:solidFill>
+                <a:schemeClr val="tx1"/>
+              </a:solidFill>
+              <a:latin typeface="Courier New" panose="02070309020205020404" pitchFamily="49" charset="0"/>
+              <a:cs typeface="Courier New" panose="02070309020205020404" pitchFamily="49" charset="0"/>
+            </a:endParaRPr>
+          </a:p>
+        </p:txBody>
+      </p:sp>
+      <p:sp>
+        <p:nvSpPr>
+          <p:cNvPr id="13" name="Прямоугольник с двумя вырезанными соседними углами 12"/>
+          <p:cNvSpPr/>
+          <p:nvPr/>
+        </p:nvSpPr>
+        <p:spPr>
+          <a:xfrm>
+            <a:off x="3419872" y="4149080"/>
+            <a:ext cx="2245036" cy="720080"/>
+          </a:xfrm>
+          <a:prstGeom prst="snip2SameRect">
+            <a:avLst>
+              <a:gd name="adj1" fmla="val 0"/>
+              <a:gd name="adj2" fmla="val 0"/>
+            </a:avLst>
+          </a:prstGeom>
+          <a:solidFill>
+            <a:schemeClr val="bg1"/>
+          </a:solidFill>
+          <a:ln>
+            <a:solidFill>
+              <a:schemeClr val="tx1"/>
+            </a:solidFill>
+          </a:ln>
+        </p:spPr>
+        <p:style>
+          <a:lnRef idx="2">
+            <a:schemeClr val="accent1">
+              <a:shade val="50000"/>
+            </a:schemeClr>
+          </a:lnRef>
+          <a:fillRef idx="1">
+            <a:schemeClr val="accent1"/>
+          </a:fillRef>
+          <a:effectRef idx="0">
+            <a:schemeClr val="accent1"/>
+          </a:effectRef>
+          <a:fontRef idx="minor">
+            <a:schemeClr val="lt1"/>
+          </a:fontRef>
+        </p:style>
+        <p:txBody>
+          <a:bodyPr rtlCol="0" anchor="ctr"/>
+          <a:lstStyle/>
+          <a:p>
+            <a:pPr algn="ctr"/>
+            <a:r>
+              <a:rPr lang="en-US" b="1" dirty="0" smtClean="0">
+                <a:solidFill>
+                  <a:schemeClr val="tx1"/>
+                </a:solidFill>
+                <a:latin typeface="Courier New" panose="02070309020205020404" pitchFamily="49" charset="0"/>
+                <a:cs typeface="Courier New" panose="02070309020205020404" pitchFamily="49" charset="0"/>
+              </a:rPr>
+              <a:t>N := N - 1</a:t>
+            </a:r>
+            <a:endParaRPr lang="ru-RU" b="1" dirty="0">
+              <a:solidFill>
+                <a:schemeClr val="tx1"/>
+              </a:solidFill>
+              <a:latin typeface="Courier New" panose="02070309020205020404" pitchFamily="49" charset="0"/>
+              <a:cs typeface="Courier New" panose="02070309020205020404" pitchFamily="49" charset="0"/>
+            </a:endParaRPr>
+          </a:p>
+        </p:txBody>
+      </p:sp>
+      <p:cxnSp>
+        <p:nvCxnSpPr>
+          <p:cNvPr id="14" name="Прямая соединительная линия 13"/>
+          <p:cNvCxnSpPr/>
+          <p:nvPr/>
+        </p:nvCxnSpPr>
+        <p:spPr>
+          <a:xfrm flipH="1">
+            <a:off x="4546937" y="3423188"/>
+            <a:ext cx="1" cy="720080"/>
+          </a:xfrm>
+          <a:prstGeom prst="line">
+            <a:avLst/>
+          </a:prstGeom>
+          <a:ln w="25400">
+            <a:solidFill>
+              <a:schemeClr val="tx1"/>
+            </a:solidFill>
+          </a:ln>
+        </p:spPr>
+        <p:style>
+          <a:lnRef idx="1">
+            <a:schemeClr val="accent1"/>
+          </a:lnRef>
+          <a:fillRef idx="0">
+            <a:schemeClr val="accent1"/>
+          </a:fillRef>
+          <a:effectRef idx="0">
+            <a:schemeClr val="accent1"/>
+          </a:effectRef>
+          <a:fontRef idx="minor">
+            <a:schemeClr val="tx1"/>
+          </a:fontRef>
+        </p:style>
+      </p:cxnSp>
+      <p:cxnSp>
+        <p:nvCxnSpPr>
+          <p:cNvPr id="15" name="Прямая соединительная линия 14"/>
+          <p:cNvCxnSpPr/>
+          <p:nvPr/>
+        </p:nvCxnSpPr>
+        <p:spPr>
+          <a:xfrm flipH="1">
+            <a:off x="4542389" y="4869160"/>
+            <a:ext cx="1" cy="720080"/>
+          </a:xfrm>
+          <a:prstGeom prst="line">
+            <a:avLst/>
+          </a:prstGeom>
+          <a:ln w="25400">
+            <a:solidFill>
+              <a:schemeClr val="tx1"/>
+            </a:solidFill>
+          </a:ln>
+        </p:spPr>
+        <p:style>
+          <a:lnRef idx="1">
+            <a:schemeClr val="accent1"/>
+          </a:lnRef>
+          <a:fillRef idx="0">
+            <a:schemeClr val="accent1"/>
+          </a:fillRef>
+          <a:effectRef idx="0">
+            <a:schemeClr val="accent1"/>
+          </a:effectRef>
+          <a:fontRef idx="minor">
+            <a:schemeClr val="tx1"/>
+          </a:fontRef>
+        </p:style>
+      </p:cxnSp>
+    </p:spTree>
+    <p:extLst>
+      <p:ext uri="{BB962C8B-B14F-4D97-AF65-F5344CB8AC3E}">
+        <p14:creationId xmlns:p14="http://schemas.microsoft.com/office/powerpoint/2010/main" val="3157364416"/>
       </p:ext>
     </p:extLst>
   </p:cSld>
